--- a/Diagramme Cas d'utilisation/Diagrammes_cas_utilisation.pptx
+++ b/Diagramme Cas d'utilisation/Diagrammes_cas_utilisation.pptx
@@ -8,6 +8,7 @@
     <p:sldId id="256" r:id="rId2"/>
     <p:sldId id="258" r:id="rId3"/>
     <p:sldId id="259" r:id="rId4"/>
+    <p:sldId id="260" r:id="rId5"/>
   </p:sldIdLst>
   <p:sldSz cx="12192000" cy="6858000"/>
   <p:notesSz cx="6858000" cy="9144000"/>
@@ -106,6 +107,11 @@
       </a:defRPr>
     </a:lvl9pPr>
   </p:defaultTextStyle>
+  <p:extLst>
+    <p:ext uri="{EFAFB233-063F-42B5-8137-9DF3F51BA10A}">
+      <p15:sldGuideLst xmlns:p15="http://schemas.microsoft.com/office/powerpoint/2012/main"/>
+    </p:ext>
+  </p:extLst>
 </p:presentation>
 </file>
 
@@ -1045,6 +1051,240 @@
 </inkml:ink>
 </file>
 
+<file path=ppt/ink/ink131.xml><?xml version="1.0" encoding="utf-8"?>
+<inkml:ink xmlns:inkml="http://www.w3.org/2003/InkML">
+  <inkml:definitions>
+    <inkml:context xml:id="ctx0">
+      <inkml:inkSource xml:id="inkSrc0">
+        <inkml:traceFormat>
+          <inkml:channel name="X" type="integer" min="-2.14748E9" max="2.14748E9" units="cm"/>
+          <inkml:channel name="Y" type="integer" min="-2.14748E9" max="2.14748E9" units="cm"/>
+        </inkml:traceFormat>
+        <inkml:channelProperties>
+          <inkml:channelProperty channel="X" name="resolution" value="1000" units="1/cm"/>
+          <inkml:channelProperty channel="Y" name="resolution" value="1000" units="1/cm"/>
+        </inkml:channelProperties>
+      </inkml:inkSource>
+      <inkml:timestamp xml:id="ts0" timeString="2021-04-21T08:24:10.306"/>
+    </inkml:context>
+    <inkml:brush xml:id="br0">
+      <inkml:brushProperty name="width" value="0.05" units="cm"/>
+      <inkml:brushProperty name="height" value="0.05" units="cm"/>
+      <inkml:brushProperty name="ignorePressure" value="1"/>
+    </inkml:brush>
+  </inkml:definitions>
+  <inkml:trace contextRef="#ctx0" brushRef="#br0">1308 142,'-9'1,"1"0,0 0,-1 1,1 0,0 1,0 0,0 0,0 0,-14 10,-67 50,62-41,-46 32,2 4,2 2,3 4,-65 81,25 14,60-87,-6 15,-47 109,17-28,61-124,3 1,-19 67,1-1,18-51,2 1,-10 81,1-8,-25 163,41-228,0-6,-1 90,9-126,-10 53,6-52,-1 47,4 20,5 180,8-188,-5-52,1 55,-8-27,0 11,16 143,8 31,4-10,-8-76,5 1,0 24,-1-1,-6-85,13 64,110 362,-130-495,1-1,1 0,2 0,1-2,1 1,2-2,1 0,34 38,92 116,-13-15,21-11,-84-88,-46-47,2-1,0-2,1 0,1-2,0-1,1-1,40 14,-22-11,1-3,0-2,94 11,-66-13,-38-4,61 1,-27-5,89 13,116 5,5 7,97 2,-276-18,51 1,407-13,-543-1,-1-1,1 0,-1-1,0-1,0 0,0-1,-1-1,0-1,-1 0,1-1,-1 0,-1-1,23-22,-19 11,-1-1,-1-1,-1 0,-1-1,17-42,-22 47,4-13,-3-1,0 0,-2-1,5-62,0 8,-7 44,-1-47,-3 52,11-73,11 16,6-39,-19 76,-3 22,-2 0,1-40,-4 48,8-47,-5 46,1-45,-4-58,-5-260,-8 280,-2-57,2 28,-1-3,13 104,-3 1,-10-65,-12-81,-57-161,57 256,-44-125,14 55,-55-166,2 45,89 237,-141-397,136 374,-12-27,-74-159,-5 20,58 126,-5 3,-5 3,-104-126,108 162,-3 2,-125-96,51 49,-82-35,177 119,0 2,-1 1,-67-22,-27 5,6 2,96 28,-71-13,26 7,-58-5,126 18,-1 1,0 1,0 1,0 0,-28 3,35-1,1 0,0 1,0-1,0 2,0-1,1 1,-1 0,1 0,-1 1,1 0,0 0,0 0,1 1,-6 6,0 2,0 1,1 1,0 0,1 0,1 1,1 0,-8 23,12-33,-2 8</inkml:trace>
+</inkml:ink>
+</file>
+
+<file path=ppt/ink/ink132.xml><?xml version="1.0" encoding="utf-8"?>
+<inkml:ink xmlns:inkml="http://www.w3.org/2003/InkML">
+  <inkml:definitions>
+    <inkml:context xml:id="ctx0">
+      <inkml:inkSource xml:id="inkSrc0">
+        <inkml:traceFormat>
+          <inkml:channel name="X" type="integer" min="-2.14748E9" max="2.14748E9" units="cm"/>
+          <inkml:channel name="Y" type="integer" min="-2.14748E9" max="2.14748E9" units="cm"/>
+        </inkml:traceFormat>
+        <inkml:channelProperties>
+          <inkml:channelProperty channel="X" name="resolution" value="1000" units="1/cm"/>
+          <inkml:channelProperty channel="Y" name="resolution" value="1000" units="1/cm"/>
+        </inkml:channelProperties>
+      </inkml:inkSource>
+      <inkml:timestamp xml:id="ts0" timeString="2021-04-21T09:12:13.192"/>
+    </inkml:context>
+    <inkml:brush xml:id="br0">
+      <inkml:brushProperty name="width" value="0.05" units="cm"/>
+      <inkml:brushProperty name="height" value="0.05" units="cm"/>
+      <inkml:brushProperty name="ignorePressure" value="1"/>
+    </inkml:brush>
+  </inkml:definitions>
+  <inkml:trace contextRef="#ctx0" brushRef="#br0">1308 142,'-9'1,"1"0,0 0,-1 1,1 0,0 1,0 0,0 0,0 0,-14 10,-67 50,62-41,-46 32,2 4,2 2,3 4,-65 81,25 14,60-87,-6 15,-47 109,17-28,61-124,3 1,-19 67,1-1,18-51,2 1,-10 81,1-8,-25 163,41-228,0-6,-1 90,9-126,-10 53,6-52,-1 47,4 20,5 180,8-188,-5-52,1 55,-8-27,0 11,16 143,8 31,4-10,-8-76,5 1,0 24,-1-1,-6-85,13 64,110 362,-130-495,1-1,1 0,2 0,1-2,1 1,2-2,1 0,34 38,92 116,-13-15,21-11,-84-88,-46-47,2-1,0-2,1 0,1-2,0-1,1-1,40 14,-22-11,1-3,0-2,94 11,-66-13,-38-4,61 1,-27-5,89 13,116 5,5 7,97 2,-276-18,51 1,407-13,-543-1,-1-1,1 0,-1-1,0-1,0 0,0-1,-1-1,0-1,-1 0,1-1,-1 0,-1-1,23-22,-19 11,-1-1,-1-1,-1 0,-1-1,17-42,-22 47,4-13,-3-1,0 0,-2-1,5-62,0 8,-7 44,-1-47,-3 52,11-73,11 16,6-39,-19 76,-3 22,-2 0,1-40,-4 48,8-47,-5 46,1-45,-4-58,-5-260,-8 280,-2-57,2 28,-1-3,13 104,-3 1,-10-65,-12-81,-57-161,57 256,-44-125,14 55,-55-166,2 45,89 237,-141-397,136 374,-12-27,-74-159,-5 20,58 126,-5 3,-5 3,-104-126,108 162,-3 2,-125-96,51 49,-82-35,177 119,0 2,-1 1,-67-22,-27 5,6 2,96 28,-71-13,26 7,-58-5,126 18,-1 1,0 1,0 1,0 0,-28 3,35-1,1 0,0 1,0-1,0 2,0-1,1 1,-1 0,1 0,-1 1,1 0,0 0,0 0,1 1,-6 6,0 2,0 1,1 1,0 0,1 0,1 1,1 0,-8 23,12-33,-2 8</inkml:trace>
+</inkml:ink>
+</file>
+
+<file path=ppt/ink/ink133.xml><?xml version="1.0" encoding="utf-8"?>
+<inkml:ink xmlns:inkml="http://www.w3.org/2003/InkML">
+  <inkml:definitions>
+    <inkml:context xml:id="ctx0">
+      <inkml:inkSource xml:id="inkSrc0">
+        <inkml:traceFormat>
+          <inkml:channel name="X" type="integer" min="-2.14748E9" max="2.14748E9" units="cm"/>
+          <inkml:channel name="Y" type="integer" min="-2.14748E9" max="2.14748E9" units="cm"/>
+        </inkml:traceFormat>
+        <inkml:channelProperties>
+          <inkml:channelProperty channel="X" name="resolution" value="1000" units="1/cm"/>
+          <inkml:channelProperty channel="Y" name="resolution" value="1000" units="1/cm"/>
+        </inkml:channelProperties>
+      </inkml:inkSource>
+      <inkml:timestamp xml:id="ts0" timeString="2021-04-21T09:13:24.659"/>
+    </inkml:context>
+    <inkml:brush xml:id="br0">
+      <inkml:brushProperty name="width" value="0.05" units="cm"/>
+      <inkml:brushProperty name="height" value="0.05" units="cm"/>
+      <inkml:brushProperty name="ignorePressure" value="1"/>
+    </inkml:brush>
+  </inkml:definitions>
+  <inkml:trace contextRef="#ctx0" brushRef="#br0">1308 142,'-9'1,"1"0,0 0,-1 1,1 0,0 1,0 0,0 0,0 0,-14 10,-67 50,62-41,-46 32,2 4,2 2,3 4,-65 81,25 14,60-87,-6 15,-47 109,17-28,61-124,3 1,-19 67,1-1,18-51,2 1,-10 81,1-8,-25 163,41-228,0-6,-1 90,9-126,-10 53,6-52,-1 47,4 20,5 180,8-188,-5-52,1 55,-8-27,0 11,16 143,8 31,4-10,-8-76,5 1,0 24,-1-1,-6-85,13 64,110 362,-130-495,1-1,1 0,2 0,1-2,1 1,2-2,1 0,34 38,92 116,-13-15,21-11,-84-88,-46-47,2-1,0-2,1 0,1-2,0-1,1-1,40 14,-22-11,1-3,0-2,94 11,-66-13,-38-4,61 1,-27-5,89 13,116 5,5 7,97 2,-276-18,51 1,407-13,-543-1,-1-1,1 0,-1-1,0-1,0 0,0-1,-1-1,0-1,-1 0,1-1,-1 0,-1-1,23-22,-19 11,-1-1,-1-1,-1 0,-1-1,17-42,-22 47,4-13,-3-1,0 0,-2-1,5-62,0 8,-7 44,-1-47,-3 52,11-73,11 16,6-39,-19 76,-3 22,-2 0,1-40,-4 48,8-47,-5 46,1-45,-4-58,-5-260,-8 280,-2-57,2 28,-1-3,13 104,-3 1,-10-65,-12-81,-57-161,57 256,-44-125,14 55,-55-166,2 45,89 237,-141-397,136 374,-12-27,-74-159,-5 20,58 126,-5 3,-5 3,-104-126,108 162,-3 2,-125-96,51 49,-82-35,177 119,0 2,-1 1,-67-22,-27 5,6 2,96 28,-71-13,26 7,-58-5,126 18,-1 1,0 1,0 1,0 0,-28 3,35-1,1 0,0 1,0-1,0 2,0-1,1 1,-1 0,1 0,-1 1,1 0,0 0,0 0,1 1,-6 6,0 2,0 1,1 1,0 0,1 0,1 1,1 0,-8 23,12-33,-2 8</inkml:trace>
+</inkml:ink>
+</file>
+
+<file path=ppt/ink/ink134.xml><?xml version="1.0" encoding="utf-8"?>
+<inkml:ink xmlns:inkml="http://www.w3.org/2003/InkML">
+  <inkml:definitions>
+    <inkml:context xml:id="ctx0">
+      <inkml:inkSource xml:id="inkSrc0">
+        <inkml:traceFormat>
+          <inkml:channel name="X" type="integer" min="-2.14748E9" max="2.14748E9" units="cm"/>
+          <inkml:channel name="Y" type="integer" min="-2.14748E9" max="2.14748E9" units="cm"/>
+        </inkml:traceFormat>
+        <inkml:channelProperties>
+          <inkml:channelProperty channel="X" name="resolution" value="1000" units="1/cm"/>
+          <inkml:channelProperty channel="Y" name="resolution" value="1000" units="1/cm"/>
+        </inkml:channelProperties>
+      </inkml:inkSource>
+      <inkml:timestamp xml:id="ts0" timeString="2021-04-21T09:16:15.098"/>
+    </inkml:context>
+    <inkml:brush xml:id="br0">
+      <inkml:brushProperty name="width" value="0.05" units="cm"/>
+      <inkml:brushProperty name="height" value="0.05" units="cm"/>
+      <inkml:brushProperty name="ignorePressure" value="1"/>
+    </inkml:brush>
+  </inkml:definitions>
+  <inkml:trace contextRef="#ctx0" brushRef="#br0">1308 142,'-9'1,"1"0,0 0,-1 1,1 0,0 1,0 0,0 0,0 0,-14 10,-67 50,62-41,-46 32,2 4,2 2,3 4,-65 81,25 14,60-87,-6 15,-47 109,17-28,61-124,3 1,-19 67,1-1,18-51,2 1,-10 81,1-8,-25 163,41-228,0-6,-1 90,9-126,-10 53,6-52,-1 47,4 20,5 180,8-188,-5-52,1 55,-8-27,0 11,16 143,8 31,4-10,-8-76,5 1,0 24,-1-1,-6-85,13 64,110 362,-130-495,1-1,1 0,2 0,1-2,1 1,2-2,1 0,34 38,92 116,-13-15,21-11,-84-88,-46-47,2-1,0-2,1 0,1-2,0-1,1-1,40 14,-22-11,1-3,0-2,94 11,-66-13,-38-4,61 1,-27-5,89 13,116 5,5 7,97 2,-276-18,51 1,407-13,-543-1,-1-1,1 0,-1-1,0-1,0 0,0-1,-1-1,0-1,-1 0,1-1,-1 0,-1-1,23-22,-19 11,-1-1,-1-1,-1 0,-1-1,17-42,-22 47,4-13,-3-1,0 0,-2-1,5-62,0 8,-7 44,-1-47,-3 52,11-73,11 16,6-39,-19 76,-3 22,-2 0,1-40,-4 48,8-47,-5 46,1-45,-4-58,-5-260,-8 280,-2-57,2 28,-1-3,13 104,-3 1,-10-65,-12-81,-57-161,57 256,-44-125,14 55,-55-166,2 45,89 237,-141-397,136 374,-12-27,-74-159,-5 20,58 126,-5 3,-5 3,-104-126,108 162,-3 2,-125-96,51 49,-82-35,177 119,0 2,-1 1,-67-22,-27 5,6 2,96 28,-71-13,26 7,-58-5,126 18,-1 1,0 1,0 1,0 0,-28 3,35-1,1 0,0 1,0-1,0 2,0-1,1 1,-1 0,1 0,-1 1,1 0,0 0,0 0,1 1,-6 6,0 2,0 1,1 1,0 0,1 0,1 1,1 0,-8 23,12-33,-2 8</inkml:trace>
+</inkml:ink>
+</file>
+
+<file path=ppt/ink/ink135.xml><?xml version="1.0" encoding="utf-8"?>
+<inkml:ink xmlns:inkml="http://www.w3.org/2003/InkML">
+  <inkml:definitions>
+    <inkml:context xml:id="ctx0">
+      <inkml:inkSource xml:id="inkSrc0">
+        <inkml:traceFormat>
+          <inkml:channel name="X" type="integer" min="-2.14748E9" max="2.14748E9" units="cm"/>
+          <inkml:channel name="Y" type="integer" min="-2.14748E9" max="2.14748E9" units="cm"/>
+        </inkml:traceFormat>
+        <inkml:channelProperties>
+          <inkml:channelProperty channel="X" name="resolution" value="1000" units="1/cm"/>
+          <inkml:channelProperty channel="Y" name="resolution" value="1000" units="1/cm"/>
+        </inkml:channelProperties>
+      </inkml:inkSource>
+      <inkml:timestamp xml:id="ts0" timeString="2021-04-21T09:19:29.783"/>
+    </inkml:context>
+    <inkml:brush xml:id="br0">
+      <inkml:brushProperty name="width" value="0.05" units="cm"/>
+      <inkml:brushProperty name="height" value="0.05" units="cm"/>
+      <inkml:brushProperty name="ignorePressure" value="1"/>
+    </inkml:brush>
+  </inkml:definitions>
+  <inkml:trace contextRef="#ctx0" brushRef="#br0">0 1041,'9'-1,"-1"0,1-1,-1 0,0-1,0 1,13-8,23-6,71-11,236-67,-66 10,146-79,-345 124,-41 18,70-24,-82 33,0-2,-1-1,0-2,-1-1,-1-1,50-43,-40 34,2 1,86-40,-30 16,60-46,-119 73,46-19,-25 13,-47 24</inkml:trace>
+</inkml:ink>
+</file>
+
+<file path=ppt/ink/ink136.xml><?xml version="1.0" encoding="utf-8"?>
+<inkml:ink xmlns:inkml="http://www.w3.org/2003/InkML">
+  <inkml:definitions>
+    <inkml:context xml:id="ctx0">
+      <inkml:inkSource xml:id="inkSrc0">
+        <inkml:traceFormat>
+          <inkml:channel name="X" type="integer" min="-2.14748E9" max="2.14748E9" units="cm"/>
+          <inkml:channel name="Y" type="integer" min="-2.14748E9" max="2.14748E9" units="cm"/>
+        </inkml:traceFormat>
+        <inkml:channelProperties>
+          <inkml:channelProperty channel="X" name="resolution" value="1000" units="1/cm"/>
+          <inkml:channelProperty channel="Y" name="resolution" value="1000" units="1/cm"/>
+        </inkml:channelProperties>
+      </inkml:inkSource>
+      <inkml:timestamp xml:id="ts0" timeString="2021-04-21T09:19:36.269"/>
+    </inkml:context>
+    <inkml:brush xml:id="br0">
+      <inkml:brushProperty name="width" value="0.05" units="cm"/>
+      <inkml:brushProperty name="height" value="0.05" units="cm"/>
+      <inkml:brushProperty name="ignorePressure" value="1"/>
+    </inkml:brush>
+  </inkml:definitions>
+  <inkml:trace contextRef="#ctx0" brushRef="#br0">0 1442,'2'-16,"0"0,2 0,-1 0,2 1,0-1,13-25,9-32,-3-6,-7 27,17-98,-15 43,45-140,-45 182,-14 48,3-15,1 1,2-1,1 2,31-56,69-106,-105 181,0-1,-1 0,0 0,-1-1,7-23,-9 19</inkml:trace>
+</inkml:ink>
+</file>
+
+<file path=ppt/ink/ink137.xml><?xml version="1.0" encoding="utf-8"?>
+<inkml:ink xmlns:inkml="http://www.w3.org/2003/InkML">
+  <inkml:definitions>
+    <inkml:context xml:id="ctx0">
+      <inkml:inkSource xml:id="inkSrc0">
+        <inkml:traceFormat>
+          <inkml:channel name="X" type="integer" min="-2.14748E9" max="2.14748E9" units="cm"/>
+          <inkml:channel name="Y" type="integer" min="-2.14748E9" max="2.14748E9" units="cm"/>
+        </inkml:traceFormat>
+        <inkml:channelProperties>
+          <inkml:channelProperty channel="X" name="resolution" value="1000" units="1/cm"/>
+          <inkml:channelProperty channel="Y" name="resolution" value="1000" units="1/cm"/>
+        </inkml:channelProperties>
+      </inkml:inkSource>
+      <inkml:timestamp xml:id="ts0" timeString="2021-04-21T09:19:38.044"/>
+    </inkml:context>
+    <inkml:brush xml:id="br0">
+      <inkml:brushProperty name="width" value="0.05" units="cm"/>
+      <inkml:brushProperty name="height" value="0.05" units="cm"/>
+      <inkml:brushProperty name="ignorePressure" value="1"/>
+    </inkml:brush>
+  </inkml:definitions>
+  <inkml:trace contextRef="#ctx0" brushRef="#br0">0 1079,'1'-2,"-1"1,1-1,0 0,-1 1,1-1,0 1,0-1,0 1,0 0,1-1,-1 1,0 0,0 0,1 0,-1 0,3-2,31-19,-23 15,114-73,112-81,-158 100,150-126,-203 159,-1-2,30-44,-32 40,52-57,-48 61,44-63,-47 59,48-53,-50 64,-15 12</inkml:trace>
+</inkml:ink>
+</file>
+
+<file path=ppt/ink/ink138.xml><?xml version="1.0" encoding="utf-8"?>
+<inkml:ink xmlns:inkml="http://www.w3.org/2003/InkML">
+  <inkml:definitions>
+    <inkml:context xml:id="ctx0">
+      <inkml:inkSource xml:id="inkSrc0">
+        <inkml:traceFormat>
+          <inkml:channel name="X" type="integer" min="-2.14748E9" max="2.14748E9" units="cm"/>
+          <inkml:channel name="Y" type="integer" min="-2.14748E9" max="2.14748E9" units="cm"/>
+        </inkml:traceFormat>
+        <inkml:channelProperties>
+          <inkml:channelProperty channel="X" name="resolution" value="1000" units="1/cm"/>
+          <inkml:channelProperty channel="Y" name="resolution" value="1000" units="1/cm"/>
+        </inkml:channelProperties>
+      </inkml:inkSource>
+      <inkml:timestamp xml:id="ts0" timeString="2021-04-21T09:20:05.317"/>
+    </inkml:context>
+    <inkml:brush xml:id="br0">
+      <inkml:brushProperty name="width" value="0.05" units="cm"/>
+      <inkml:brushProperty name="height" value="0.05" units="cm"/>
+      <inkml:brushProperty name="ignorePressure" value="1"/>
+    </inkml:brush>
+  </inkml:definitions>
+  <inkml:trace contextRef="#ctx0" brushRef="#br0">2446 469,'-1'-2,"1"1,-1 0,0 0,1 0,-1 0,0 0,0 0,0 0,0 0,0 0,0 0,0 0,0 1,0-1,0 0,0 1,0-1,-1 1,1-1,-3 0,-33-10,29 8,-167-37,113 27,-87-10,53 3,-172-46,44-6,5 2,110 39,-154-22,207 45,14 2,-70-3,91 8,0-1,-30-7,29 5,0 0,-27 0,-347 5,376-1</inkml:trace>
+</inkml:ink>
+</file>
+
+<file path=ppt/ink/ink139.xml><?xml version="1.0" encoding="utf-8"?>
+<inkml:ink xmlns:inkml="http://www.w3.org/2003/InkML">
+  <inkml:definitions>
+    <inkml:context xml:id="ctx0">
+      <inkml:inkSource xml:id="inkSrc0">
+        <inkml:traceFormat>
+          <inkml:channel name="X" type="integer" min="-2.14748E9" max="2.14748E9" units="cm"/>
+          <inkml:channel name="Y" type="integer" min="-2.14748E9" max="2.14748E9" units="cm"/>
+        </inkml:traceFormat>
+        <inkml:channelProperties>
+          <inkml:channelProperty channel="X" name="resolution" value="1000" units="1/cm"/>
+          <inkml:channelProperty channel="Y" name="resolution" value="1000" units="1/cm"/>
+        </inkml:channelProperties>
+      </inkml:inkSource>
+      <inkml:timestamp xml:id="ts0" timeString="2021-04-21T09:20:10.405"/>
+    </inkml:context>
+    <inkml:brush xml:id="br0">
+      <inkml:brushProperty name="width" value="0.05" units="cm"/>
+      <inkml:brushProperty name="height" value="0.05" units="cm"/>
+      <inkml:brushProperty name="ignorePressure" value="1"/>
+    </inkml:brush>
+  </inkml:definitions>
+  <inkml:trace contextRef="#ctx0" brushRef="#br0">780 1,'-9'1,"-1"0,1 0,0 1,0 1,0-1,1 1,-1 1,1 0,-1 0,-7 6,-16 11,-32 27,40-29,-185 144,138-106,-96 100,137-127,-39 46,60-64</inkml:trace>
+</inkml:ink>
+</file>
+
 <file path=ppt/ink/ink14.xml><?xml version="1.0" encoding="utf-8"?>
 <inkml:ink xmlns:inkml="http://www.w3.org/2003/InkML">
   <inkml:definitions>
@@ -1071,6 +1311,266 @@
 </inkml:ink>
 </file>
 
+<file path=ppt/ink/ink140.xml><?xml version="1.0" encoding="utf-8"?>
+<inkml:ink xmlns:inkml="http://www.w3.org/2003/InkML">
+  <inkml:definitions>
+    <inkml:context xml:id="ctx0">
+      <inkml:inkSource xml:id="inkSrc0">
+        <inkml:traceFormat>
+          <inkml:channel name="X" type="integer" min="-2.14748E9" max="2.14748E9" units="cm"/>
+          <inkml:channel name="Y" type="integer" min="-2.14748E9" max="2.14748E9" units="cm"/>
+        </inkml:traceFormat>
+        <inkml:channelProperties>
+          <inkml:channelProperty channel="X" name="resolution" value="1000" units="1/cm"/>
+          <inkml:channelProperty channel="Y" name="resolution" value="1000" units="1/cm"/>
+        </inkml:channelProperties>
+      </inkml:inkSource>
+      <inkml:timestamp xml:id="ts0" timeString="2021-04-21T09:20:11.514"/>
+    </inkml:context>
+    <inkml:brush xml:id="br0">
+      <inkml:brushProperty name="width" value="0.05" units="cm"/>
+      <inkml:brushProperty name="height" value="0.05" units="cm"/>
+      <inkml:brushProperty name="ignorePressure" value="1"/>
+    </inkml:brush>
+  </inkml:definitions>
+  <inkml:trace contextRef="#ctx0" brushRef="#br0">0 1,'0'4,"0"5,0 5,0 4,0 3,0 2,0 1,0 1,0-1,0 0,0 0,0 0,0-1,0 1,0-5</inkml:trace>
+</inkml:ink>
+</file>
+
+<file path=ppt/ink/ink141.xml><?xml version="1.0" encoding="utf-8"?>
+<inkml:ink xmlns:inkml="http://www.w3.org/2003/InkML">
+  <inkml:definitions>
+    <inkml:context xml:id="ctx0">
+      <inkml:inkSource xml:id="inkSrc0">
+        <inkml:traceFormat>
+          <inkml:channel name="X" type="integer" min="-2.14748E9" max="2.14748E9" units="cm"/>
+          <inkml:channel name="Y" type="integer" min="-2.14748E9" max="2.14748E9" units="cm"/>
+        </inkml:traceFormat>
+        <inkml:channelProperties>
+          <inkml:channelProperty channel="X" name="resolution" value="1000" units="1/cm"/>
+          <inkml:channelProperty channel="Y" name="resolution" value="1000" units="1/cm"/>
+        </inkml:channelProperties>
+      </inkml:inkSource>
+      <inkml:timestamp xml:id="ts0" timeString="2021-04-21T09:20:12.199"/>
+    </inkml:context>
+    <inkml:brush xml:id="br0">
+      <inkml:brushProperty name="width" value="0.05" units="cm"/>
+      <inkml:brushProperty name="height" value="0.05" units="cm"/>
+      <inkml:brushProperty name="ignorePressure" value="1"/>
+    </inkml:brush>
+  </inkml:definitions>
+  <inkml:trace contextRef="#ctx0" brushRef="#br0">0 0,'2'0,"0"0,-1 0,1 0,0 1,0-1,-1 1,1-1,0 1,-1-1,1 1,-1 0,1 0,-1 0,1 0,-1 0,1 0,-1 0,0 0,0 1,0-1,0 0,0 1,2 2,-1 1,0-1,0 1,-1 0,1 0,-1 0,0 0,0 1,0 5,-1 4,0 0,-1 0,-1 0,-7 29,-16 73,20-103</inkml:trace>
+</inkml:ink>
+</file>
+
+<file path=ppt/ink/ink142.xml><?xml version="1.0" encoding="utf-8"?>
+<inkml:ink xmlns:inkml="http://www.w3.org/2003/InkML">
+  <inkml:definitions>
+    <inkml:context xml:id="ctx0">
+      <inkml:inkSource xml:id="inkSrc0">
+        <inkml:traceFormat>
+          <inkml:channel name="X" type="integer" min="-2.14748E9" max="2.14748E9" units="cm"/>
+          <inkml:channel name="Y" type="integer" min="-2.14748E9" max="2.14748E9" units="cm"/>
+        </inkml:traceFormat>
+        <inkml:channelProperties>
+          <inkml:channelProperty channel="X" name="resolution" value="1000" units="1/cm"/>
+          <inkml:channelProperty channel="Y" name="resolution" value="1000" units="1/cm"/>
+        </inkml:channelProperties>
+      </inkml:inkSource>
+      <inkml:timestamp xml:id="ts0" timeString="2021-04-21T09:20:12.870"/>
+    </inkml:context>
+    <inkml:brush xml:id="br0">
+      <inkml:brushProperty name="width" value="0.05" units="cm"/>
+      <inkml:brushProperty name="height" value="0.05" units="cm"/>
+      <inkml:brushProperty name="ignorePressure" value="1"/>
+    </inkml:brush>
+  </inkml:definitions>
+  <inkml:trace contextRef="#ctx0" brushRef="#br0">0 24,'4'0,"5"0,6 0,3-4,3-1,2 0,1 1,0 1,1 1,-5 1</inkml:trace>
+</inkml:ink>
+</file>
+
+<file path=ppt/ink/ink143.xml><?xml version="1.0" encoding="utf-8"?>
+<inkml:ink xmlns:inkml="http://www.w3.org/2003/InkML">
+  <inkml:definitions>
+    <inkml:context xml:id="ctx0">
+      <inkml:inkSource xml:id="inkSrc0">
+        <inkml:traceFormat>
+          <inkml:channel name="X" type="integer" min="-2.14748E9" max="2.14748E9" units="cm"/>
+          <inkml:channel name="Y" type="integer" min="-2.14748E9" max="2.14748E9" units="cm"/>
+        </inkml:traceFormat>
+        <inkml:channelProperties>
+          <inkml:channelProperty channel="X" name="resolution" value="1000" units="1/cm"/>
+          <inkml:channelProperty channel="Y" name="resolution" value="1000" units="1/cm"/>
+        </inkml:channelProperties>
+      </inkml:inkSource>
+      <inkml:timestamp xml:id="ts0" timeString="2021-04-21T09:20:18.881"/>
+    </inkml:context>
+    <inkml:brush xml:id="br0">
+      <inkml:brushProperty name="width" value="0.05" units="cm"/>
+      <inkml:brushProperty name="height" value="0.05" units="cm"/>
+      <inkml:brushProperty name="ignorePressure" value="1"/>
+    </inkml:brush>
+  </inkml:definitions>
+  <inkml:trace contextRef="#ctx0" brushRef="#br0">1 2,'91'-2,"99"4,-186-1,0 0,0 0,0 1,0-1,0 1,-1 0,1 0,0 0,-1 1,0-1,1 1,-1 0,0-1,0 2,-1-1,1 0,-1 0,1 1,-1-1,0 1,3 7,3 9,0 0,8 41,-13-52,19 84,-17-77</inkml:trace>
+</inkml:ink>
+</file>
+
+<file path=ppt/ink/ink144.xml><?xml version="1.0" encoding="utf-8"?>
+<inkml:ink xmlns:inkml="http://www.w3.org/2003/InkML">
+  <inkml:definitions>
+    <inkml:context xml:id="ctx0">
+      <inkml:inkSource xml:id="inkSrc0">
+        <inkml:traceFormat>
+          <inkml:channel name="X" type="integer" min="-2.14748E9" max="2.14748E9" units="cm"/>
+          <inkml:channel name="Y" type="integer" min="-2.14748E9" max="2.14748E9" units="cm"/>
+        </inkml:traceFormat>
+        <inkml:channelProperties>
+          <inkml:channelProperty channel="X" name="resolution" value="1000" units="1/cm"/>
+          <inkml:channelProperty channel="Y" name="resolution" value="1000" units="1/cm"/>
+        </inkml:channelProperties>
+      </inkml:inkSource>
+      <inkml:timestamp xml:id="ts0" timeString="2021-04-21T09:20:31.686"/>
+    </inkml:context>
+    <inkml:brush xml:id="br0">
+      <inkml:brushProperty name="width" value="0.05" units="cm"/>
+      <inkml:brushProperty name="height" value="0.05" units="cm"/>
+      <inkml:brushProperty name="ignorePressure" value="1"/>
+    </inkml:brush>
+  </inkml:definitions>
+  <inkml:trace contextRef="#ctx0" brushRef="#br0">2632 1049,'-45'1,"10"0,0-2,1-1,-61-11,-145-34,117 24,-112-37,111 26,-285-87,342 99,2-2,-83-44,-86-55,189 95,-43-35,-12-9,-14 2,-126-88,185 123,46 31,-1-2,1 1,0-1,0 0,0-1,1 0,0 0,1-1,-8-9,8 4</inkml:trace>
+</inkml:ink>
+</file>
+
+<file path=ppt/ink/ink145.xml><?xml version="1.0" encoding="utf-8"?>
+<inkml:ink xmlns:inkml="http://www.w3.org/2003/InkML">
+  <inkml:definitions>
+    <inkml:context xml:id="ctx0">
+      <inkml:inkSource xml:id="inkSrc0">
+        <inkml:traceFormat>
+          <inkml:channel name="X" type="integer" min="-2.14748E9" max="2.14748E9" units="cm"/>
+          <inkml:channel name="Y" type="integer" min="-2.14748E9" max="2.14748E9" units="cm"/>
+        </inkml:traceFormat>
+        <inkml:channelProperties>
+          <inkml:channelProperty channel="X" name="resolution" value="1000" units="1/cm"/>
+          <inkml:channelProperty channel="Y" name="resolution" value="1000" units="1/cm"/>
+        </inkml:channelProperties>
+      </inkml:inkSource>
+      <inkml:timestamp xml:id="ts0" timeString="2021-04-21T09:21:13.365"/>
+    </inkml:context>
+    <inkml:brush xml:id="br0">
+      <inkml:brushProperty name="width" value="0.05" units="cm"/>
+      <inkml:brushProperty name="height" value="0.05" units="cm"/>
+      <inkml:brushProperty name="ignorePressure" value="1"/>
+    </inkml:brush>
+  </inkml:definitions>
+  <inkml:trace contextRef="#ctx0" brushRef="#br0">0 0,'1'0,"0"1,0-1,0 1,0 0,0-1,0 1,0 0,0-1,0 1,0 0,-1 0,1 0,0 0,0 0,-1 0,1 0,-1 0,1 0,-1 0,1 1,11 30,-9-24,14 38,-2 1,10 59,-13-32,19 95,19 125,-7-38,-36-223,50 214,-47-205,4 51,-6-37,-3-28,1-1,1 0,11 27,-11-36</inkml:trace>
+</inkml:ink>
+</file>
+
+<file path=ppt/ink/ink146.xml><?xml version="1.0" encoding="utf-8"?>
+<inkml:ink xmlns:inkml="http://www.w3.org/2003/InkML">
+  <inkml:definitions>
+    <inkml:context xml:id="ctx0">
+      <inkml:inkSource xml:id="inkSrc0">
+        <inkml:traceFormat>
+          <inkml:channel name="X" type="integer" min="-2.14748E9" max="2.14748E9" units="cm"/>
+          <inkml:channel name="Y" type="integer" min="-2.14748E9" max="2.14748E9" units="cm"/>
+        </inkml:traceFormat>
+        <inkml:channelProperties>
+          <inkml:channelProperty channel="X" name="resolution" value="1000" units="1/cm"/>
+          <inkml:channelProperty channel="Y" name="resolution" value="1000" units="1/cm"/>
+        </inkml:channelProperties>
+      </inkml:inkSource>
+      <inkml:timestamp xml:id="ts0" timeString="2021-04-21T09:21:20.928"/>
+    </inkml:context>
+    <inkml:brush xml:id="br0">
+      <inkml:brushProperty name="width" value="0.05" units="cm"/>
+      <inkml:brushProperty name="height" value="0.05" units="cm"/>
+      <inkml:brushProperty name="ignorePressure" value="1"/>
+    </inkml:brush>
+  </inkml:definitions>
+  <inkml:trace contextRef="#ctx0" brushRef="#br0">1 293,'1'-4,"0"0,0 0,1 0,-1 0,1 0,0 0,1 0,3-5,6-10,3-8,1 0,34-43,-17 25,-19 20,-12 21,-1 1,1-1,0 1,0 0,1 0,-1-1,0 1,1 1,3-4,-5 5,1 1,-1-1,1 1,-1-1,1 1,-1 0,1 0,-1 0,1 0,-1 0,1 0,-1 0,1 0,-1 1,1-1,-1 0,1 1,-1-1,0 1,1 0,-1-1,0 1,1 0,-1 0,0 0,0 0,0 0,0 0,2 2,138 141,-130-135</inkml:trace>
+</inkml:ink>
+</file>
+
+<file path=ppt/ink/ink147.xml><?xml version="1.0" encoding="utf-8"?>
+<inkml:ink xmlns:inkml="http://www.w3.org/2003/InkML">
+  <inkml:definitions>
+    <inkml:context xml:id="ctx0">
+      <inkml:inkSource xml:id="inkSrc0">
+        <inkml:traceFormat>
+          <inkml:channel name="X" type="integer" min="-2.14748E9" max="2.14748E9" units="cm"/>
+          <inkml:channel name="Y" type="integer" min="-2.14748E9" max="2.14748E9" units="cm"/>
+        </inkml:traceFormat>
+        <inkml:channelProperties>
+          <inkml:channelProperty channel="X" name="resolution" value="1000" units="1/cm"/>
+          <inkml:channelProperty channel="Y" name="resolution" value="1000" units="1/cm"/>
+        </inkml:channelProperties>
+      </inkml:inkSource>
+      <inkml:timestamp xml:id="ts0" timeString="2021-04-21T09:21:22.163"/>
+    </inkml:context>
+    <inkml:brush xml:id="br0">
+      <inkml:brushProperty name="width" value="0.05" units="cm"/>
+      <inkml:brushProperty name="height" value="0.05" units="cm"/>
+      <inkml:brushProperty name="ignorePressure" value="1"/>
+    </inkml:brush>
+  </inkml:definitions>
+  <inkml:trace contextRef="#ctx0" brushRef="#br0">1 1,'1'0,"0"1,0-1,0 0,0 1,0 0,0-1,-1 1,1-1,0 1,0 0,0 0,0 0,-1-1,1 1,0 0,-1 0,1 0,-1 0,1 0,-1 0,0 0,1 0,-1 0,0 0,0 0,1 0,-1 2,4 36,-4-35,12 103,-6-60,1 59,-8-83,1-3</inkml:trace>
+</inkml:ink>
+</file>
+
+<file path=ppt/ink/ink148.xml><?xml version="1.0" encoding="utf-8"?>
+<inkml:ink xmlns:inkml="http://www.w3.org/2003/InkML">
+  <inkml:definitions>
+    <inkml:context xml:id="ctx0">
+      <inkml:inkSource xml:id="inkSrc0">
+        <inkml:traceFormat>
+          <inkml:channel name="X" type="integer" min="-2.14748E9" max="2.14748E9" units="cm"/>
+          <inkml:channel name="Y" type="integer" min="-2.14748E9" max="2.14748E9" units="cm"/>
+        </inkml:traceFormat>
+        <inkml:channelProperties>
+          <inkml:channelProperty channel="X" name="resolution" value="1000" units="1/cm"/>
+          <inkml:channelProperty channel="Y" name="resolution" value="1000" units="1/cm"/>
+        </inkml:channelProperties>
+      </inkml:inkSource>
+      <inkml:timestamp xml:id="ts0" timeString="2021-04-21T09:21:23.933"/>
+    </inkml:context>
+    <inkml:brush xml:id="br0">
+      <inkml:brushProperty name="width" value="0.05" units="cm"/>
+      <inkml:brushProperty name="height" value="0.05" units="cm"/>
+      <inkml:brushProperty name="ignorePressure" value="1"/>
+    </inkml:brush>
+  </inkml:definitions>
+  <inkml:trace contextRef="#ctx0" brushRef="#br0">1 1,'4'0,"5"0,6 0,3 0,3 0,2 0,1 0,-4 0</inkml:trace>
+</inkml:ink>
+</file>
+
+<file path=ppt/ink/ink149.xml><?xml version="1.0" encoding="utf-8"?>
+<inkml:ink xmlns:inkml="http://www.w3.org/2003/InkML">
+  <inkml:definitions>
+    <inkml:context xml:id="ctx0">
+      <inkml:inkSource xml:id="inkSrc0">
+        <inkml:traceFormat>
+          <inkml:channel name="X" type="integer" min="-2.14748E9" max="2.14748E9" units="cm"/>
+          <inkml:channel name="Y" type="integer" min="-2.14748E9" max="2.14748E9" units="cm"/>
+        </inkml:traceFormat>
+        <inkml:channelProperties>
+          <inkml:channelProperty channel="X" name="resolution" value="1000" units="1/cm"/>
+          <inkml:channelProperty channel="Y" name="resolution" value="1000" units="1/cm"/>
+        </inkml:channelProperties>
+      </inkml:inkSource>
+      <inkml:timestamp xml:id="ts0" timeString="2021-04-21T09:21:24.842"/>
+    </inkml:context>
+    <inkml:brush xml:id="br0">
+      <inkml:brushProperty name="width" value="0.05" units="cm"/>
+      <inkml:brushProperty name="height" value="0.05" units="cm"/>
+      <inkml:brushProperty name="ignorePressure" value="1"/>
+    </inkml:brush>
+  </inkml:definitions>
+  <inkml:trace contextRef="#ctx0" brushRef="#br0">1 1,'0'4,"4"1,5 1,5-2,5-1,2-1,2-1,1 3,0 1,0 0,1-1,-1-1,-1-2,1 0,-5-1</inkml:trace>
+</inkml:ink>
+</file>
+
 <file path=ppt/ink/ink15.xml><?xml version="1.0" encoding="utf-8"?>
 <inkml:ink xmlns:inkml="http://www.w3.org/2003/InkML">
   <inkml:definitions>
@@ -1094,6 +1594,188 @@
     </inkml:brush>
   </inkml:definitions>
   <inkml:trace contextRef="#ctx0" brushRef="#br0">2571 947,'-13'-2,"1"0,-1-1,1 0,0-1,0 0,0-1,1-1,-11-6,-25-11,-206-58,111 39,-150-38,37 12,48 8,-163-52,294 87,14 5,-90-40,91 33,39 18,0-1,-40-25,12 4,-78-37,87 49,0-2,2-2,-65-49,90 61,2 2</inkml:trace>
+</inkml:ink>
+</file>
+
+<file path=ppt/ink/ink150.xml><?xml version="1.0" encoding="utf-8"?>
+<inkml:ink xmlns:inkml="http://www.w3.org/2003/InkML">
+  <inkml:definitions>
+    <inkml:context xml:id="ctx0">
+      <inkml:inkSource xml:id="inkSrc0">
+        <inkml:traceFormat>
+          <inkml:channel name="X" type="integer" min="-2.14748E9" max="2.14748E9" units="cm"/>
+          <inkml:channel name="Y" type="integer" min="-2.14748E9" max="2.14748E9" units="cm"/>
+        </inkml:traceFormat>
+        <inkml:channelProperties>
+          <inkml:channelProperty channel="X" name="resolution" value="1000" units="1/cm"/>
+          <inkml:channelProperty channel="Y" name="resolution" value="1000" units="1/cm"/>
+        </inkml:channelProperties>
+      </inkml:inkSource>
+      <inkml:timestamp xml:id="ts0" timeString="2021-04-21T09:21:25.777"/>
+    </inkml:context>
+    <inkml:brush xml:id="br0">
+      <inkml:brushProperty name="width" value="0.05" units="cm"/>
+      <inkml:brushProperty name="height" value="0.05" units="cm"/>
+      <inkml:brushProperty name="ignorePressure" value="1"/>
+    </inkml:brush>
+  </inkml:definitions>
+  <inkml:trace contextRef="#ctx0" brushRef="#br0">1 1,'4'0,"5"0,5 0,5 0,2 0,-2 0</inkml:trace>
+</inkml:ink>
+</file>
+
+<file path=ppt/ink/ink151.xml><?xml version="1.0" encoding="utf-8"?>
+<inkml:ink xmlns:inkml="http://www.w3.org/2003/InkML">
+  <inkml:definitions>
+    <inkml:context xml:id="ctx0">
+      <inkml:inkSource xml:id="inkSrc0">
+        <inkml:traceFormat>
+          <inkml:channel name="X" type="integer" min="-2.14748E9" max="2.14748E9" units="cm"/>
+          <inkml:channel name="Y" type="integer" min="-2.14748E9" max="2.14748E9" units="cm"/>
+        </inkml:traceFormat>
+        <inkml:channelProperties>
+          <inkml:channelProperty channel="X" name="resolution" value="1000" units="1/cm"/>
+          <inkml:channelProperty channel="Y" name="resolution" value="1000" units="1/cm"/>
+        </inkml:channelProperties>
+      </inkml:inkSource>
+      <inkml:timestamp xml:id="ts0" timeString="2021-04-21T09:24:11.082"/>
+    </inkml:context>
+    <inkml:brush xml:id="br0">
+      <inkml:brushProperty name="width" value="0.05" units="cm"/>
+      <inkml:brushProperty name="height" value="0.05" units="cm"/>
+      <inkml:brushProperty name="ignorePressure" value="1"/>
+    </inkml:brush>
+  </inkml:definitions>
+  <inkml:trace contextRef="#ctx0" brushRef="#br0">322 0,'-3'5,"-1"1,1 0,0 0,1 0,0 0,0 0,0 0,0 1,1-1,0 0,0 1,1 6,-7 30,-21 118,4 2,-22 70,-1-24,26-106,16-66,-3-2,-1 1,-26 66,14-50,-20 72,37-109</inkml:trace>
+</inkml:ink>
+</file>
+
+<file path=ppt/ink/ink152.xml><?xml version="1.0" encoding="utf-8"?>
+<inkml:ink xmlns:inkml="http://www.w3.org/2003/InkML">
+  <inkml:definitions>
+    <inkml:context xml:id="ctx0">
+      <inkml:inkSource xml:id="inkSrc0">
+        <inkml:traceFormat>
+          <inkml:channel name="X" type="integer" min="-2.14748E9" max="2.14748E9" units="cm"/>
+          <inkml:channel name="Y" type="integer" min="-2.14748E9" max="2.14748E9" units="cm"/>
+        </inkml:traceFormat>
+        <inkml:channelProperties>
+          <inkml:channelProperty channel="X" name="resolution" value="1000" units="1/cm"/>
+          <inkml:channelProperty channel="Y" name="resolution" value="1000" units="1/cm"/>
+        </inkml:channelProperties>
+      </inkml:inkSource>
+      <inkml:timestamp xml:id="ts0" timeString="2021-04-21T09:24:30.113"/>
+    </inkml:context>
+    <inkml:brush xml:id="br0">
+      <inkml:brushProperty name="width" value="0.05" units="cm"/>
+      <inkml:brushProperty name="height" value="0.05" units="cm"/>
+      <inkml:brushProperty name="ignorePressure" value="1"/>
+    </inkml:brush>
+  </inkml:definitions>
+  <inkml:trace contextRef="#ctx0" brushRef="#br0">0 39,'21'-1,"0"-1,-1-1,40-12,13-1,-71 15,0 1,0 0,0 0,0 0,0 0,0 0,0 0,0 0,0 0,0 1,0-1,0 1,0 0,0 0,0-1,0 1,-1 0,1 0,0 1,-1-1,1 0,-1 1,1-1,-1 0,1 1,-1 0,0-1,0 1,0 0,0 0,0-1,0 1,0 3,2 6,0 1,0 0,-2 0,1 21,2 7,4 8,-5-28</inkml:trace>
+</inkml:ink>
+</file>
+
+<file path=ppt/ink/ink153.xml><?xml version="1.0" encoding="utf-8"?>
+<inkml:ink xmlns:inkml="http://www.w3.org/2003/InkML">
+  <inkml:definitions>
+    <inkml:context xml:id="ctx0">
+      <inkml:inkSource xml:id="inkSrc0">
+        <inkml:traceFormat>
+          <inkml:channel name="X" type="integer" min="-2.14748E9" max="2.14748E9" units="cm"/>
+          <inkml:channel name="Y" type="integer" min="-2.14748E9" max="2.14748E9" units="cm"/>
+        </inkml:traceFormat>
+        <inkml:channelProperties>
+          <inkml:channelProperty channel="X" name="resolution" value="1000" units="1/cm"/>
+          <inkml:channelProperty channel="Y" name="resolution" value="1000" units="1/cm"/>
+        </inkml:channelProperties>
+      </inkml:inkSource>
+      <inkml:timestamp xml:id="ts0" timeString="2021-04-21T09:24:31.708"/>
+    </inkml:context>
+    <inkml:brush xml:id="br0">
+      <inkml:brushProperty name="width" value="0.05" units="cm"/>
+      <inkml:brushProperty name="height" value="0.05" units="cm"/>
+      <inkml:brushProperty name="ignorePressure" value="1"/>
+    </inkml:brush>
+  </inkml:definitions>
+  <inkml:trace contextRef="#ctx0" brushRef="#br0">0 357,'2'-16,"0"0,1 0,1 1,6-20,2-6,-2-27,-9 55,0 1,1-1,0 1,1-1,0 1,1 0,8-18,-9 27,0 0,0 0,0 1,0-1,1 1,-1-1,1 1,0 0,0 1,-1-1,1 1,0-1,0 1,0 0,1 1,-1-1,0 1,0-1,0 1,0 1,8 0,8-1</inkml:trace>
+</inkml:ink>
+</file>
+
+<file path=ppt/ink/ink154.xml><?xml version="1.0" encoding="utf-8"?>
+<inkml:ink xmlns:inkml="http://www.w3.org/2003/InkML">
+  <inkml:definitions>
+    <inkml:context xml:id="ctx0">
+      <inkml:inkSource xml:id="inkSrc0">
+        <inkml:traceFormat>
+          <inkml:channel name="X" type="integer" min="-2.14748E9" max="2.14748E9" units="cm"/>
+          <inkml:channel name="Y" type="integer" min="-2.14748E9" max="2.14748E9" units="cm"/>
+        </inkml:traceFormat>
+        <inkml:channelProperties>
+          <inkml:channelProperty channel="X" name="resolution" value="1000" units="1/cm"/>
+          <inkml:channelProperty channel="Y" name="resolution" value="1000" units="1/cm"/>
+        </inkml:channelProperties>
+      </inkml:inkSource>
+      <inkml:timestamp xml:id="ts0" timeString="2021-04-21T09:24:32.221"/>
+    </inkml:context>
+    <inkml:brush xml:id="br0">
+      <inkml:brushProperty name="width" value="0.05" units="cm"/>
+      <inkml:brushProperty name="height" value="0.05" units="cm"/>
+      <inkml:brushProperty name="ignorePressure" value="1"/>
+    </inkml:brush>
+  </inkml:definitions>
+  <inkml:trace contextRef="#ctx0" brushRef="#br0">1 0,'3'0,"7"0,4 0,5 0,2 0,2 0,-3 4,-5 1</inkml:trace>
+</inkml:ink>
+</file>
+
+<file path=ppt/ink/ink155.xml><?xml version="1.0" encoding="utf-8"?>
+<inkml:ink xmlns:inkml="http://www.w3.org/2003/InkML">
+  <inkml:definitions>
+    <inkml:context xml:id="ctx0">
+      <inkml:inkSource xml:id="inkSrc0">
+        <inkml:traceFormat>
+          <inkml:channel name="X" type="integer" min="-2.14748E9" max="2.14748E9" units="cm"/>
+          <inkml:channel name="Y" type="integer" min="-2.14748E9" max="2.14748E9" units="cm"/>
+        </inkml:traceFormat>
+        <inkml:channelProperties>
+          <inkml:channelProperty channel="X" name="resolution" value="1000" units="1/cm"/>
+          <inkml:channelProperty channel="Y" name="resolution" value="1000" units="1/cm"/>
+        </inkml:channelProperties>
+      </inkml:inkSource>
+      <inkml:timestamp xml:id="ts0" timeString="2021-04-21T09:24:34.510"/>
+    </inkml:context>
+    <inkml:brush xml:id="br0">
+      <inkml:brushProperty name="width" value="0.05" units="cm"/>
+      <inkml:brushProperty name="height" value="0.05" units="cm"/>
+      <inkml:brushProperty name="ignorePressure" value="1"/>
+    </inkml:brush>
+  </inkml:definitions>
+  <inkml:trace contextRef="#ctx0" brushRef="#br0">0 1,'0'4,"4"1,6 0,4-1,4-1,4-2,1 0,0 0,2-1,-1 0,0-1,0 1,0 0,-1 0,1 0,-5 0</inkml:trace>
+</inkml:ink>
+</file>
+
+<file path=ppt/ink/ink156.xml><?xml version="1.0" encoding="utf-8"?>
+<inkml:ink xmlns:inkml="http://www.w3.org/2003/InkML">
+  <inkml:definitions>
+    <inkml:context xml:id="ctx0">
+      <inkml:inkSource xml:id="inkSrc0">
+        <inkml:traceFormat>
+          <inkml:channel name="X" type="integer" min="-2.14748E9" max="2.14748E9" units="cm"/>
+          <inkml:channel name="Y" type="integer" min="-2.14748E9" max="2.14748E9" units="cm"/>
+        </inkml:traceFormat>
+        <inkml:channelProperties>
+          <inkml:channelProperty channel="X" name="resolution" value="1000" units="1/cm"/>
+          <inkml:channelProperty channel="Y" name="resolution" value="1000" units="1/cm"/>
+        </inkml:channelProperties>
+      </inkml:inkSource>
+      <inkml:timestamp xml:id="ts0" timeString="2021-04-21T09:24:35.788"/>
+    </inkml:context>
+    <inkml:brush xml:id="br0">
+      <inkml:brushProperty name="width" value="0.05" units="cm"/>
+      <inkml:brushProperty name="height" value="0.05" units="cm"/>
+      <inkml:brushProperty name="ignorePressure" value="1"/>
+    </inkml:brush>
+  </inkml:definitions>
+  <inkml:trace contextRef="#ctx0" brushRef="#br0">0 0,'5'0,"4"0,5 0,5 0,2 0,2 0,-3 0</inkml:trace>
 </inkml:ink>
 </file>
 
@@ -7192,8 +7874,8 @@
             <a:chExt cx="2391120" cy="4119120"/>
           </a:xfrm>
         </p:grpSpPr>
-        <mc:AlternateContent xmlns:mc="http://schemas.openxmlformats.org/markup-compatibility/2006">
-          <mc:Choice xmlns:p14="http://schemas.microsoft.com/office/powerpoint/2010/main" Requires="p14">
+        <mc:AlternateContent xmlns:mc="http://schemas.openxmlformats.org/markup-compatibility/2006" xmlns:p14="http://schemas.microsoft.com/office/powerpoint/2010/main">
+          <mc:Choice Requires="p14">
             <p:contentPart p14:bwMode="auto" r:id="rId3">
               <p14:nvContentPartPr>
                 <p14:cNvPr id="46" name="Encre 45">
@@ -7212,7 +7894,7 @@
               </p14:xfrm>
             </p:contentPart>
           </mc:Choice>
-          <mc:Fallback>
+          <mc:Fallback xmlns="">
             <p:pic>
               <p:nvPicPr>
                 <p:cNvPr id="46" name="Encre 45">
@@ -7243,8 +7925,8 @@
             </p:pic>
           </mc:Fallback>
         </mc:AlternateContent>
-        <mc:AlternateContent xmlns:mc="http://schemas.openxmlformats.org/markup-compatibility/2006">
-          <mc:Choice xmlns:p14="http://schemas.microsoft.com/office/powerpoint/2010/main" Requires="p14">
+        <mc:AlternateContent xmlns:mc="http://schemas.openxmlformats.org/markup-compatibility/2006" xmlns:p14="http://schemas.microsoft.com/office/powerpoint/2010/main">
+          <mc:Choice Requires="p14">
             <p:contentPart p14:bwMode="auto" r:id="rId5">
               <p14:nvContentPartPr>
                 <p14:cNvPr id="47" name="Encre 46">
@@ -7263,7 +7945,7 @@
               </p14:xfrm>
             </p:contentPart>
           </mc:Choice>
-          <mc:Fallback>
+          <mc:Fallback xmlns="">
             <p:pic>
               <p:nvPicPr>
                 <p:cNvPr id="47" name="Encre 46">
@@ -7294,8 +7976,8 @@
             </p:pic>
           </mc:Fallback>
         </mc:AlternateContent>
-        <mc:AlternateContent xmlns:mc="http://schemas.openxmlformats.org/markup-compatibility/2006">
-          <mc:Choice xmlns:p14="http://schemas.microsoft.com/office/powerpoint/2010/main" Requires="p14">
+        <mc:AlternateContent xmlns:mc="http://schemas.openxmlformats.org/markup-compatibility/2006" xmlns:p14="http://schemas.microsoft.com/office/powerpoint/2010/main">
+          <mc:Choice Requires="p14">
             <p:contentPart p14:bwMode="auto" r:id="rId7">
               <p14:nvContentPartPr>
                 <p14:cNvPr id="49" name="Encre 48">
@@ -7314,7 +7996,7 @@
               </p14:xfrm>
             </p:contentPart>
           </mc:Choice>
-          <mc:Fallback>
+          <mc:Fallback xmlns="">
             <p:pic>
               <p:nvPicPr>
                 <p:cNvPr id="49" name="Encre 48">
@@ -7345,8 +8027,8 @@
             </p:pic>
           </mc:Fallback>
         </mc:AlternateContent>
-        <mc:AlternateContent xmlns:mc="http://schemas.openxmlformats.org/markup-compatibility/2006">
-          <mc:Choice xmlns:p14="http://schemas.microsoft.com/office/powerpoint/2010/main" Requires="p14">
+        <mc:AlternateContent xmlns:mc="http://schemas.openxmlformats.org/markup-compatibility/2006" xmlns:p14="http://schemas.microsoft.com/office/powerpoint/2010/main">
+          <mc:Choice Requires="p14">
             <p:contentPart p14:bwMode="auto" r:id="rId9">
               <p14:nvContentPartPr>
                 <p14:cNvPr id="50" name="Encre 49">
@@ -7365,7 +8047,7 @@
               </p14:xfrm>
             </p:contentPart>
           </mc:Choice>
-          <mc:Fallback>
+          <mc:Fallback xmlns="">
             <p:pic>
               <p:nvPicPr>
                 <p:cNvPr id="50" name="Encre 49">
@@ -7396,8 +8078,8 @@
             </p:pic>
           </mc:Fallback>
         </mc:AlternateContent>
-        <mc:AlternateContent xmlns:mc="http://schemas.openxmlformats.org/markup-compatibility/2006">
-          <mc:Choice xmlns:p14="http://schemas.microsoft.com/office/powerpoint/2010/main" Requires="p14">
+        <mc:AlternateContent xmlns:mc="http://schemas.openxmlformats.org/markup-compatibility/2006" xmlns:p14="http://schemas.microsoft.com/office/powerpoint/2010/main">
+          <mc:Choice Requires="p14">
             <p:contentPart p14:bwMode="auto" r:id="rId11">
               <p14:nvContentPartPr>
                 <p14:cNvPr id="51" name="Encre 50">
@@ -7416,7 +8098,7 @@
               </p14:xfrm>
             </p:contentPart>
           </mc:Choice>
-          <mc:Fallback>
+          <mc:Fallback xmlns="">
             <p:pic>
               <p:nvPicPr>
                 <p:cNvPr id="51" name="Encre 50">
@@ -7447,8 +8129,8 @@
             </p:pic>
           </mc:Fallback>
         </mc:AlternateContent>
-        <mc:AlternateContent xmlns:mc="http://schemas.openxmlformats.org/markup-compatibility/2006">
-          <mc:Choice xmlns:p14="http://schemas.microsoft.com/office/powerpoint/2010/main" Requires="p14">
+        <mc:AlternateContent xmlns:mc="http://schemas.openxmlformats.org/markup-compatibility/2006" xmlns:p14="http://schemas.microsoft.com/office/powerpoint/2010/main">
+          <mc:Choice Requires="p14">
             <p:contentPart p14:bwMode="auto" r:id="rId13">
               <p14:nvContentPartPr>
                 <p14:cNvPr id="52" name="Encre 51">
@@ -7467,7 +8149,7 @@
               </p14:xfrm>
             </p:contentPart>
           </mc:Choice>
-          <mc:Fallback>
+          <mc:Fallback xmlns="">
             <p:pic>
               <p:nvPicPr>
                 <p:cNvPr id="52" name="Encre 51">
@@ -7498,8 +8180,8 @@
             </p:pic>
           </mc:Fallback>
         </mc:AlternateContent>
-        <mc:AlternateContent xmlns:mc="http://schemas.openxmlformats.org/markup-compatibility/2006">
-          <mc:Choice xmlns:p14="http://schemas.microsoft.com/office/powerpoint/2010/main" Requires="p14">
+        <mc:AlternateContent xmlns:mc="http://schemas.openxmlformats.org/markup-compatibility/2006" xmlns:p14="http://schemas.microsoft.com/office/powerpoint/2010/main">
+          <mc:Choice Requires="p14">
             <p:contentPart p14:bwMode="auto" r:id="rId15">
               <p14:nvContentPartPr>
                 <p14:cNvPr id="54" name="Encre 53">
@@ -7518,7 +8200,7 @@
               </p14:xfrm>
             </p:contentPart>
           </mc:Choice>
-          <mc:Fallback>
+          <mc:Fallback xmlns="">
             <p:pic>
               <p:nvPicPr>
                 <p:cNvPr id="54" name="Encre 53">
@@ -7549,8 +8231,8 @@
             </p:pic>
           </mc:Fallback>
         </mc:AlternateContent>
-        <mc:AlternateContent xmlns:mc="http://schemas.openxmlformats.org/markup-compatibility/2006">
-          <mc:Choice xmlns:p14="http://schemas.microsoft.com/office/powerpoint/2010/main" Requires="p14">
+        <mc:AlternateContent xmlns:mc="http://schemas.openxmlformats.org/markup-compatibility/2006" xmlns:p14="http://schemas.microsoft.com/office/powerpoint/2010/main">
+          <mc:Choice Requires="p14">
             <p:contentPart p14:bwMode="auto" r:id="rId17">
               <p14:nvContentPartPr>
                 <p14:cNvPr id="55" name="Encre 54">
@@ -7569,7 +8251,7 @@
               </p14:xfrm>
             </p:contentPart>
           </mc:Choice>
-          <mc:Fallback>
+          <mc:Fallback xmlns="">
             <p:pic>
               <p:nvPicPr>
                 <p:cNvPr id="55" name="Encre 54">
@@ -7600,8 +8282,8 @@
             </p:pic>
           </mc:Fallback>
         </mc:AlternateContent>
-        <mc:AlternateContent xmlns:mc="http://schemas.openxmlformats.org/markup-compatibility/2006">
-          <mc:Choice xmlns:p14="http://schemas.microsoft.com/office/powerpoint/2010/main" Requires="p14">
+        <mc:AlternateContent xmlns:mc="http://schemas.openxmlformats.org/markup-compatibility/2006" xmlns:p14="http://schemas.microsoft.com/office/powerpoint/2010/main">
+          <mc:Choice Requires="p14">
             <p:contentPart p14:bwMode="auto" r:id="rId19">
               <p14:nvContentPartPr>
                 <p14:cNvPr id="56" name="Encre 55">
@@ -7620,7 +8302,7 @@
               </p14:xfrm>
             </p:contentPart>
           </mc:Choice>
-          <mc:Fallback>
+          <mc:Fallback xmlns="">
             <p:pic>
               <p:nvPicPr>
                 <p:cNvPr id="56" name="Encre 55">
@@ -7651,8 +8333,8 @@
             </p:pic>
           </mc:Fallback>
         </mc:AlternateContent>
-        <mc:AlternateContent xmlns:mc="http://schemas.openxmlformats.org/markup-compatibility/2006">
-          <mc:Choice xmlns:p14="http://schemas.microsoft.com/office/powerpoint/2010/main" Requires="p14">
+        <mc:AlternateContent xmlns:mc="http://schemas.openxmlformats.org/markup-compatibility/2006" xmlns:p14="http://schemas.microsoft.com/office/powerpoint/2010/main">
+          <mc:Choice Requires="p14">
             <p:contentPart p14:bwMode="auto" r:id="rId21">
               <p14:nvContentPartPr>
                 <p14:cNvPr id="57" name="Encre 56">
@@ -7671,7 +8353,7 @@
               </p14:xfrm>
             </p:contentPart>
           </mc:Choice>
-          <mc:Fallback>
+          <mc:Fallback xmlns="">
             <p:pic>
               <p:nvPicPr>
                 <p:cNvPr id="57" name="Encre 56">
@@ -7702,8 +8384,8 @@
             </p:pic>
           </mc:Fallback>
         </mc:AlternateContent>
-        <mc:AlternateContent xmlns:mc="http://schemas.openxmlformats.org/markup-compatibility/2006">
-          <mc:Choice xmlns:p14="http://schemas.microsoft.com/office/powerpoint/2010/main" Requires="p14">
+        <mc:AlternateContent xmlns:mc="http://schemas.openxmlformats.org/markup-compatibility/2006" xmlns:p14="http://schemas.microsoft.com/office/powerpoint/2010/main">
+          <mc:Choice Requires="p14">
             <p:contentPart p14:bwMode="auto" r:id="rId23">
               <p14:nvContentPartPr>
                 <p14:cNvPr id="58" name="Encre 57">
@@ -7722,7 +8404,7 @@
               </p14:xfrm>
             </p:contentPart>
           </mc:Choice>
-          <mc:Fallback>
+          <mc:Fallback xmlns="">
             <p:pic>
               <p:nvPicPr>
                 <p:cNvPr id="58" name="Encre 57">
@@ -7753,8 +8435,8 @@
             </p:pic>
           </mc:Fallback>
         </mc:AlternateContent>
-        <mc:AlternateContent xmlns:mc="http://schemas.openxmlformats.org/markup-compatibility/2006">
-          <mc:Choice xmlns:p14="http://schemas.microsoft.com/office/powerpoint/2010/main" Requires="p14">
+        <mc:AlternateContent xmlns:mc="http://schemas.openxmlformats.org/markup-compatibility/2006" xmlns:p14="http://schemas.microsoft.com/office/powerpoint/2010/main">
+          <mc:Choice Requires="p14">
             <p:contentPart p14:bwMode="auto" r:id="rId25">
               <p14:nvContentPartPr>
                 <p14:cNvPr id="59" name="Encre 58">
@@ -7773,7 +8455,7 @@
               </p14:xfrm>
             </p:contentPart>
           </mc:Choice>
-          <mc:Fallback>
+          <mc:Fallback xmlns="">
             <p:pic>
               <p:nvPicPr>
                 <p:cNvPr id="59" name="Encre 58">
@@ -7879,8 +8561,8 @@
           </a:p>
         </p:txBody>
       </p:sp>
-      <mc:AlternateContent xmlns:mc="http://schemas.openxmlformats.org/markup-compatibility/2006">
-        <mc:Choice xmlns:p14="http://schemas.microsoft.com/office/powerpoint/2010/main" Requires="p14">
+      <mc:AlternateContent xmlns:mc="http://schemas.openxmlformats.org/markup-compatibility/2006" xmlns:p14="http://schemas.microsoft.com/office/powerpoint/2010/main">
+        <mc:Choice Requires="p14">
           <p:contentPart p14:bwMode="auto" r:id="rId27">
             <p14:nvContentPartPr>
               <p14:cNvPr id="66" name="Encre 65">
@@ -7899,7 +8581,7 @@
             </p14:xfrm>
           </p:contentPart>
         </mc:Choice>
-        <mc:Fallback>
+        <mc:Fallback xmlns="">
           <p:pic>
             <p:nvPicPr>
               <p:cNvPr id="66" name="Encre 65">
@@ -7950,8 +8632,8 @@
             <a:chExt cx="2461680" cy="2853360"/>
           </a:xfrm>
         </p:grpSpPr>
-        <mc:AlternateContent xmlns:mc="http://schemas.openxmlformats.org/markup-compatibility/2006">
-          <mc:Choice xmlns:p14="http://schemas.microsoft.com/office/powerpoint/2010/main" Requires="p14">
+        <mc:AlternateContent xmlns:mc="http://schemas.openxmlformats.org/markup-compatibility/2006" xmlns:p14="http://schemas.microsoft.com/office/powerpoint/2010/main">
+          <mc:Choice Requires="p14">
             <p:contentPart p14:bwMode="auto" r:id="rId29">
               <p14:nvContentPartPr>
                 <p14:cNvPr id="67" name="Encre 66">
@@ -7970,7 +8652,7 @@
               </p14:xfrm>
             </p:contentPart>
           </mc:Choice>
-          <mc:Fallback>
+          <mc:Fallback xmlns="">
             <p:pic>
               <p:nvPicPr>
                 <p:cNvPr id="67" name="Encre 66">
@@ -8001,8 +8683,8 @@
             </p:pic>
           </mc:Fallback>
         </mc:AlternateContent>
-        <mc:AlternateContent xmlns:mc="http://schemas.openxmlformats.org/markup-compatibility/2006">
-          <mc:Choice xmlns:p14="http://schemas.microsoft.com/office/powerpoint/2010/main" Requires="p14">
+        <mc:AlternateContent xmlns:mc="http://schemas.openxmlformats.org/markup-compatibility/2006" xmlns:p14="http://schemas.microsoft.com/office/powerpoint/2010/main">
+          <mc:Choice Requires="p14">
             <p:contentPart p14:bwMode="auto" r:id="rId31">
               <p14:nvContentPartPr>
                 <p14:cNvPr id="68" name="Encre 67">
@@ -8021,7 +8703,7 @@
               </p14:xfrm>
             </p:contentPart>
           </mc:Choice>
-          <mc:Fallback>
+          <mc:Fallback xmlns="">
             <p:pic>
               <p:nvPicPr>
                 <p:cNvPr id="68" name="Encre 67">
@@ -8052,8 +8734,8 @@
             </p:pic>
           </mc:Fallback>
         </mc:AlternateContent>
-        <mc:AlternateContent xmlns:mc="http://schemas.openxmlformats.org/markup-compatibility/2006">
-          <mc:Choice xmlns:p14="http://schemas.microsoft.com/office/powerpoint/2010/main" Requires="p14">
+        <mc:AlternateContent xmlns:mc="http://schemas.openxmlformats.org/markup-compatibility/2006" xmlns:p14="http://schemas.microsoft.com/office/powerpoint/2010/main">
+          <mc:Choice Requires="p14">
             <p:contentPart p14:bwMode="auto" r:id="rId33">
               <p14:nvContentPartPr>
                 <p14:cNvPr id="69" name="Encre 68">
@@ -8072,7 +8754,7 @@
               </p14:xfrm>
             </p:contentPart>
           </mc:Choice>
-          <mc:Fallback>
+          <mc:Fallback xmlns="">
             <p:pic>
               <p:nvPicPr>
                 <p:cNvPr id="69" name="Encre 68">
@@ -8104,8 +8786,8 @@
           </mc:Fallback>
         </mc:AlternateContent>
       </p:grpSp>
-      <mc:AlternateContent xmlns:mc="http://schemas.openxmlformats.org/markup-compatibility/2006">
-        <mc:Choice xmlns:p14="http://schemas.microsoft.com/office/powerpoint/2010/main" Requires="p14">
+      <mc:AlternateContent xmlns:mc="http://schemas.openxmlformats.org/markup-compatibility/2006" xmlns:p14="http://schemas.microsoft.com/office/powerpoint/2010/main">
+        <mc:Choice Requires="p14">
           <p:contentPart p14:bwMode="auto" r:id="rId35">
             <p14:nvContentPartPr>
               <p14:cNvPr id="72" name="Encre 71">
@@ -8124,7 +8806,7 @@
             </p14:xfrm>
           </p:contentPart>
         </mc:Choice>
-        <mc:Fallback>
+        <mc:Fallback xmlns="">
           <p:pic>
             <p:nvPicPr>
               <p:cNvPr id="72" name="Encre 71">
@@ -8155,8 +8837,8 @@
           </p:pic>
         </mc:Fallback>
       </mc:AlternateContent>
-      <mc:AlternateContent xmlns:mc="http://schemas.openxmlformats.org/markup-compatibility/2006">
-        <mc:Choice xmlns:p14="http://schemas.microsoft.com/office/powerpoint/2010/main" Requires="p14">
+      <mc:AlternateContent xmlns:mc="http://schemas.openxmlformats.org/markup-compatibility/2006" xmlns:p14="http://schemas.microsoft.com/office/powerpoint/2010/main">
+        <mc:Choice Requires="p14">
           <p:contentPart p14:bwMode="auto" r:id="rId37">
             <p14:nvContentPartPr>
               <p14:cNvPr id="73" name="Encre 72">
@@ -8175,7 +8857,7 @@
             </p14:xfrm>
           </p:contentPart>
         </mc:Choice>
-        <mc:Fallback>
+        <mc:Fallback xmlns="">
           <p:pic>
             <p:nvPicPr>
               <p:cNvPr id="73" name="Encre 72">
@@ -8206,8 +8888,8 @@
           </p:pic>
         </mc:Fallback>
       </mc:AlternateContent>
-      <mc:AlternateContent xmlns:mc="http://schemas.openxmlformats.org/markup-compatibility/2006">
-        <mc:Choice xmlns:p14="http://schemas.microsoft.com/office/powerpoint/2010/main" Requires="p14">
+      <mc:AlternateContent xmlns:mc="http://schemas.openxmlformats.org/markup-compatibility/2006" xmlns:p14="http://schemas.microsoft.com/office/powerpoint/2010/main">
+        <mc:Choice Requires="p14">
           <p:contentPart p14:bwMode="auto" r:id="rId39">
             <p14:nvContentPartPr>
               <p14:cNvPr id="74" name="Encre 73">
@@ -8226,7 +8908,7 @@
             </p14:xfrm>
           </p:contentPart>
         </mc:Choice>
-        <mc:Fallback>
+        <mc:Fallback xmlns="">
           <p:pic>
             <p:nvPicPr>
               <p:cNvPr id="74" name="Encre 73">
@@ -8257,8 +8939,8 @@
           </p:pic>
         </mc:Fallback>
       </mc:AlternateContent>
-      <mc:AlternateContent xmlns:mc="http://schemas.openxmlformats.org/markup-compatibility/2006">
-        <mc:Choice xmlns:p14="http://schemas.microsoft.com/office/powerpoint/2010/main" Requires="p14">
+      <mc:AlternateContent xmlns:mc="http://schemas.openxmlformats.org/markup-compatibility/2006" xmlns:p14="http://schemas.microsoft.com/office/powerpoint/2010/main">
+        <mc:Choice Requires="p14">
           <p:contentPart p14:bwMode="auto" r:id="rId41">
             <p14:nvContentPartPr>
               <p14:cNvPr id="75" name="Encre 74">
@@ -8277,7 +8959,7 @@
             </p14:xfrm>
           </p:contentPart>
         </mc:Choice>
-        <mc:Fallback>
+        <mc:Fallback xmlns="">
           <p:pic>
             <p:nvPicPr>
               <p:cNvPr id="75" name="Encre 74">
@@ -8874,8 +9556,8 @@
             <a:chExt cx="1274400" cy="218880"/>
           </a:xfrm>
         </p:grpSpPr>
-        <mc:AlternateContent xmlns:mc="http://schemas.openxmlformats.org/markup-compatibility/2006">
-          <mc:Choice xmlns:p14="http://schemas.microsoft.com/office/powerpoint/2010/main" Requires="p14">
+        <mc:AlternateContent xmlns:mc="http://schemas.openxmlformats.org/markup-compatibility/2006" xmlns:p14="http://schemas.microsoft.com/office/powerpoint/2010/main">
+          <mc:Choice Requires="p14">
             <p:contentPart p14:bwMode="auto" r:id="rId3">
               <p14:nvContentPartPr>
                 <p14:cNvPr id="6" name="Encre 5">
@@ -8894,7 +9576,7 @@
               </p14:xfrm>
             </p:contentPart>
           </mc:Choice>
-          <mc:Fallback>
+          <mc:Fallback xmlns="">
             <p:pic>
               <p:nvPicPr>
                 <p:cNvPr id="6" name="Encre 5">
@@ -8925,8 +9607,8 @@
             </p:pic>
           </mc:Fallback>
         </mc:AlternateContent>
-        <mc:AlternateContent xmlns:mc="http://schemas.openxmlformats.org/markup-compatibility/2006">
-          <mc:Choice xmlns:p14="http://schemas.microsoft.com/office/powerpoint/2010/main" Requires="p14">
+        <mc:AlternateContent xmlns:mc="http://schemas.openxmlformats.org/markup-compatibility/2006" xmlns:p14="http://schemas.microsoft.com/office/powerpoint/2010/main">
+          <mc:Choice Requires="p14">
             <p:contentPart p14:bwMode="auto" r:id="rId5">
               <p14:nvContentPartPr>
                 <p14:cNvPr id="7" name="Encre 6">
@@ -8945,7 +9627,7 @@
               </p14:xfrm>
             </p:contentPart>
           </mc:Choice>
-          <mc:Fallback>
+          <mc:Fallback xmlns="">
             <p:pic>
               <p:nvPicPr>
                 <p:cNvPr id="7" name="Encre 6">
@@ -8997,8 +9679,8 @@
             <a:chExt cx="1246680" cy="135360"/>
           </a:xfrm>
         </p:grpSpPr>
-        <mc:AlternateContent xmlns:mc="http://schemas.openxmlformats.org/markup-compatibility/2006">
-          <mc:Choice xmlns:p14="http://schemas.microsoft.com/office/powerpoint/2010/main" Requires="p14">
+        <mc:AlternateContent xmlns:mc="http://schemas.openxmlformats.org/markup-compatibility/2006" xmlns:p14="http://schemas.microsoft.com/office/powerpoint/2010/main">
+          <mc:Choice Requires="p14">
             <p:contentPart p14:bwMode="auto" r:id="rId7">
               <p14:nvContentPartPr>
                 <p14:cNvPr id="3" name="Encre 2">
@@ -9017,7 +9699,7 @@
               </p14:xfrm>
             </p:contentPart>
           </mc:Choice>
-          <mc:Fallback>
+          <mc:Fallback xmlns="">
             <p:pic>
               <p:nvPicPr>
                 <p:cNvPr id="3" name="Encre 2">
@@ -9048,8 +9730,8 @@
             </p:pic>
           </mc:Fallback>
         </mc:AlternateContent>
-        <mc:AlternateContent xmlns:mc="http://schemas.openxmlformats.org/markup-compatibility/2006">
-          <mc:Choice xmlns:p14="http://schemas.microsoft.com/office/powerpoint/2010/main" Requires="p14">
+        <mc:AlternateContent xmlns:mc="http://schemas.openxmlformats.org/markup-compatibility/2006" xmlns:p14="http://schemas.microsoft.com/office/powerpoint/2010/main">
+          <mc:Choice Requires="p14">
             <p:contentPart p14:bwMode="auto" r:id="rId9">
               <p14:nvContentPartPr>
                 <p14:cNvPr id="4" name="Encre 3">
@@ -9068,7 +9750,7 @@
               </p14:xfrm>
             </p:contentPart>
           </mc:Choice>
-          <mc:Fallback>
+          <mc:Fallback xmlns="">
             <p:pic>
               <p:nvPicPr>
                 <p:cNvPr id="4" name="Encre 3">
@@ -9343,8 +10025,8 @@
             <a:chExt cx="90000" cy="91440"/>
           </a:xfrm>
         </p:grpSpPr>
-        <mc:AlternateContent xmlns:mc="http://schemas.openxmlformats.org/markup-compatibility/2006">
-          <mc:Choice xmlns:p14="http://schemas.microsoft.com/office/powerpoint/2010/main" Requires="p14">
+        <mc:AlternateContent xmlns:mc="http://schemas.openxmlformats.org/markup-compatibility/2006" xmlns:p14="http://schemas.microsoft.com/office/powerpoint/2010/main">
+          <mc:Choice Requires="p14">
             <p:contentPart p14:bwMode="auto" r:id="rId11">
               <p14:nvContentPartPr>
                 <p14:cNvPr id="37" name="Encre 36">
@@ -9363,7 +10045,7 @@
               </p14:xfrm>
             </p:contentPart>
           </mc:Choice>
-          <mc:Fallback>
+          <mc:Fallback xmlns="">
             <p:pic>
               <p:nvPicPr>
                 <p:cNvPr id="37" name="Encre 36">
@@ -9394,8 +10076,8 @@
             </p:pic>
           </mc:Fallback>
         </mc:AlternateContent>
-        <mc:AlternateContent xmlns:mc="http://schemas.openxmlformats.org/markup-compatibility/2006">
-          <mc:Choice xmlns:p14="http://schemas.microsoft.com/office/powerpoint/2010/main" Requires="p14">
+        <mc:AlternateContent xmlns:mc="http://schemas.openxmlformats.org/markup-compatibility/2006" xmlns:p14="http://schemas.microsoft.com/office/powerpoint/2010/main">
+          <mc:Choice Requires="p14">
             <p:contentPart p14:bwMode="auto" r:id="rId13">
               <p14:nvContentPartPr>
                 <p14:cNvPr id="38" name="Encre 37">
@@ -9414,7 +10096,7 @@
               </p14:xfrm>
             </p:contentPart>
           </mc:Choice>
-          <mc:Fallback>
+          <mc:Fallback xmlns="">
             <p:pic>
               <p:nvPicPr>
                 <p:cNvPr id="38" name="Encre 37">
@@ -9445,8 +10127,8 @@
             </p:pic>
           </mc:Fallback>
         </mc:AlternateContent>
-        <mc:AlternateContent xmlns:mc="http://schemas.openxmlformats.org/markup-compatibility/2006">
-          <mc:Choice xmlns:p14="http://schemas.microsoft.com/office/powerpoint/2010/main" Requires="p14">
+        <mc:AlternateContent xmlns:mc="http://schemas.openxmlformats.org/markup-compatibility/2006" xmlns:p14="http://schemas.microsoft.com/office/powerpoint/2010/main">
+          <mc:Choice Requires="p14">
             <p:contentPart p14:bwMode="auto" r:id="rId15">
               <p14:nvContentPartPr>
                 <p14:cNvPr id="39" name="Encre 38">
@@ -9465,7 +10147,7 @@
               </p14:xfrm>
             </p:contentPart>
           </mc:Choice>
-          <mc:Fallback>
+          <mc:Fallback xmlns="">
             <p:pic>
               <p:nvPicPr>
                 <p:cNvPr id="39" name="Encre 38">
@@ -9496,8 +10178,8 @@
             </p:pic>
           </mc:Fallback>
         </mc:AlternateContent>
-        <mc:AlternateContent xmlns:mc="http://schemas.openxmlformats.org/markup-compatibility/2006">
-          <mc:Choice xmlns:p14="http://schemas.microsoft.com/office/powerpoint/2010/main" Requires="p14">
+        <mc:AlternateContent xmlns:mc="http://schemas.openxmlformats.org/markup-compatibility/2006" xmlns:p14="http://schemas.microsoft.com/office/powerpoint/2010/main">
+          <mc:Choice Requires="p14">
             <p:contentPart p14:bwMode="auto" r:id="rId17">
               <p14:nvContentPartPr>
                 <p14:cNvPr id="41" name="Encre 40">
@@ -9516,7 +10198,7 @@
               </p14:xfrm>
             </p:contentPart>
           </mc:Choice>
-          <mc:Fallback>
+          <mc:Fallback xmlns="">
             <p:pic>
               <p:nvPicPr>
                 <p:cNvPr id="41" name="Encre 40">
@@ -9568,8 +10250,8 @@
             <a:chExt cx="84240" cy="108360"/>
           </a:xfrm>
         </p:grpSpPr>
-        <mc:AlternateContent xmlns:mc="http://schemas.openxmlformats.org/markup-compatibility/2006">
-          <mc:Choice xmlns:p14="http://schemas.microsoft.com/office/powerpoint/2010/main" Requires="p14">
+        <mc:AlternateContent xmlns:mc="http://schemas.openxmlformats.org/markup-compatibility/2006" xmlns:p14="http://schemas.microsoft.com/office/powerpoint/2010/main">
+          <mc:Choice Requires="p14">
             <p:contentPart p14:bwMode="auto" r:id="rId19">
               <p14:nvContentPartPr>
                 <p14:cNvPr id="43" name="Encre 42">
@@ -9588,7 +10270,7 @@
               </p14:xfrm>
             </p:contentPart>
           </mc:Choice>
-          <mc:Fallback>
+          <mc:Fallback xmlns="">
             <p:pic>
               <p:nvPicPr>
                 <p:cNvPr id="43" name="Encre 42">
@@ -9619,8 +10301,8 @@
             </p:pic>
           </mc:Fallback>
         </mc:AlternateContent>
-        <mc:AlternateContent xmlns:mc="http://schemas.openxmlformats.org/markup-compatibility/2006">
-          <mc:Choice xmlns:p14="http://schemas.microsoft.com/office/powerpoint/2010/main" Requires="p14">
+        <mc:AlternateContent xmlns:mc="http://schemas.openxmlformats.org/markup-compatibility/2006" xmlns:p14="http://schemas.microsoft.com/office/powerpoint/2010/main">
+          <mc:Choice Requires="p14">
             <p:contentPart p14:bwMode="auto" r:id="rId21">
               <p14:nvContentPartPr>
                 <p14:cNvPr id="44" name="Encre 43">
@@ -9639,7 +10321,7 @@
               </p14:xfrm>
             </p:contentPart>
           </mc:Choice>
-          <mc:Fallback>
+          <mc:Fallback xmlns="">
             <p:pic>
               <p:nvPicPr>
                 <p:cNvPr id="44" name="Encre 43">
@@ -9670,8 +10352,8 @@
             </p:pic>
           </mc:Fallback>
         </mc:AlternateContent>
-        <mc:AlternateContent xmlns:mc="http://schemas.openxmlformats.org/markup-compatibility/2006">
-          <mc:Choice xmlns:p14="http://schemas.microsoft.com/office/powerpoint/2010/main" Requires="p14">
+        <mc:AlternateContent xmlns:mc="http://schemas.openxmlformats.org/markup-compatibility/2006" xmlns:p14="http://schemas.microsoft.com/office/powerpoint/2010/main">
+          <mc:Choice Requires="p14">
             <p:contentPart p14:bwMode="auto" r:id="rId23">
               <p14:nvContentPartPr>
                 <p14:cNvPr id="45" name="Encre 44">
@@ -9690,7 +10372,7 @@
               </p14:xfrm>
             </p:contentPart>
           </mc:Choice>
-          <mc:Fallback>
+          <mc:Fallback xmlns="">
             <p:pic>
               <p:nvPicPr>
                 <p:cNvPr id="45" name="Encre 44">
@@ -9816,8 +10498,8 @@
           </a:p>
         </p:txBody>
       </p:sp>
-      <mc:AlternateContent xmlns:mc="http://schemas.openxmlformats.org/markup-compatibility/2006">
-        <mc:Choice xmlns:p14="http://schemas.microsoft.com/office/powerpoint/2010/main" Requires="p14">
+      <mc:AlternateContent xmlns:mc="http://schemas.openxmlformats.org/markup-compatibility/2006" xmlns:p14="http://schemas.microsoft.com/office/powerpoint/2010/main">
+        <mc:Choice Requires="p14">
           <p:contentPart p14:bwMode="auto" r:id="rId25">
             <p14:nvContentPartPr>
               <p14:cNvPr id="71" name="Encre 70">
@@ -9836,7 +10518,7 @@
             </p14:xfrm>
           </p:contentPart>
         </mc:Choice>
-        <mc:Fallback>
+        <mc:Fallback xmlns="">
           <p:pic>
             <p:nvPicPr>
               <p:cNvPr id="71" name="Encre 70">
@@ -9867,8 +10549,8 @@
           </p:pic>
         </mc:Fallback>
       </mc:AlternateContent>
-      <mc:AlternateContent xmlns:mc="http://schemas.openxmlformats.org/markup-compatibility/2006">
-        <mc:Choice xmlns:p14="http://schemas.microsoft.com/office/powerpoint/2010/main" Requires="p14">
+      <mc:AlternateContent xmlns:mc="http://schemas.openxmlformats.org/markup-compatibility/2006" xmlns:p14="http://schemas.microsoft.com/office/powerpoint/2010/main">
+        <mc:Choice Requires="p14">
           <p:contentPart p14:bwMode="auto" r:id="rId27">
             <p14:nvContentPartPr>
               <p14:cNvPr id="73" name="Encre 72">
@@ -9887,7 +10569,7 @@
             </p14:xfrm>
           </p:contentPart>
         </mc:Choice>
-        <mc:Fallback>
+        <mc:Fallback xmlns="">
           <p:pic>
             <p:nvPicPr>
               <p:cNvPr id="73" name="Encre 72">
@@ -9918,8 +10600,8 @@
           </p:pic>
         </mc:Fallback>
       </mc:AlternateContent>
-      <mc:AlternateContent xmlns:mc="http://schemas.openxmlformats.org/markup-compatibility/2006">
-        <mc:Choice xmlns:p14="http://schemas.microsoft.com/office/powerpoint/2010/main" Requires="p14">
+      <mc:AlternateContent xmlns:mc="http://schemas.openxmlformats.org/markup-compatibility/2006" xmlns:p14="http://schemas.microsoft.com/office/powerpoint/2010/main">
+        <mc:Choice Requires="p14">
           <p:contentPart p14:bwMode="auto" r:id="rId29">
             <p14:nvContentPartPr>
               <p14:cNvPr id="74" name="Encre 73">
@@ -9938,7 +10620,7 @@
             </p14:xfrm>
           </p:contentPart>
         </mc:Choice>
-        <mc:Fallback>
+        <mc:Fallback xmlns="">
           <p:pic>
             <p:nvPicPr>
               <p:cNvPr id="74" name="Encre 73">
@@ -9969,8 +10651,8 @@
           </p:pic>
         </mc:Fallback>
       </mc:AlternateContent>
-      <mc:AlternateContent xmlns:mc="http://schemas.openxmlformats.org/markup-compatibility/2006">
-        <mc:Choice xmlns:p14="http://schemas.microsoft.com/office/powerpoint/2010/main" Requires="p14">
+      <mc:AlternateContent xmlns:mc="http://schemas.openxmlformats.org/markup-compatibility/2006" xmlns:p14="http://schemas.microsoft.com/office/powerpoint/2010/main">
+        <mc:Choice Requires="p14">
           <p:contentPart p14:bwMode="auto" r:id="rId31">
             <p14:nvContentPartPr>
               <p14:cNvPr id="75" name="Encre 74">
@@ -9989,7 +10671,7 @@
             </p14:xfrm>
           </p:contentPart>
         </mc:Choice>
-        <mc:Fallback>
+        <mc:Fallback xmlns="">
           <p:pic>
             <p:nvPicPr>
               <p:cNvPr id="75" name="Encre 74">
@@ -10020,8 +10702,8 @@
           </p:pic>
         </mc:Fallback>
       </mc:AlternateContent>
-      <mc:AlternateContent xmlns:mc="http://schemas.openxmlformats.org/markup-compatibility/2006">
-        <mc:Choice xmlns:p14="http://schemas.microsoft.com/office/powerpoint/2010/main" Requires="p14">
+      <mc:AlternateContent xmlns:mc="http://schemas.openxmlformats.org/markup-compatibility/2006" xmlns:p14="http://schemas.microsoft.com/office/powerpoint/2010/main">
+        <mc:Choice Requires="p14">
           <p:contentPart p14:bwMode="auto" r:id="rId33">
             <p14:nvContentPartPr>
               <p14:cNvPr id="85" name="Encre 84">
@@ -10040,7 +10722,7 @@
             </p14:xfrm>
           </p:contentPart>
         </mc:Choice>
-        <mc:Fallback>
+        <mc:Fallback xmlns="">
           <p:pic>
             <p:nvPicPr>
               <p:cNvPr id="85" name="Encre 84">
@@ -10247,8 +10929,8 @@
           </a:p>
         </p:txBody>
       </p:sp>
-      <mc:AlternateContent xmlns:mc="http://schemas.openxmlformats.org/markup-compatibility/2006">
-        <mc:Choice xmlns:p14="http://schemas.microsoft.com/office/powerpoint/2010/main" Requires="p14">
+      <mc:AlternateContent xmlns:mc="http://schemas.openxmlformats.org/markup-compatibility/2006" xmlns:p14="http://schemas.microsoft.com/office/powerpoint/2010/main">
+        <mc:Choice Requires="p14">
           <p:contentPart p14:bwMode="auto" r:id="rId35">
             <p14:nvContentPartPr>
               <p14:cNvPr id="92" name="Encre 91">
@@ -10267,7 +10949,7 @@
             </p14:xfrm>
           </p:contentPart>
         </mc:Choice>
-        <mc:Fallback>
+        <mc:Fallback xmlns="">
           <p:pic>
             <p:nvPicPr>
               <p:cNvPr id="92" name="Encre 91">
@@ -10811,8 +11493,8 @@
           </a:p>
         </p:txBody>
       </p:sp>
-      <mc:AlternateContent xmlns:mc="http://schemas.openxmlformats.org/markup-compatibility/2006">
-        <mc:Choice xmlns:p14="http://schemas.microsoft.com/office/powerpoint/2010/main" Requires="p14">
+      <mc:AlternateContent xmlns:mc="http://schemas.openxmlformats.org/markup-compatibility/2006" xmlns:p14="http://schemas.microsoft.com/office/powerpoint/2010/main">
+        <mc:Choice Requires="p14">
           <p:contentPart p14:bwMode="auto" r:id="rId36">
             <p14:nvContentPartPr>
               <p14:cNvPr id="106" name="Encre 105">
@@ -10831,7 +11513,7 @@
             </p14:xfrm>
           </p:contentPart>
         </mc:Choice>
-        <mc:Fallback>
+        <mc:Fallback xmlns="">
           <p:pic>
             <p:nvPicPr>
               <p:cNvPr id="106" name="Encre 105">
@@ -10862,8 +11544,8 @@
           </p:pic>
         </mc:Fallback>
       </mc:AlternateContent>
-      <mc:AlternateContent xmlns:mc="http://schemas.openxmlformats.org/markup-compatibility/2006">
-        <mc:Choice xmlns:p14="http://schemas.microsoft.com/office/powerpoint/2010/main" Requires="p14">
+      <mc:AlternateContent xmlns:mc="http://schemas.openxmlformats.org/markup-compatibility/2006" xmlns:p14="http://schemas.microsoft.com/office/powerpoint/2010/main">
+        <mc:Choice Requires="p14">
           <p:contentPart p14:bwMode="auto" r:id="rId38">
             <p14:nvContentPartPr>
               <p14:cNvPr id="82" name="Encre 81">
@@ -10882,7 +11564,7 @@
             </p14:xfrm>
           </p:contentPart>
         </mc:Choice>
-        <mc:Fallback>
+        <mc:Fallback xmlns="">
           <p:pic>
             <p:nvPicPr>
               <p:cNvPr id="82" name="Encre 81">
@@ -10913,8 +11595,8 @@
           </p:pic>
         </mc:Fallback>
       </mc:AlternateContent>
-      <mc:AlternateContent xmlns:mc="http://schemas.openxmlformats.org/markup-compatibility/2006">
-        <mc:Choice xmlns:p14="http://schemas.microsoft.com/office/powerpoint/2010/main" Requires="p14">
+      <mc:AlternateContent xmlns:mc="http://schemas.openxmlformats.org/markup-compatibility/2006" xmlns:p14="http://schemas.microsoft.com/office/powerpoint/2010/main">
+        <mc:Choice Requires="p14">
           <p:contentPart p14:bwMode="auto" r:id="rId40">
             <p14:nvContentPartPr>
               <p14:cNvPr id="83" name="Encre 82">
@@ -10933,7 +11615,7 @@
             </p14:xfrm>
           </p:contentPart>
         </mc:Choice>
-        <mc:Fallback>
+        <mc:Fallback xmlns="">
           <p:pic>
             <p:nvPicPr>
               <p:cNvPr id="83" name="Encre 82">
@@ -10964,8 +11646,8 @@
           </p:pic>
         </mc:Fallback>
       </mc:AlternateContent>
-      <mc:AlternateContent xmlns:mc="http://schemas.openxmlformats.org/markup-compatibility/2006">
-        <mc:Choice xmlns:p14="http://schemas.microsoft.com/office/powerpoint/2010/main" Requires="p14">
+      <mc:AlternateContent xmlns:mc="http://schemas.openxmlformats.org/markup-compatibility/2006" xmlns:p14="http://schemas.microsoft.com/office/powerpoint/2010/main">
+        <mc:Choice Requires="p14">
           <p:contentPart p14:bwMode="auto" r:id="rId42">
             <p14:nvContentPartPr>
               <p14:cNvPr id="131" name="Encre 130">
@@ -10984,7 +11666,7 @@
             </p14:xfrm>
           </p:contentPart>
         </mc:Choice>
-        <mc:Fallback>
+        <mc:Fallback xmlns="">
           <p:pic>
             <p:nvPicPr>
               <p:cNvPr id="131" name="Encre 130">
@@ -11015,8 +11697,8 @@
           </p:pic>
         </mc:Fallback>
       </mc:AlternateContent>
-      <mc:AlternateContent xmlns:mc="http://schemas.openxmlformats.org/markup-compatibility/2006">
-        <mc:Choice xmlns:p14="http://schemas.microsoft.com/office/powerpoint/2010/main" Requires="p14">
+      <mc:AlternateContent xmlns:mc="http://schemas.openxmlformats.org/markup-compatibility/2006" xmlns:p14="http://schemas.microsoft.com/office/powerpoint/2010/main">
+        <mc:Choice Requires="p14">
           <p:contentPart p14:bwMode="auto" r:id="rId44">
             <p14:nvContentPartPr>
               <p14:cNvPr id="132" name="Encre 131">
@@ -11035,7 +11717,7 @@
             </p14:xfrm>
           </p:contentPart>
         </mc:Choice>
-        <mc:Fallback>
+        <mc:Fallback xmlns="">
           <p:pic>
             <p:nvPicPr>
               <p:cNvPr id="132" name="Encre 131">
@@ -11066,8 +11748,8 @@
           </p:pic>
         </mc:Fallback>
       </mc:AlternateContent>
-      <mc:AlternateContent xmlns:mc="http://schemas.openxmlformats.org/markup-compatibility/2006">
-        <mc:Choice xmlns:p14="http://schemas.microsoft.com/office/powerpoint/2010/main" Requires="p14">
+      <mc:AlternateContent xmlns:mc="http://schemas.openxmlformats.org/markup-compatibility/2006" xmlns:p14="http://schemas.microsoft.com/office/powerpoint/2010/main">
+        <mc:Choice Requires="p14">
           <p:contentPart p14:bwMode="auto" r:id="rId46">
             <p14:nvContentPartPr>
               <p14:cNvPr id="139" name="Encre 138">
@@ -11086,7 +11768,7 @@
             </p14:xfrm>
           </p:contentPart>
         </mc:Choice>
-        <mc:Fallback>
+        <mc:Fallback xmlns="">
           <p:pic>
             <p:nvPicPr>
               <p:cNvPr id="139" name="Encre 138">
@@ -11117,8 +11799,8 @@
           </p:pic>
         </mc:Fallback>
       </mc:AlternateContent>
-      <mc:AlternateContent xmlns:mc="http://schemas.openxmlformats.org/markup-compatibility/2006">
-        <mc:Choice xmlns:p14="http://schemas.microsoft.com/office/powerpoint/2010/main" Requires="p14">
+      <mc:AlternateContent xmlns:mc="http://schemas.openxmlformats.org/markup-compatibility/2006" xmlns:p14="http://schemas.microsoft.com/office/powerpoint/2010/main">
+        <mc:Choice Requires="p14">
           <p:contentPart p14:bwMode="auto" r:id="rId48">
             <p14:nvContentPartPr>
               <p14:cNvPr id="141" name="Encre 140">
@@ -11137,7 +11819,7 @@
             </p14:xfrm>
           </p:contentPart>
         </mc:Choice>
-        <mc:Fallback>
+        <mc:Fallback xmlns="">
           <p:pic>
             <p:nvPicPr>
               <p:cNvPr id="141" name="Encre 140">
@@ -11188,8 +11870,8 @@
             <a:chExt cx="142200" cy="118080"/>
           </a:xfrm>
         </p:grpSpPr>
-        <mc:AlternateContent xmlns:mc="http://schemas.openxmlformats.org/markup-compatibility/2006">
-          <mc:Choice xmlns:p14="http://schemas.microsoft.com/office/powerpoint/2010/main" Requires="p14">
+        <mc:AlternateContent xmlns:mc="http://schemas.openxmlformats.org/markup-compatibility/2006" xmlns:p14="http://schemas.microsoft.com/office/powerpoint/2010/main">
+          <mc:Choice Requires="p14">
             <p:contentPart p14:bwMode="auto" r:id="rId50">
               <p14:nvContentPartPr>
                 <p14:cNvPr id="142" name="Encre 141">
@@ -11208,7 +11890,7 @@
               </p14:xfrm>
             </p:contentPart>
           </mc:Choice>
-          <mc:Fallback>
+          <mc:Fallback xmlns="">
             <p:pic>
               <p:nvPicPr>
                 <p:cNvPr id="142" name="Encre 141">
@@ -11239,8 +11921,8 @@
             </p:pic>
           </mc:Fallback>
         </mc:AlternateContent>
-        <mc:AlternateContent xmlns:mc="http://schemas.openxmlformats.org/markup-compatibility/2006">
-          <mc:Choice xmlns:p14="http://schemas.microsoft.com/office/powerpoint/2010/main" Requires="p14">
+        <mc:AlternateContent xmlns:mc="http://schemas.openxmlformats.org/markup-compatibility/2006" xmlns:p14="http://schemas.microsoft.com/office/powerpoint/2010/main">
+          <mc:Choice Requires="p14">
             <p:contentPart p14:bwMode="auto" r:id="rId52">
               <p14:nvContentPartPr>
                 <p14:cNvPr id="143" name="Encre 142">
@@ -11259,7 +11941,7 @@
               </p14:xfrm>
             </p:contentPart>
           </mc:Choice>
-          <mc:Fallback>
+          <mc:Fallback xmlns="">
             <p:pic>
               <p:nvPicPr>
                 <p:cNvPr id="143" name="Encre 142">
@@ -11290,8 +11972,8 @@
             </p:pic>
           </mc:Fallback>
         </mc:AlternateContent>
-        <mc:AlternateContent xmlns:mc="http://schemas.openxmlformats.org/markup-compatibility/2006">
-          <mc:Choice xmlns:p14="http://schemas.microsoft.com/office/powerpoint/2010/main" Requires="p14">
+        <mc:AlternateContent xmlns:mc="http://schemas.openxmlformats.org/markup-compatibility/2006" xmlns:p14="http://schemas.microsoft.com/office/powerpoint/2010/main">
+          <mc:Choice Requires="p14">
             <p:contentPart p14:bwMode="auto" r:id="rId54">
               <p14:nvContentPartPr>
                 <p14:cNvPr id="144" name="Encre 143">
@@ -11310,7 +11992,7 @@
               </p14:xfrm>
             </p:contentPart>
           </mc:Choice>
-          <mc:Fallback>
+          <mc:Fallback xmlns="">
             <p:pic>
               <p:nvPicPr>
                 <p:cNvPr id="144" name="Encre 143">
@@ -11341,8 +12023,8 @@
             </p:pic>
           </mc:Fallback>
         </mc:AlternateContent>
-        <mc:AlternateContent xmlns:mc="http://schemas.openxmlformats.org/markup-compatibility/2006">
-          <mc:Choice xmlns:p14="http://schemas.microsoft.com/office/powerpoint/2010/main" Requires="p14">
+        <mc:AlternateContent xmlns:mc="http://schemas.openxmlformats.org/markup-compatibility/2006" xmlns:p14="http://schemas.microsoft.com/office/powerpoint/2010/main">
+          <mc:Choice Requires="p14">
             <p:contentPart p14:bwMode="auto" r:id="rId56">
               <p14:nvContentPartPr>
                 <p14:cNvPr id="145" name="Encre 144">
@@ -11361,7 +12043,7 @@
               </p14:xfrm>
             </p:contentPart>
           </mc:Choice>
-          <mc:Fallback>
+          <mc:Fallback xmlns="">
             <p:pic>
               <p:nvPicPr>
                 <p:cNvPr id="145" name="Encre 144">
@@ -11413,8 +12095,8 @@
             <a:chExt cx="117000" cy="135000"/>
           </a:xfrm>
         </p:grpSpPr>
-        <mc:AlternateContent xmlns:mc="http://schemas.openxmlformats.org/markup-compatibility/2006">
-          <mc:Choice xmlns:p14="http://schemas.microsoft.com/office/powerpoint/2010/main" Requires="p14">
+        <mc:AlternateContent xmlns:mc="http://schemas.openxmlformats.org/markup-compatibility/2006" xmlns:p14="http://schemas.microsoft.com/office/powerpoint/2010/main">
+          <mc:Choice Requires="p14">
             <p:contentPart p14:bwMode="auto" r:id="rId58">
               <p14:nvContentPartPr>
                 <p14:cNvPr id="147" name="Encre 146">
@@ -11433,7 +12115,7 @@
               </p14:xfrm>
             </p:contentPart>
           </mc:Choice>
-          <mc:Fallback>
+          <mc:Fallback xmlns="">
             <p:pic>
               <p:nvPicPr>
                 <p:cNvPr id="147" name="Encre 146">
@@ -11464,8 +12146,8 @@
             </p:pic>
           </mc:Fallback>
         </mc:AlternateContent>
-        <mc:AlternateContent xmlns:mc="http://schemas.openxmlformats.org/markup-compatibility/2006">
-          <mc:Choice xmlns:p14="http://schemas.microsoft.com/office/powerpoint/2010/main" Requires="p14">
+        <mc:AlternateContent xmlns:mc="http://schemas.openxmlformats.org/markup-compatibility/2006" xmlns:p14="http://schemas.microsoft.com/office/powerpoint/2010/main">
+          <mc:Choice Requires="p14">
             <p:contentPart p14:bwMode="auto" r:id="rId60">
               <p14:nvContentPartPr>
                 <p14:cNvPr id="148" name="Encre 147">
@@ -11484,7 +12166,7 @@
               </p14:xfrm>
             </p:contentPart>
           </mc:Choice>
-          <mc:Fallback>
+          <mc:Fallback xmlns="">
             <p:pic>
               <p:nvPicPr>
                 <p:cNvPr id="148" name="Encre 147">
@@ -11515,8 +12197,8 @@
             </p:pic>
           </mc:Fallback>
         </mc:AlternateContent>
-        <mc:AlternateContent xmlns:mc="http://schemas.openxmlformats.org/markup-compatibility/2006">
-          <mc:Choice xmlns:p14="http://schemas.microsoft.com/office/powerpoint/2010/main" Requires="p14">
+        <mc:AlternateContent xmlns:mc="http://schemas.openxmlformats.org/markup-compatibility/2006" xmlns:p14="http://schemas.microsoft.com/office/powerpoint/2010/main">
+          <mc:Choice Requires="p14">
             <p:contentPart p14:bwMode="auto" r:id="rId62">
               <p14:nvContentPartPr>
                 <p14:cNvPr id="149" name="Encre 148">
@@ -11535,7 +12217,7 @@
               </p14:xfrm>
             </p:contentPart>
           </mc:Choice>
-          <mc:Fallback>
+          <mc:Fallback xmlns="">
             <p:pic>
               <p:nvPicPr>
                 <p:cNvPr id="149" name="Encre 148">
@@ -11587,8 +12269,8 @@
             <a:chExt cx="104040" cy="127440"/>
           </a:xfrm>
         </p:grpSpPr>
-        <mc:AlternateContent xmlns:mc="http://schemas.openxmlformats.org/markup-compatibility/2006">
-          <mc:Choice xmlns:p14="http://schemas.microsoft.com/office/powerpoint/2010/main" Requires="p14">
+        <mc:AlternateContent xmlns:mc="http://schemas.openxmlformats.org/markup-compatibility/2006" xmlns:p14="http://schemas.microsoft.com/office/powerpoint/2010/main">
+          <mc:Choice Requires="p14">
             <p:contentPart p14:bwMode="auto" r:id="rId64">
               <p14:nvContentPartPr>
                 <p14:cNvPr id="151" name="Encre 150">
@@ -11607,7 +12289,7 @@
               </p14:xfrm>
             </p:contentPart>
           </mc:Choice>
-          <mc:Fallback>
+          <mc:Fallback xmlns="">
             <p:pic>
               <p:nvPicPr>
                 <p:cNvPr id="151" name="Encre 150">
@@ -11638,8 +12320,8 @@
             </p:pic>
           </mc:Fallback>
         </mc:AlternateContent>
-        <mc:AlternateContent xmlns:mc="http://schemas.openxmlformats.org/markup-compatibility/2006">
-          <mc:Choice xmlns:p14="http://schemas.microsoft.com/office/powerpoint/2010/main" Requires="p14">
+        <mc:AlternateContent xmlns:mc="http://schemas.openxmlformats.org/markup-compatibility/2006" xmlns:p14="http://schemas.microsoft.com/office/powerpoint/2010/main">
+          <mc:Choice Requires="p14">
             <p:contentPart p14:bwMode="auto" r:id="rId66">
               <p14:nvContentPartPr>
                 <p14:cNvPr id="152" name="Encre 151">
@@ -11658,7 +12340,7 @@
               </p14:xfrm>
             </p:contentPart>
           </mc:Choice>
-          <mc:Fallback>
+          <mc:Fallback xmlns="">
             <p:pic>
               <p:nvPicPr>
                 <p:cNvPr id="152" name="Encre 151">
@@ -11689,8 +12371,8 @@
             </p:pic>
           </mc:Fallback>
         </mc:AlternateContent>
-        <mc:AlternateContent xmlns:mc="http://schemas.openxmlformats.org/markup-compatibility/2006">
-          <mc:Choice xmlns:p14="http://schemas.microsoft.com/office/powerpoint/2010/main" Requires="p14">
+        <mc:AlternateContent xmlns:mc="http://schemas.openxmlformats.org/markup-compatibility/2006" xmlns:p14="http://schemas.microsoft.com/office/powerpoint/2010/main">
+          <mc:Choice Requires="p14">
             <p:contentPart p14:bwMode="auto" r:id="rId68">
               <p14:nvContentPartPr>
                 <p14:cNvPr id="153" name="Encre 152">
@@ -11709,7 +12391,7 @@
               </p14:xfrm>
             </p:contentPart>
           </mc:Choice>
-          <mc:Fallback>
+          <mc:Fallback xmlns="">
             <p:pic>
               <p:nvPicPr>
                 <p:cNvPr id="153" name="Encre 152">
@@ -11761,8 +12443,8 @@
             <a:chExt cx="918000" cy="2029320"/>
           </a:xfrm>
         </p:grpSpPr>
-        <mc:AlternateContent xmlns:mc="http://schemas.openxmlformats.org/markup-compatibility/2006">
-          <mc:Choice xmlns:p14="http://schemas.microsoft.com/office/powerpoint/2010/main" Requires="p14">
+        <mc:AlternateContent xmlns:mc="http://schemas.openxmlformats.org/markup-compatibility/2006" xmlns:p14="http://schemas.microsoft.com/office/powerpoint/2010/main">
+          <mc:Choice Requires="p14">
             <p:contentPart p14:bwMode="auto" r:id="rId70">
               <p14:nvContentPartPr>
                 <p14:cNvPr id="158" name="Encre 157">
@@ -11781,7 +12463,7 @@
               </p14:xfrm>
             </p:contentPart>
           </mc:Choice>
-          <mc:Fallback>
+          <mc:Fallback xmlns="">
             <p:pic>
               <p:nvPicPr>
                 <p:cNvPr id="158" name="Encre 157">
@@ -11812,8 +12494,8 @@
             </p:pic>
           </mc:Fallback>
         </mc:AlternateContent>
-        <mc:AlternateContent xmlns:mc="http://schemas.openxmlformats.org/markup-compatibility/2006">
-          <mc:Choice xmlns:p14="http://schemas.microsoft.com/office/powerpoint/2010/main" Requires="p14">
+        <mc:AlternateContent xmlns:mc="http://schemas.openxmlformats.org/markup-compatibility/2006" xmlns:p14="http://schemas.microsoft.com/office/powerpoint/2010/main">
+          <mc:Choice Requires="p14">
             <p:contentPart p14:bwMode="auto" r:id="rId72">
               <p14:nvContentPartPr>
                 <p14:cNvPr id="159" name="Encre 158">
@@ -11832,7 +12514,7 @@
               </p14:xfrm>
             </p:contentPart>
           </mc:Choice>
-          <mc:Fallback>
+          <mc:Fallback xmlns="">
             <p:pic>
               <p:nvPicPr>
                 <p:cNvPr id="159" name="Encre 158">
@@ -11864,8 +12546,8 @@
           </mc:Fallback>
         </mc:AlternateContent>
       </p:grpSp>
-      <mc:AlternateContent xmlns:mc="http://schemas.openxmlformats.org/markup-compatibility/2006">
-        <mc:Choice xmlns:p14="http://schemas.microsoft.com/office/powerpoint/2010/main" Requires="p14">
+      <mc:AlternateContent xmlns:mc="http://schemas.openxmlformats.org/markup-compatibility/2006" xmlns:p14="http://schemas.microsoft.com/office/powerpoint/2010/main">
+        <mc:Choice Requires="p14">
           <p:contentPart p14:bwMode="auto" r:id="rId74">
             <p14:nvContentPartPr>
               <p14:cNvPr id="161" name="Encre 160">
@@ -11884,7 +12566,7 @@
             </p14:xfrm>
           </p:contentPart>
         </mc:Choice>
-        <mc:Fallback>
+        <mc:Fallback xmlns="">
           <p:pic>
             <p:nvPicPr>
               <p:cNvPr id="161" name="Encre 160">
@@ -11915,8 +12597,8 @@
           </p:pic>
         </mc:Fallback>
       </mc:AlternateContent>
-      <mc:AlternateContent xmlns:mc="http://schemas.openxmlformats.org/markup-compatibility/2006">
-        <mc:Choice xmlns:p14="http://schemas.microsoft.com/office/powerpoint/2010/main" Requires="p14">
+      <mc:AlternateContent xmlns:mc="http://schemas.openxmlformats.org/markup-compatibility/2006" xmlns:p14="http://schemas.microsoft.com/office/powerpoint/2010/main">
+        <mc:Choice Requires="p14">
           <p:contentPart p14:bwMode="auto" r:id="rId76">
             <p14:nvContentPartPr>
               <p14:cNvPr id="162" name="Encre 161">
@@ -11935,7 +12617,7 @@
             </p14:xfrm>
           </p:contentPart>
         </mc:Choice>
-        <mc:Fallback>
+        <mc:Fallback xmlns="">
           <p:pic>
             <p:nvPicPr>
               <p:cNvPr id="162" name="Encre 161">
@@ -11966,8 +12648,8 @@
           </p:pic>
         </mc:Fallback>
       </mc:AlternateContent>
-      <mc:AlternateContent xmlns:mc="http://schemas.openxmlformats.org/markup-compatibility/2006">
-        <mc:Choice xmlns:p14="http://schemas.microsoft.com/office/powerpoint/2010/main" Requires="p14">
+      <mc:AlternateContent xmlns:mc="http://schemas.openxmlformats.org/markup-compatibility/2006" xmlns:p14="http://schemas.microsoft.com/office/powerpoint/2010/main">
+        <mc:Choice Requires="p14">
           <p:contentPart p14:bwMode="auto" r:id="rId78">
             <p14:nvContentPartPr>
               <p14:cNvPr id="164" name="Encre 163">
@@ -11986,7 +12668,7 @@
             </p14:xfrm>
           </p:contentPart>
         </mc:Choice>
-        <mc:Fallback>
+        <mc:Fallback xmlns="">
           <p:pic>
             <p:nvPicPr>
               <p:cNvPr id="164" name="Encre 163">
@@ -12037,8 +12719,8 @@
             <a:chExt cx="54000" cy="83160"/>
           </a:xfrm>
         </p:grpSpPr>
-        <mc:AlternateContent xmlns:mc="http://schemas.openxmlformats.org/markup-compatibility/2006">
-          <mc:Choice xmlns:p14="http://schemas.microsoft.com/office/powerpoint/2010/main" Requires="p14">
+        <mc:AlternateContent xmlns:mc="http://schemas.openxmlformats.org/markup-compatibility/2006" xmlns:p14="http://schemas.microsoft.com/office/powerpoint/2010/main">
+          <mc:Choice Requires="p14">
             <p:contentPart p14:bwMode="auto" r:id="rId80">
               <p14:nvContentPartPr>
                 <p14:cNvPr id="169" name="Encre 168">
@@ -12057,7 +12739,7 @@
               </p14:xfrm>
             </p:contentPart>
           </mc:Choice>
-          <mc:Fallback>
+          <mc:Fallback xmlns="">
             <p:pic>
               <p:nvPicPr>
                 <p:cNvPr id="169" name="Encre 168">
@@ -12088,8 +12770,8 @@
             </p:pic>
           </mc:Fallback>
         </mc:AlternateContent>
-        <mc:AlternateContent xmlns:mc="http://schemas.openxmlformats.org/markup-compatibility/2006">
-          <mc:Choice xmlns:p14="http://schemas.microsoft.com/office/powerpoint/2010/main" Requires="p14">
+        <mc:AlternateContent xmlns:mc="http://schemas.openxmlformats.org/markup-compatibility/2006" xmlns:p14="http://schemas.microsoft.com/office/powerpoint/2010/main">
+          <mc:Choice Requires="p14">
             <p:contentPart p14:bwMode="auto" r:id="rId82">
               <p14:nvContentPartPr>
                 <p14:cNvPr id="170" name="Encre 169">
@@ -12108,7 +12790,7 @@
               </p14:xfrm>
             </p:contentPart>
           </mc:Choice>
-          <mc:Fallback>
+          <mc:Fallback xmlns="">
             <p:pic>
               <p:nvPicPr>
                 <p:cNvPr id="170" name="Encre 169">
@@ -12139,8 +12821,8 @@
             </p:pic>
           </mc:Fallback>
         </mc:AlternateContent>
-        <mc:AlternateContent xmlns:mc="http://schemas.openxmlformats.org/markup-compatibility/2006">
-          <mc:Choice xmlns:p14="http://schemas.microsoft.com/office/powerpoint/2010/main" Requires="p14">
+        <mc:AlternateContent xmlns:mc="http://schemas.openxmlformats.org/markup-compatibility/2006" xmlns:p14="http://schemas.microsoft.com/office/powerpoint/2010/main">
+          <mc:Choice Requires="p14">
             <p:contentPart p14:bwMode="auto" r:id="rId84">
               <p14:nvContentPartPr>
                 <p14:cNvPr id="171" name="Encre 170">
@@ -12159,7 +12841,7 @@
               </p14:xfrm>
             </p:contentPart>
           </mc:Choice>
-          <mc:Fallback>
+          <mc:Fallback xmlns="">
             <p:pic>
               <p:nvPicPr>
                 <p:cNvPr id="171" name="Encre 170">
@@ -12211,8 +12893,8 @@
             <a:chExt cx="478800" cy="1257480"/>
           </a:xfrm>
         </p:grpSpPr>
-        <mc:AlternateContent xmlns:mc="http://schemas.openxmlformats.org/markup-compatibility/2006">
-          <mc:Choice xmlns:p14="http://schemas.microsoft.com/office/powerpoint/2010/main" Requires="p14">
+        <mc:AlternateContent xmlns:mc="http://schemas.openxmlformats.org/markup-compatibility/2006" xmlns:p14="http://schemas.microsoft.com/office/powerpoint/2010/main">
+          <mc:Choice Requires="p14">
             <p:contentPart p14:bwMode="auto" r:id="rId86">
               <p14:nvContentPartPr>
                 <p14:cNvPr id="163" name="Encre 162">
@@ -12231,7 +12913,7 @@
               </p14:xfrm>
             </p:contentPart>
           </mc:Choice>
-          <mc:Fallback>
+          <mc:Fallback xmlns="">
             <p:pic>
               <p:nvPicPr>
                 <p:cNvPr id="163" name="Encre 162">
@@ -12262,8 +12944,8 @@
             </p:pic>
           </mc:Fallback>
         </mc:AlternateContent>
-        <mc:AlternateContent xmlns:mc="http://schemas.openxmlformats.org/markup-compatibility/2006">
-          <mc:Choice xmlns:p14="http://schemas.microsoft.com/office/powerpoint/2010/main" Requires="p14">
+        <mc:AlternateContent xmlns:mc="http://schemas.openxmlformats.org/markup-compatibility/2006" xmlns:p14="http://schemas.microsoft.com/office/powerpoint/2010/main">
+          <mc:Choice Requires="p14">
             <p:contentPart p14:bwMode="auto" r:id="rId88">
               <p14:nvContentPartPr>
                 <p14:cNvPr id="165" name="Encre 164">
@@ -12282,7 +12964,7 @@
               </p14:xfrm>
             </p:contentPart>
           </mc:Choice>
-          <mc:Fallback>
+          <mc:Fallback xmlns="">
             <p:pic>
               <p:nvPicPr>
                 <p:cNvPr id="165" name="Encre 164">
@@ -12313,8 +12995,8 @@
             </p:pic>
           </mc:Fallback>
         </mc:AlternateContent>
-        <mc:AlternateContent xmlns:mc="http://schemas.openxmlformats.org/markup-compatibility/2006">
-          <mc:Choice xmlns:p14="http://schemas.microsoft.com/office/powerpoint/2010/main" Requires="p14">
+        <mc:AlternateContent xmlns:mc="http://schemas.openxmlformats.org/markup-compatibility/2006" xmlns:p14="http://schemas.microsoft.com/office/powerpoint/2010/main">
+          <mc:Choice Requires="p14">
             <p:contentPart p14:bwMode="auto" r:id="rId89">
               <p14:nvContentPartPr>
                 <p14:cNvPr id="166" name="Encre 165">
@@ -12333,7 +13015,7 @@
               </p14:xfrm>
             </p:contentPart>
           </mc:Choice>
-          <mc:Fallback>
+          <mc:Fallback xmlns="">
             <p:pic>
               <p:nvPicPr>
                 <p:cNvPr id="166" name="Encre 165">
@@ -12364,8 +13046,8 @@
             </p:pic>
           </mc:Fallback>
         </mc:AlternateContent>
-        <mc:AlternateContent xmlns:mc="http://schemas.openxmlformats.org/markup-compatibility/2006">
-          <mc:Choice xmlns:p14="http://schemas.microsoft.com/office/powerpoint/2010/main" Requires="p14">
+        <mc:AlternateContent xmlns:mc="http://schemas.openxmlformats.org/markup-compatibility/2006" xmlns:p14="http://schemas.microsoft.com/office/powerpoint/2010/main">
+          <mc:Choice Requires="p14">
             <p:contentPart p14:bwMode="auto" r:id="rId91">
               <p14:nvContentPartPr>
                 <p14:cNvPr id="167" name="Encre 166">
@@ -12384,7 +13066,7 @@
               </p14:xfrm>
             </p:contentPart>
           </mc:Choice>
-          <mc:Fallback>
+          <mc:Fallback xmlns="">
             <p:pic>
               <p:nvPicPr>
                 <p:cNvPr id="167" name="Encre 166">
@@ -12415,8 +13097,8 @@
             </p:pic>
           </mc:Fallback>
         </mc:AlternateContent>
-        <mc:AlternateContent xmlns:mc="http://schemas.openxmlformats.org/markup-compatibility/2006">
-          <mc:Choice xmlns:p14="http://schemas.microsoft.com/office/powerpoint/2010/main" Requires="p14">
+        <mc:AlternateContent xmlns:mc="http://schemas.openxmlformats.org/markup-compatibility/2006" xmlns:p14="http://schemas.microsoft.com/office/powerpoint/2010/main">
+          <mc:Choice Requires="p14">
             <p:contentPart p14:bwMode="auto" r:id="rId93">
               <p14:nvContentPartPr>
                 <p14:cNvPr id="173" name="Encre 172">
@@ -12435,7 +13117,7 @@
               </p14:xfrm>
             </p:contentPart>
           </mc:Choice>
-          <mc:Fallback>
+          <mc:Fallback xmlns="">
             <p:pic>
               <p:nvPicPr>
                 <p:cNvPr id="173" name="Encre 172">
@@ -12467,8 +13149,8 @@
           </mc:Fallback>
         </mc:AlternateContent>
       </p:grpSp>
-      <mc:AlternateContent xmlns:mc="http://schemas.openxmlformats.org/markup-compatibility/2006">
-        <mc:Choice xmlns:p14="http://schemas.microsoft.com/office/powerpoint/2010/main" Requires="p14">
+      <mc:AlternateContent xmlns:mc="http://schemas.openxmlformats.org/markup-compatibility/2006" xmlns:p14="http://schemas.microsoft.com/office/powerpoint/2010/main">
+        <mc:Choice Requires="p14">
           <p:contentPart p14:bwMode="auto" r:id="rId95">
             <p14:nvContentPartPr>
               <p14:cNvPr id="175" name="Encre 174">
@@ -12487,7 +13169,7 @@
             </p14:xfrm>
           </p:contentPart>
         </mc:Choice>
-        <mc:Fallback>
+        <mc:Fallback xmlns="">
           <p:pic>
             <p:nvPicPr>
               <p:cNvPr id="175" name="Encre 174">
@@ -12538,8 +13220,8 @@
             <a:chExt cx="91800" cy="84600"/>
           </a:xfrm>
         </p:grpSpPr>
-        <mc:AlternateContent xmlns:mc="http://schemas.openxmlformats.org/markup-compatibility/2006">
-          <mc:Choice xmlns:p14="http://schemas.microsoft.com/office/powerpoint/2010/main" Requires="p14">
+        <mc:AlternateContent xmlns:mc="http://schemas.openxmlformats.org/markup-compatibility/2006" xmlns:p14="http://schemas.microsoft.com/office/powerpoint/2010/main">
+          <mc:Choice Requires="p14">
             <p:contentPart p14:bwMode="auto" r:id="rId97">
               <p14:nvContentPartPr>
                 <p14:cNvPr id="176" name="Encre 175">
@@ -12558,7 +13240,7 @@
               </p14:xfrm>
             </p:contentPart>
           </mc:Choice>
-          <mc:Fallback>
+          <mc:Fallback xmlns="">
             <p:pic>
               <p:nvPicPr>
                 <p:cNvPr id="176" name="Encre 175">
@@ -12589,8 +13271,8 @@
             </p:pic>
           </mc:Fallback>
         </mc:AlternateContent>
-        <mc:AlternateContent xmlns:mc="http://schemas.openxmlformats.org/markup-compatibility/2006">
-          <mc:Choice xmlns:p14="http://schemas.microsoft.com/office/powerpoint/2010/main" Requires="p14">
+        <mc:AlternateContent xmlns:mc="http://schemas.openxmlformats.org/markup-compatibility/2006" xmlns:p14="http://schemas.microsoft.com/office/powerpoint/2010/main">
+          <mc:Choice Requires="p14">
             <p:contentPart p14:bwMode="auto" r:id="rId99">
               <p14:nvContentPartPr>
                 <p14:cNvPr id="177" name="Encre 176">
@@ -12609,7 +13291,7 @@
               </p14:xfrm>
             </p:contentPart>
           </mc:Choice>
-          <mc:Fallback>
+          <mc:Fallback xmlns="">
             <p:pic>
               <p:nvPicPr>
                 <p:cNvPr id="177" name="Encre 176">
@@ -12640,8 +13322,8 @@
             </p:pic>
           </mc:Fallback>
         </mc:AlternateContent>
-        <mc:AlternateContent xmlns:mc="http://schemas.openxmlformats.org/markup-compatibility/2006">
-          <mc:Choice xmlns:p14="http://schemas.microsoft.com/office/powerpoint/2010/main" Requires="p14">
+        <mc:AlternateContent xmlns:mc="http://schemas.openxmlformats.org/markup-compatibility/2006" xmlns:p14="http://schemas.microsoft.com/office/powerpoint/2010/main">
+          <mc:Choice Requires="p14">
             <p:contentPart p14:bwMode="auto" r:id="rId101">
               <p14:nvContentPartPr>
                 <p14:cNvPr id="178" name="Encre 177">
@@ -12660,7 +13342,7 @@
               </p14:xfrm>
             </p:contentPart>
           </mc:Choice>
-          <mc:Fallback>
+          <mc:Fallback xmlns="">
             <p:pic>
               <p:nvPicPr>
                 <p:cNvPr id="178" name="Encre 177">
@@ -12712,8 +13394,8 @@
             <a:chExt cx="906120" cy="1025640"/>
           </a:xfrm>
         </p:grpSpPr>
-        <mc:AlternateContent xmlns:mc="http://schemas.openxmlformats.org/markup-compatibility/2006">
-          <mc:Choice xmlns:p14="http://schemas.microsoft.com/office/powerpoint/2010/main" Requires="p14">
+        <mc:AlternateContent xmlns:mc="http://schemas.openxmlformats.org/markup-compatibility/2006" xmlns:p14="http://schemas.microsoft.com/office/powerpoint/2010/main">
+          <mc:Choice Requires="p14">
             <p:contentPart p14:bwMode="auto" r:id="rId103">
               <p14:nvContentPartPr>
                 <p14:cNvPr id="180" name="Encre 179">
@@ -12732,7 +13414,7 @@
               </p14:xfrm>
             </p:contentPart>
           </mc:Choice>
-          <mc:Fallback>
+          <mc:Fallback xmlns="">
             <p:pic>
               <p:nvPicPr>
                 <p:cNvPr id="180" name="Encre 179">
@@ -12763,8 +13445,8 @@
             </p:pic>
           </mc:Fallback>
         </mc:AlternateContent>
-        <mc:AlternateContent xmlns:mc="http://schemas.openxmlformats.org/markup-compatibility/2006">
-          <mc:Choice xmlns:p14="http://schemas.microsoft.com/office/powerpoint/2010/main" Requires="p14">
+        <mc:AlternateContent xmlns:mc="http://schemas.openxmlformats.org/markup-compatibility/2006" xmlns:p14="http://schemas.microsoft.com/office/powerpoint/2010/main">
+          <mc:Choice Requires="p14">
             <p:contentPart p14:bwMode="auto" r:id="rId105">
               <p14:nvContentPartPr>
                 <p14:cNvPr id="181" name="Encre 180">
@@ -12783,7 +13465,7 @@
               </p14:xfrm>
             </p:contentPart>
           </mc:Choice>
-          <mc:Fallback>
+          <mc:Fallback xmlns="">
             <p:pic>
               <p:nvPicPr>
                 <p:cNvPr id="181" name="Encre 180">
@@ -12815,8 +13497,8 @@
           </mc:Fallback>
         </mc:AlternateContent>
       </p:grpSp>
-      <mc:AlternateContent xmlns:mc="http://schemas.openxmlformats.org/markup-compatibility/2006">
-        <mc:Choice xmlns:p14="http://schemas.microsoft.com/office/powerpoint/2010/main" Requires="p14">
+      <mc:AlternateContent xmlns:mc="http://schemas.openxmlformats.org/markup-compatibility/2006" xmlns:p14="http://schemas.microsoft.com/office/powerpoint/2010/main">
+        <mc:Choice Requires="p14">
           <p:contentPart p14:bwMode="auto" r:id="rId107">
             <p14:nvContentPartPr>
               <p14:cNvPr id="183" name="Encre 182">
@@ -12835,7 +13517,7 @@
             </p14:xfrm>
           </p:contentPart>
         </mc:Choice>
-        <mc:Fallback>
+        <mc:Fallback xmlns="">
           <p:pic>
             <p:nvPicPr>
               <p:cNvPr id="183" name="Encre 182">
@@ -12866,8 +13548,8 @@
           </p:pic>
         </mc:Fallback>
       </mc:AlternateContent>
-      <mc:AlternateContent xmlns:mc="http://schemas.openxmlformats.org/markup-compatibility/2006">
-        <mc:Choice xmlns:p14="http://schemas.microsoft.com/office/powerpoint/2010/main" Requires="p14">
+      <mc:AlternateContent xmlns:mc="http://schemas.openxmlformats.org/markup-compatibility/2006" xmlns:p14="http://schemas.microsoft.com/office/powerpoint/2010/main">
+        <mc:Choice Requires="p14">
           <p:contentPart p14:bwMode="auto" r:id="rId109">
             <p14:nvContentPartPr>
               <p14:cNvPr id="191" name="Encre 190">
@@ -12886,7 +13568,7 @@
             </p14:xfrm>
           </p:contentPart>
         </mc:Choice>
-        <mc:Fallback>
+        <mc:Fallback xmlns="">
           <p:pic>
             <p:nvPicPr>
               <p:cNvPr id="191" name="Encre 190">
@@ -12917,8 +13599,8 @@
           </p:pic>
         </mc:Fallback>
       </mc:AlternateContent>
-      <mc:AlternateContent xmlns:mc="http://schemas.openxmlformats.org/markup-compatibility/2006">
-        <mc:Choice xmlns:p14="http://schemas.microsoft.com/office/powerpoint/2010/main" Requires="p14">
+      <mc:AlternateContent xmlns:mc="http://schemas.openxmlformats.org/markup-compatibility/2006" xmlns:p14="http://schemas.microsoft.com/office/powerpoint/2010/main">
+        <mc:Choice Requires="p14">
           <p:contentPart p14:bwMode="auto" r:id="rId111">
             <p14:nvContentPartPr>
               <p14:cNvPr id="194" name="Encre 193">
@@ -12937,7 +13619,7 @@
             </p14:xfrm>
           </p:contentPart>
         </mc:Choice>
-        <mc:Fallback>
+        <mc:Fallback xmlns="">
           <p:pic>
             <p:nvPicPr>
               <p:cNvPr id="194" name="Encre 193">
@@ -12988,8 +13670,8 @@
             <a:chExt cx="942120" cy="663480"/>
           </a:xfrm>
         </p:grpSpPr>
-        <mc:AlternateContent xmlns:mc="http://schemas.openxmlformats.org/markup-compatibility/2006">
-          <mc:Choice xmlns:p14="http://schemas.microsoft.com/office/powerpoint/2010/main" Requires="p14">
+        <mc:AlternateContent xmlns:mc="http://schemas.openxmlformats.org/markup-compatibility/2006" xmlns:p14="http://schemas.microsoft.com/office/powerpoint/2010/main">
+          <mc:Choice Requires="p14">
             <p:contentPart p14:bwMode="auto" r:id="rId112">
               <p14:nvContentPartPr>
                 <p14:cNvPr id="184" name="Encre 183">
@@ -13008,7 +13690,7 @@
               </p14:xfrm>
             </p:contentPart>
           </mc:Choice>
-          <mc:Fallback>
+          <mc:Fallback xmlns="">
             <p:pic>
               <p:nvPicPr>
                 <p:cNvPr id="184" name="Encre 183">
@@ -13039,8 +13721,8 @@
             </p:pic>
           </mc:Fallback>
         </mc:AlternateContent>
-        <mc:AlternateContent xmlns:mc="http://schemas.openxmlformats.org/markup-compatibility/2006">
-          <mc:Choice xmlns:p14="http://schemas.microsoft.com/office/powerpoint/2010/main" Requires="p14">
+        <mc:AlternateContent xmlns:mc="http://schemas.openxmlformats.org/markup-compatibility/2006" xmlns:p14="http://schemas.microsoft.com/office/powerpoint/2010/main">
+          <mc:Choice Requires="p14">
             <p:contentPart p14:bwMode="auto" r:id="rId114">
               <p14:nvContentPartPr>
                 <p14:cNvPr id="185" name="Encre 184">
@@ -13059,7 +13741,7 @@
               </p14:xfrm>
             </p:contentPart>
           </mc:Choice>
-          <mc:Fallback>
+          <mc:Fallback xmlns="">
             <p:pic>
               <p:nvPicPr>
                 <p:cNvPr id="185" name="Encre 184">
@@ -13090,8 +13772,8 @@
             </p:pic>
           </mc:Fallback>
         </mc:AlternateContent>
-        <mc:AlternateContent xmlns:mc="http://schemas.openxmlformats.org/markup-compatibility/2006">
-          <mc:Choice xmlns:p14="http://schemas.microsoft.com/office/powerpoint/2010/main" Requires="p14">
+        <mc:AlternateContent xmlns:mc="http://schemas.openxmlformats.org/markup-compatibility/2006" xmlns:p14="http://schemas.microsoft.com/office/powerpoint/2010/main">
+          <mc:Choice Requires="p14">
             <p:contentPart p14:bwMode="auto" r:id="rId116">
               <p14:nvContentPartPr>
                 <p14:cNvPr id="187" name="Encre 186">
@@ -13110,7 +13792,7 @@
               </p14:xfrm>
             </p:contentPart>
           </mc:Choice>
-          <mc:Fallback>
+          <mc:Fallback xmlns="">
             <p:pic>
               <p:nvPicPr>
                 <p:cNvPr id="187" name="Encre 186">
@@ -13141,8 +13823,8 @@
             </p:pic>
           </mc:Fallback>
         </mc:AlternateContent>
-        <mc:AlternateContent xmlns:mc="http://schemas.openxmlformats.org/markup-compatibility/2006">
-          <mc:Choice xmlns:p14="http://schemas.microsoft.com/office/powerpoint/2010/main" Requires="p14">
+        <mc:AlternateContent xmlns:mc="http://schemas.openxmlformats.org/markup-compatibility/2006" xmlns:p14="http://schemas.microsoft.com/office/powerpoint/2010/main">
+          <mc:Choice Requires="p14">
             <p:contentPart p14:bwMode="auto" r:id="rId118">
               <p14:nvContentPartPr>
                 <p14:cNvPr id="196" name="Encre 195">
@@ -13161,7 +13843,7 @@
               </p14:xfrm>
             </p:contentPart>
           </mc:Choice>
-          <mc:Fallback>
+          <mc:Fallback xmlns="">
             <p:pic>
               <p:nvPicPr>
                 <p:cNvPr id="196" name="Encre 195">
@@ -13192,8 +13874,8 @@
             </p:pic>
           </mc:Fallback>
         </mc:AlternateContent>
-        <mc:AlternateContent xmlns:mc="http://schemas.openxmlformats.org/markup-compatibility/2006">
-          <mc:Choice xmlns:p14="http://schemas.microsoft.com/office/powerpoint/2010/main" Requires="p14">
+        <mc:AlternateContent xmlns:mc="http://schemas.openxmlformats.org/markup-compatibility/2006" xmlns:p14="http://schemas.microsoft.com/office/powerpoint/2010/main">
+          <mc:Choice Requires="p14">
             <p:contentPart p14:bwMode="auto" r:id="rId120">
               <p14:nvContentPartPr>
                 <p14:cNvPr id="197" name="Encre 196">
@@ -13212,7 +13894,7 @@
               </p14:xfrm>
             </p:contentPart>
           </mc:Choice>
-          <mc:Fallback>
+          <mc:Fallback xmlns="">
             <p:pic>
               <p:nvPicPr>
                 <p:cNvPr id="197" name="Encre 196">
@@ -13243,8 +13925,8 @@
             </p:pic>
           </mc:Fallback>
         </mc:AlternateContent>
-        <mc:AlternateContent xmlns:mc="http://schemas.openxmlformats.org/markup-compatibility/2006">
-          <mc:Choice xmlns:p14="http://schemas.microsoft.com/office/powerpoint/2010/main" Requires="p14">
+        <mc:AlternateContent xmlns:mc="http://schemas.openxmlformats.org/markup-compatibility/2006" xmlns:p14="http://schemas.microsoft.com/office/powerpoint/2010/main">
+          <mc:Choice Requires="p14">
             <p:contentPart p14:bwMode="auto" r:id="rId122">
               <p14:nvContentPartPr>
                 <p14:cNvPr id="199" name="Encre 198">
@@ -13263,7 +13945,7 @@
               </p14:xfrm>
             </p:contentPart>
           </mc:Choice>
-          <mc:Fallback>
+          <mc:Fallback xmlns="">
             <p:pic>
               <p:nvPicPr>
                 <p:cNvPr id="199" name="Encre 198">
@@ -13294,8 +13976,8 @@
             </p:pic>
           </mc:Fallback>
         </mc:AlternateContent>
-        <mc:AlternateContent xmlns:mc="http://schemas.openxmlformats.org/markup-compatibility/2006">
-          <mc:Choice xmlns:p14="http://schemas.microsoft.com/office/powerpoint/2010/main" Requires="p14">
+        <mc:AlternateContent xmlns:mc="http://schemas.openxmlformats.org/markup-compatibility/2006" xmlns:p14="http://schemas.microsoft.com/office/powerpoint/2010/main">
+          <mc:Choice Requires="p14">
             <p:contentPart p14:bwMode="auto" r:id="rId124">
               <p14:nvContentPartPr>
                 <p14:cNvPr id="200" name="Encre 199">
@@ -13314,7 +13996,7 @@
               </p14:xfrm>
             </p:contentPart>
           </mc:Choice>
-          <mc:Fallback>
+          <mc:Fallback xmlns="">
             <p:pic>
               <p:nvPicPr>
                 <p:cNvPr id="200" name="Encre 199">
@@ -13345,8 +14027,8 @@
             </p:pic>
           </mc:Fallback>
         </mc:AlternateContent>
-        <mc:AlternateContent xmlns:mc="http://schemas.openxmlformats.org/markup-compatibility/2006">
-          <mc:Choice xmlns:p14="http://schemas.microsoft.com/office/powerpoint/2010/main" Requires="p14">
+        <mc:AlternateContent xmlns:mc="http://schemas.openxmlformats.org/markup-compatibility/2006" xmlns:p14="http://schemas.microsoft.com/office/powerpoint/2010/main">
+          <mc:Choice Requires="p14">
             <p:contentPart p14:bwMode="auto" r:id="rId126">
               <p14:nvContentPartPr>
                 <p14:cNvPr id="205" name="Encre 204">
@@ -13365,7 +14047,7 @@
               </p14:xfrm>
             </p:contentPart>
           </mc:Choice>
-          <mc:Fallback>
+          <mc:Fallback xmlns="">
             <p:pic>
               <p:nvPicPr>
                 <p:cNvPr id="205" name="Encre 204">
@@ -13397,8 +14079,8 @@
           </mc:Fallback>
         </mc:AlternateContent>
       </p:grpSp>
-      <mc:AlternateContent xmlns:mc="http://schemas.openxmlformats.org/markup-compatibility/2006">
-        <mc:Choice xmlns:p14="http://schemas.microsoft.com/office/powerpoint/2010/main" Requires="p14">
+      <mc:AlternateContent xmlns:mc="http://schemas.openxmlformats.org/markup-compatibility/2006" xmlns:p14="http://schemas.microsoft.com/office/powerpoint/2010/main">
+        <mc:Choice Requires="p14">
           <p:contentPart p14:bwMode="auto" r:id="rId128">
             <p14:nvContentPartPr>
               <p14:cNvPr id="207" name="Encre 206">
@@ -13417,7 +14099,7 @@
             </p14:xfrm>
           </p:contentPart>
         </mc:Choice>
-        <mc:Fallback>
+        <mc:Fallback xmlns="">
           <p:pic>
             <p:nvPicPr>
               <p:cNvPr id="207" name="Encre 206">
@@ -13448,8 +14130,8 @@
           </p:pic>
         </mc:Fallback>
       </mc:AlternateContent>
-      <mc:AlternateContent xmlns:mc="http://schemas.openxmlformats.org/markup-compatibility/2006">
-        <mc:Choice xmlns:p14="http://schemas.microsoft.com/office/powerpoint/2010/main" Requires="p14">
+      <mc:AlternateContent xmlns:mc="http://schemas.openxmlformats.org/markup-compatibility/2006" xmlns:p14="http://schemas.microsoft.com/office/powerpoint/2010/main">
+        <mc:Choice Requires="p14">
           <p:contentPart p14:bwMode="auto" r:id="rId130">
             <p14:nvContentPartPr>
               <p14:cNvPr id="208" name="Encre 207">
@@ -13468,7 +14150,7 @@
             </p14:xfrm>
           </p:contentPart>
         </mc:Choice>
-        <mc:Fallback>
+        <mc:Fallback xmlns="">
           <p:pic>
             <p:nvPicPr>
               <p:cNvPr id="208" name="Encre 207">
@@ -13499,8 +14181,8 @@
           </p:pic>
         </mc:Fallback>
       </mc:AlternateContent>
-      <mc:AlternateContent xmlns:mc="http://schemas.openxmlformats.org/markup-compatibility/2006">
-        <mc:Choice xmlns:p14="http://schemas.microsoft.com/office/powerpoint/2010/main" Requires="p14">
+      <mc:AlternateContent xmlns:mc="http://schemas.openxmlformats.org/markup-compatibility/2006" xmlns:p14="http://schemas.microsoft.com/office/powerpoint/2010/main">
+        <mc:Choice Requires="p14">
           <p:contentPart p14:bwMode="auto" r:id="rId132">
             <p14:nvContentPartPr>
               <p14:cNvPr id="214" name="Encre 213">
@@ -13519,7 +14201,7 @@
             </p14:xfrm>
           </p:contentPart>
         </mc:Choice>
-        <mc:Fallback>
+        <mc:Fallback xmlns="">
           <p:pic>
             <p:nvPicPr>
               <p:cNvPr id="214" name="Encre 213">
@@ -13570,8 +14252,8 @@
             <a:chExt cx="208800" cy="294840"/>
           </a:xfrm>
         </p:grpSpPr>
-        <mc:AlternateContent xmlns:mc="http://schemas.openxmlformats.org/markup-compatibility/2006">
-          <mc:Choice xmlns:p14="http://schemas.microsoft.com/office/powerpoint/2010/main" Requires="p14">
+        <mc:AlternateContent xmlns:mc="http://schemas.openxmlformats.org/markup-compatibility/2006" xmlns:p14="http://schemas.microsoft.com/office/powerpoint/2010/main">
+          <mc:Choice Requires="p14">
             <p:contentPart p14:bwMode="auto" r:id="rId134">
               <p14:nvContentPartPr>
                 <p14:cNvPr id="215" name="Encre 214">
@@ -13590,7 +14272,7 @@
               </p14:xfrm>
             </p:contentPart>
           </mc:Choice>
-          <mc:Fallback>
+          <mc:Fallback xmlns="">
             <p:pic>
               <p:nvPicPr>
                 <p:cNvPr id="215" name="Encre 214">
@@ -13621,8 +14303,8 @@
             </p:pic>
           </mc:Fallback>
         </mc:AlternateContent>
-        <mc:AlternateContent xmlns:mc="http://schemas.openxmlformats.org/markup-compatibility/2006">
-          <mc:Choice xmlns:p14="http://schemas.microsoft.com/office/powerpoint/2010/main" Requires="p14">
+        <mc:AlternateContent xmlns:mc="http://schemas.openxmlformats.org/markup-compatibility/2006" xmlns:p14="http://schemas.microsoft.com/office/powerpoint/2010/main">
+          <mc:Choice Requires="p14">
             <p:contentPart p14:bwMode="auto" r:id="rId136">
               <p14:nvContentPartPr>
                 <p14:cNvPr id="216" name="Encre 215">
@@ -13641,7 +14323,7 @@
               </p14:xfrm>
             </p:contentPart>
           </mc:Choice>
-          <mc:Fallback>
+          <mc:Fallback xmlns="">
             <p:pic>
               <p:nvPicPr>
                 <p:cNvPr id="216" name="Encre 215">
@@ -13672,8 +14354,8 @@
             </p:pic>
           </mc:Fallback>
         </mc:AlternateContent>
-        <mc:AlternateContent xmlns:mc="http://schemas.openxmlformats.org/markup-compatibility/2006">
-          <mc:Choice xmlns:p14="http://schemas.microsoft.com/office/powerpoint/2010/main" Requires="p14">
+        <mc:AlternateContent xmlns:mc="http://schemas.openxmlformats.org/markup-compatibility/2006" xmlns:p14="http://schemas.microsoft.com/office/powerpoint/2010/main">
+          <mc:Choice Requires="p14">
             <p:contentPart p14:bwMode="auto" r:id="rId138">
               <p14:nvContentPartPr>
                 <p14:cNvPr id="217" name="Encre 216">
@@ -13692,7 +14374,7 @@
               </p14:xfrm>
             </p:contentPart>
           </mc:Choice>
-          <mc:Fallback>
+          <mc:Fallback xmlns="">
             <p:pic>
               <p:nvPicPr>
                 <p:cNvPr id="217" name="Encre 216">
@@ -13723,8 +14405,8 @@
             </p:pic>
           </mc:Fallback>
         </mc:AlternateContent>
-        <mc:AlternateContent xmlns:mc="http://schemas.openxmlformats.org/markup-compatibility/2006">
-          <mc:Choice xmlns:p14="http://schemas.microsoft.com/office/powerpoint/2010/main" Requires="p14">
+        <mc:AlternateContent xmlns:mc="http://schemas.openxmlformats.org/markup-compatibility/2006" xmlns:p14="http://schemas.microsoft.com/office/powerpoint/2010/main">
+          <mc:Choice Requires="p14">
             <p:contentPart p14:bwMode="auto" r:id="rId140">
               <p14:nvContentPartPr>
                 <p14:cNvPr id="218" name="Encre 217">
@@ -13743,7 +14425,7 @@
               </p14:xfrm>
             </p:contentPart>
           </mc:Choice>
-          <mc:Fallback>
+          <mc:Fallback xmlns="">
             <p:pic>
               <p:nvPicPr>
                 <p:cNvPr id="218" name="Encre 217">
@@ -13775,8 +14457,8 @@
           </mc:Fallback>
         </mc:AlternateContent>
       </p:grpSp>
-      <mc:AlternateContent xmlns:mc="http://schemas.openxmlformats.org/markup-compatibility/2006">
-        <mc:Choice xmlns:p14="http://schemas.microsoft.com/office/powerpoint/2010/main" Requires="p14">
+      <mc:AlternateContent xmlns:mc="http://schemas.openxmlformats.org/markup-compatibility/2006" xmlns:p14="http://schemas.microsoft.com/office/powerpoint/2010/main">
+        <mc:Choice Requires="p14">
           <p:contentPart p14:bwMode="auto" r:id="rId141">
             <p14:nvContentPartPr>
               <p14:cNvPr id="220" name="Encre 219">
@@ -13795,7 +14477,7 @@
             </p14:xfrm>
           </p:contentPart>
         </mc:Choice>
-        <mc:Fallback>
+        <mc:Fallback xmlns="">
           <p:pic>
             <p:nvPicPr>
               <p:cNvPr id="220" name="Encre 219">
@@ -13826,8 +14508,8 @@
           </p:pic>
         </mc:Fallback>
       </mc:AlternateContent>
-      <mc:AlternateContent xmlns:mc="http://schemas.openxmlformats.org/markup-compatibility/2006">
-        <mc:Choice xmlns:p14="http://schemas.microsoft.com/office/powerpoint/2010/main" Requires="p14">
+      <mc:AlternateContent xmlns:mc="http://schemas.openxmlformats.org/markup-compatibility/2006" xmlns:p14="http://schemas.microsoft.com/office/powerpoint/2010/main">
+        <mc:Choice Requires="p14">
           <p:contentPart p14:bwMode="auto" r:id="rId143">
             <p14:nvContentPartPr>
               <p14:cNvPr id="222" name="Encre 221">
@@ -13846,7 +14528,7 @@
             </p14:xfrm>
           </p:contentPart>
         </mc:Choice>
-        <mc:Fallback>
+        <mc:Fallback xmlns="">
           <p:pic>
             <p:nvPicPr>
               <p:cNvPr id="222" name="Encre 221">
@@ -13877,8 +14559,8 @@
           </p:pic>
         </mc:Fallback>
       </mc:AlternateContent>
-      <mc:AlternateContent xmlns:mc="http://schemas.openxmlformats.org/markup-compatibility/2006">
-        <mc:Choice xmlns:p14="http://schemas.microsoft.com/office/powerpoint/2010/main" Requires="p14">
+      <mc:AlternateContent xmlns:mc="http://schemas.openxmlformats.org/markup-compatibility/2006" xmlns:p14="http://schemas.microsoft.com/office/powerpoint/2010/main">
+        <mc:Choice Requires="p14">
           <p:contentPart p14:bwMode="auto" r:id="rId145">
             <p14:nvContentPartPr>
               <p14:cNvPr id="223" name="Encre 222">
@@ -13897,7 +14579,7 @@
             </p14:xfrm>
           </p:contentPart>
         </mc:Choice>
-        <mc:Fallback>
+        <mc:Fallback xmlns="">
           <p:pic>
             <p:nvPicPr>
               <p:cNvPr id="223" name="Encre 222">
@@ -13948,8 +14630,8 @@
             <a:chExt cx="432000" cy="298080"/>
           </a:xfrm>
         </p:grpSpPr>
-        <mc:AlternateContent xmlns:mc="http://schemas.openxmlformats.org/markup-compatibility/2006">
-          <mc:Choice xmlns:p14="http://schemas.microsoft.com/office/powerpoint/2010/main" Requires="p14">
+        <mc:AlternateContent xmlns:mc="http://schemas.openxmlformats.org/markup-compatibility/2006" xmlns:p14="http://schemas.microsoft.com/office/powerpoint/2010/main">
+          <mc:Choice Requires="p14">
             <p:contentPart p14:bwMode="auto" r:id="rId147">
               <p14:nvContentPartPr>
                 <p14:cNvPr id="209" name="Encre 208">
@@ -13968,7 +14650,7 @@
               </p14:xfrm>
             </p:contentPart>
           </mc:Choice>
-          <mc:Fallback>
+          <mc:Fallback xmlns="">
             <p:pic>
               <p:nvPicPr>
                 <p:cNvPr id="209" name="Encre 208">
@@ -13999,8 +14681,8 @@
             </p:pic>
           </mc:Fallback>
         </mc:AlternateContent>
-        <mc:AlternateContent xmlns:mc="http://schemas.openxmlformats.org/markup-compatibility/2006">
-          <mc:Choice xmlns:p14="http://schemas.microsoft.com/office/powerpoint/2010/main" Requires="p14">
+        <mc:AlternateContent xmlns:mc="http://schemas.openxmlformats.org/markup-compatibility/2006" xmlns:p14="http://schemas.microsoft.com/office/powerpoint/2010/main">
+          <mc:Choice Requires="p14">
             <p:contentPart p14:bwMode="auto" r:id="rId149">
               <p14:nvContentPartPr>
                 <p14:cNvPr id="210" name="Encre 209">
@@ -14019,7 +14701,7 @@
               </p14:xfrm>
             </p:contentPart>
           </mc:Choice>
-          <mc:Fallback>
+          <mc:Fallback xmlns="">
             <p:pic>
               <p:nvPicPr>
                 <p:cNvPr id="210" name="Encre 209">
@@ -14050,8 +14732,8 @@
             </p:pic>
           </mc:Fallback>
         </mc:AlternateContent>
-        <mc:AlternateContent xmlns:mc="http://schemas.openxmlformats.org/markup-compatibility/2006">
-          <mc:Choice xmlns:p14="http://schemas.microsoft.com/office/powerpoint/2010/main" Requires="p14">
+        <mc:AlternateContent xmlns:mc="http://schemas.openxmlformats.org/markup-compatibility/2006" xmlns:p14="http://schemas.microsoft.com/office/powerpoint/2010/main">
+          <mc:Choice Requires="p14">
             <p:contentPart p14:bwMode="auto" r:id="rId151">
               <p14:nvContentPartPr>
                 <p14:cNvPr id="211" name="Encre 210">
@@ -14070,7 +14752,7 @@
               </p14:xfrm>
             </p:contentPart>
           </mc:Choice>
-          <mc:Fallback>
+          <mc:Fallback xmlns="">
             <p:pic>
               <p:nvPicPr>
                 <p:cNvPr id="211" name="Encre 210">
@@ -14101,8 +14783,8 @@
             </p:pic>
           </mc:Fallback>
         </mc:AlternateContent>
-        <mc:AlternateContent xmlns:mc="http://schemas.openxmlformats.org/markup-compatibility/2006">
-          <mc:Choice xmlns:p14="http://schemas.microsoft.com/office/powerpoint/2010/main" Requires="p14">
+        <mc:AlternateContent xmlns:mc="http://schemas.openxmlformats.org/markup-compatibility/2006" xmlns:p14="http://schemas.microsoft.com/office/powerpoint/2010/main">
+          <mc:Choice Requires="p14">
             <p:contentPart p14:bwMode="auto" r:id="rId153">
               <p14:nvContentPartPr>
                 <p14:cNvPr id="212" name="Encre 211">
@@ -14121,7 +14803,7 @@
               </p14:xfrm>
             </p:contentPart>
           </mc:Choice>
-          <mc:Fallback>
+          <mc:Fallback xmlns="">
             <p:pic>
               <p:nvPicPr>
                 <p:cNvPr id="212" name="Encre 211">
@@ -14152,8 +14834,8 @@
             </p:pic>
           </mc:Fallback>
         </mc:AlternateContent>
-        <mc:AlternateContent xmlns:mc="http://schemas.openxmlformats.org/markup-compatibility/2006">
-          <mc:Choice xmlns:p14="http://schemas.microsoft.com/office/powerpoint/2010/main" Requires="p14">
+        <mc:AlternateContent xmlns:mc="http://schemas.openxmlformats.org/markup-compatibility/2006" xmlns:p14="http://schemas.microsoft.com/office/powerpoint/2010/main">
+          <mc:Choice Requires="p14">
             <p:contentPart p14:bwMode="auto" r:id="rId155">
               <p14:nvContentPartPr>
                 <p14:cNvPr id="224" name="Encre 223">
@@ -14172,7 +14854,7 @@
               </p14:xfrm>
             </p:contentPart>
           </mc:Choice>
-          <mc:Fallback>
+          <mc:Fallback xmlns="">
             <p:pic>
               <p:nvPicPr>
                 <p:cNvPr id="224" name="Encre 223">
@@ -14224,8 +14906,8 @@
             <a:chExt cx="49320" cy="102960"/>
           </a:xfrm>
         </p:grpSpPr>
-        <mc:AlternateContent xmlns:mc="http://schemas.openxmlformats.org/markup-compatibility/2006">
-          <mc:Choice xmlns:p14="http://schemas.microsoft.com/office/powerpoint/2010/main" Requires="p14">
+        <mc:AlternateContent xmlns:mc="http://schemas.openxmlformats.org/markup-compatibility/2006" xmlns:p14="http://schemas.microsoft.com/office/powerpoint/2010/main">
+          <mc:Choice Requires="p14">
             <p:contentPart p14:bwMode="auto" r:id="rId157">
               <p14:nvContentPartPr>
                 <p14:cNvPr id="226" name="Encre 225">
@@ -14244,7 +14926,7 @@
               </p14:xfrm>
             </p:contentPart>
           </mc:Choice>
-          <mc:Fallback>
+          <mc:Fallback xmlns="">
             <p:pic>
               <p:nvPicPr>
                 <p:cNvPr id="226" name="Encre 225">
@@ -14275,8 +14957,8 @@
             </p:pic>
           </mc:Fallback>
         </mc:AlternateContent>
-        <mc:AlternateContent xmlns:mc="http://schemas.openxmlformats.org/markup-compatibility/2006">
-          <mc:Choice xmlns:p14="http://schemas.microsoft.com/office/powerpoint/2010/main" Requires="p14">
+        <mc:AlternateContent xmlns:mc="http://schemas.openxmlformats.org/markup-compatibility/2006" xmlns:p14="http://schemas.microsoft.com/office/powerpoint/2010/main">
+          <mc:Choice Requires="p14">
             <p:contentPart p14:bwMode="auto" r:id="rId159">
               <p14:nvContentPartPr>
                 <p14:cNvPr id="227" name="Encre 226">
@@ -14295,7 +14977,7 @@
               </p14:xfrm>
             </p:contentPart>
           </mc:Choice>
-          <mc:Fallback>
+          <mc:Fallback xmlns="">
             <p:pic>
               <p:nvPicPr>
                 <p:cNvPr id="227" name="Encre 226">
@@ -14326,8 +15008,8 @@
             </p:pic>
           </mc:Fallback>
         </mc:AlternateContent>
-        <mc:AlternateContent xmlns:mc="http://schemas.openxmlformats.org/markup-compatibility/2006">
-          <mc:Choice xmlns:p14="http://schemas.microsoft.com/office/powerpoint/2010/main" Requires="p14">
+        <mc:AlternateContent xmlns:mc="http://schemas.openxmlformats.org/markup-compatibility/2006" xmlns:p14="http://schemas.microsoft.com/office/powerpoint/2010/main">
+          <mc:Choice Requires="p14">
             <p:contentPart p14:bwMode="auto" r:id="rId161">
               <p14:nvContentPartPr>
                 <p14:cNvPr id="228" name="Encre 227">
@@ -14346,7 +15028,7 @@
               </p14:xfrm>
             </p:contentPart>
           </mc:Choice>
-          <mc:Fallback>
+          <mc:Fallback xmlns="">
             <p:pic>
               <p:nvPicPr>
                 <p:cNvPr id="228" name="Encre 227">
@@ -14378,8 +15060,8 @@
           </mc:Fallback>
         </mc:AlternateContent>
       </p:grpSp>
-      <mc:AlternateContent xmlns:mc="http://schemas.openxmlformats.org/markup-compatibility/2006">
-        <mc:Choice xmlns:p14="http://schemas.microsoft.com/office/powerpoint/2010/main" Requires="p14">
+      <mc:AlternateContent xmlns:mc="http://schemas.openxmlformats.org/markup-compatibility/2006" xmlns:p14="http://schemas.microsoft.com/office/powerpoint/2010/main">
+        <mc:Choice Requires="p14">
           <p:contentPart p14:bwMode="auto" r:id="rId163">
             <p14:nvContentPartPr>
               <p14:cNvPr id="230" name="Encre 229">
@@ -14398,7 +15080,7 @@
             </p14:xfrm>
           </p:contentPart>
         </mc:Choice>
-        <mc:Fallback>
+        <mc:Fallback xmlns="">
           <p:pic>
             <p:nvPicPr>
               <p:cNvPr id="230" name="Encre 229">
@@ -14429,8 +15111,8 @@
           </p:pic>
         </mc:Fallback>
       </mc:AlternateContent>
-      <mc:AlternateContent xmlns:mc="http://schemas.openxmlformats.org/markup-compatibility/2006">
-        <mc:Choice xmlns:p14="http://schemas.microsoft.com/office/powerpoint/2010/main" Requires="p14">
+      <mc:AlternateContent xmlns:mc="http://schemas.openxmlformats.org/markup-compatibility/2006" xmlns:p14="http://schemas.microsoft.com/office/powerpoint/2010/main">
+        <mc:Choice Requires="p14">
           <p:contentPart p14:bwMode="auto" r:id="rId165">
             <p14:nvContentPartPr>
               <p14:cNvPr id="231" name="Encre 230">
@@ -14449,7 +15131,7 @@
             </p14:xfrm>
           </p:contentPart>
         </mc:Choice>
-        <mc:Fallback>
+        <mc:Fallback xmlns="">
           <p:pic>
             <p:nvPicPr>
               <p:cNvPr id="231" name="Encre 230">
@@ -14500,8 +15182,8 @@
             <a:chExt cx="133560" cy="143280"/>
           </a:xfrm>
         </p:grpSpPr>
-        <mc:AlternateContent xmlns:mc="http://schemas.openxmlformats.org/markup-compatibility/2006">
-          <mc:Choice xmlns:p14="http://schemas.microsoft.com/office/powerpoint/2010/main" Requires="p14">
+        <mc:AlternateContent xmlns:mc="http://schemas.openxmlformats.org/markup-compatibility/2006" xmlns:p14="http://schemas.microsoft.com/office/powerpoint/2010/main">
+          <mc:Choice Requires="p14">
             <p:contentPart p14:bwMode="auto" r:id="rId167">
               <p14:nvContentPartPr>
                 <p14:cNvPr id="232" name="Encre 231">
@@ -14520,7 +15202,7 @@
               </p14:xfrm>
             </p:contentPart>
           </mc:Choice>
-          <mc:Fallback>
+          <mc:Fallback xmlns="">
             <p:pic>
               <p:nvPicPr>
                 <p:cNvPr id="232" name="Encre 231">
@@ -14551,8 +15233,8 @@
             </p:pic>
           </mc:Fallback>
         </mc:AlternateContent>
-        <mc:AlternateContent xmlns:mc="http://schemas.openxmlformats.org/markup-compatibility/2006">
-          <mc:Choice xmlns:p14="http://schemas.microsoft.com/office/powerpoint/2010/main" Requires="p14">
+        <mc:AlternateContent xmlns:mc="http://schemas.openxmlformats.org/markup-compatibility/2006" xmlns:p14="http://schemas.microsoft.com/office/powerpoint/2010/main">
+          <mc:Choice Requires="p14">
             <p:contentPart p14:bwMode="auto" r:id="rId169">
               <p14:nvContentPartPr>
                 <p14:cNvPr id="233" name="Encre 232">
@@ -14571,7 +15253,7 @@
               </p14:xfrm>
             </p:contentPart>
           </mc:Choice>
-          <mc:Fallback>
+          <mc:Fallback xmlns="">
             <p:pic>
               <p:nvPicPr>
                 <p:cNvPr id="233" name="Encre 232">
@@ -14602,8 +15284,8 @@
             </p:pic>
           </mc:Fallback>
         </mc:AlternateContent>
-        <mc:AlternateContent xmlns:mc="http://schemas.openxmlformats.org/markup-compatibility/2006">
-          <mc:Choice xmlns:p14="http://schemas.microsoft.com/office/powerpoint/2010/main" Requires="p14">
+        <mc:AlternateContent xmlns:mc="http://schemas.openxmlformats.org/markup-compatibility/2006" xmlns:p14="http://schemas.microsoft.com/office/powerpoint/2010/main">
+          <mc:Choice Requires="p14">
             <p:contentPart p14:bwMode="auto" r:id="rId171">
               <p14:nvContentPartPr>
                 <p14:cNvPr id="234" name="Encre 233">
@@ -14622,7 +15304,7 @@
               </p14:xfrm>
             </p:contentPart>
           </mc:Choice>
-          <mc:Fallback>
+          <mc:Fallback xmlns="">
             <p:pic>
               <p:nvPicPr>
                 <p:cNvPr id="234" name="Encre 233">
@@ -14674,8 +15356,8 @@
             <a:chExt cx="136800" cy="109800"/>
           </a:xfrm>
         </p:grpSpPr>
-        <mc:AlternateContent xmlns:mc="http://schemas.openxmlformats.org/markup-compatibility/2006">
-          <mc:Choice xmlns:p14="http://schemas.microsoft.com/office/powerpoint/2010/main" Requires="p14">
+        <mc:AlternateContent xmlns:mc="http://schemas.openxmlformats.org/markup-compatibility/2006" xmlns:p14="http://schemas.microsoft.com/office/powerpoint/2010/main">
+          <mc:Choice Requires="p14">
             <p:contentPart p14:bwMode="auto" r:id="rId173">
               <p14:nvContentPartPr>
                 <p14:cNvPr id="235" name="Encre 234">
@@ -14694,7 +15376,7 @@
               </p14:xfrm>
             </p:contentPart>
           </mc:Choice>
-          <mc:Fallback>
+          <mc:Fallback xmlns="">
             <p:pic>
               <p:nvPicPr>
                 <p:cNvPr id="235" name="Encre 234">
@@ -14725,8 +15407,8 @@
             </p:pic>
           </mc:Fallback>
         </mc:AlternateContent>
-        <mc:AlternateContent xmlns:mc="http://schemas.openxmlformats.org/markup-compatibility/2006">
-          <mc:Choice xmlns:p14="http://schemas.microsoft.com/office/powerpoint/2010/main" Requires="p14">
+        <mc:AlternateContent xmlns:mc="http://schemas.openxmlformats.org/markup-compatibility/2006" xmlns:p14="http://schemas.microsoft.com/office/powerpoint/2010/main">
+          <mc:Choice Requires="p14">
             <p:contentPart p14:bwMode="auto" r:id="rId175">
               <p14:nvContentPartPr>
                 <p14:cNvPr id="236" name="Encre 235">
@@ -14745,7 +15427,7 @@
               </p14:xfrm>
             </p:contentPart>
           </mc:Choice>
-          <mc:Fallback>
+          <mc:Fallback xmlns="">
             <p:pic>
               <p:nvPicPr>
                 <p:cNvPr id="236" name="Encre 235">
@@ -14776,8 +15458,8 @@
             </p:pic>
           </mc:Fallback>
         </mc:AlternateContent>
-        <mc:AlternateContent xmlns:mc="http://schemas.openxmlformats.org/markup-compatibility/2006">
-          <mc:Choice xmlns:p14="http://schemas.microsoft.com/office/powerpoint/2010/main" Requires="p14">
+        <mc:AlternateContent xmlns:mc="http://schemas.openxmlformats.org/markup-compatibility/2006" xmlns:p14="http://schemas.microsoft.com/office/powerpoint/2010/main">
+          <mc:Choice Requires="p14">
             <p:contentPart p14:bwMode="auto" r:id="rId177">
               <p14:nvContentPartPr>
                 <p14:cNvPr id="237" name="Encre 236">
@@ -14796,7 +15478,7 @@
               </p14:xfrm>
             </p:contentPart>
           </mc:Choice>
-          <mc:Fallback>
+          <mc:Fallback xmlns="">
             <p:pic>
               <p:nvPicPr>
                 <p:cNvPr id="237" name="Encre 236">
@@ -14828,8 +15510,8 @@
           </mc:Fallback>
         </mc:AlternateContent>
       </p:grpSp>
-      <mc:AlternateContent xmlns:mc="http://schemas.openxmlformats.org/markup-compatibility/2006">
-        <mc:Choice xmlns:p14="http://schemas.microsoft.com/office/powerpoint/2010/main" Requires="p14">
+      <mc:AlternateContent xmlns:mc="http://schemas.openxmlformats.org/markup-compatibility/2006" xmlns:p14="http://schemas.microsoft.com/office/powerpoint/2010/main">
+        <mc:Choice Requires="p14">
           <p:contentPart p14:bwMode="auto" r:id="rId179">
             <p14:nvContentPartPr>
               <p14:cNvPr id="240" name="Encre 239">
@@ -14848,7 +15530,7 @@
             </p14:xfrm>
           </p:contentPart>
         </mc:Choice>
-        <mc:Fallback>
+        <mc:Fallback xmlns="">
           <p:pic>
             <p:nvPicPr>
               <p:cNvPr id="240" name="Encre 239">
@@ -14879,8 +15561,8 @@
           </p:pic>
         </mc:Fallback>
       </mc:AlternateContent>
-      <mc:AlternateContent xmlns:mc="http://schemas.openxmlformats.org/markup-compatibility/2006">
-        <mc:Choice xmlns:p14="http://schemas.microsoft.com/office/powerpoint/2010/main" Requires="p14">
+      <mc:AlternateContent xmlns:mc="http://schemas.openxmlformats.org/markup-compatibility/2006" xmlns:p14="http://schemas.microsoft.com/office/powerpoint/2010/main">
+        <mc:Choice Requires="p14">
           <p:contentPart p14:bwMode="auto" r:id="rId181">
             <p14:nvContentPartPr>
               <p14:cNvPr id="77" name="Encre 76">
@@ -14899,7 +15581,7 @@
             </p14:xfrm>
           </p:contentPart>
         </mc:Choice>
-        <mc:Fallback>
+        <mc:Fallback xmlns="">
           <p:pic>
             <p:nvPicPr>
               <p:cNvPr id="77" name="Encre 76">
@@ -14930,8 +15612,8 @@
           </p:pic>
         </mc:Fallback>
       </mc:AlternateContent>
-      <mc:AlternateContent xmlns:mc="http://schemas.openxmlformats.org/markup-compatibility/2006">
-        <mc:Choice xmlns:p14="http://schemas.microsoft.com/office/powerpoint/2010/main" Requires="p14">
+      <mc:AlternateContent xmlns:mc="http://schemas.openxmlformats.org/markup-compatibility/2006" xmlns:p14="http://schemas.microsoft.com/office/powerpoint/2010/main">
+        <mc:Choice Requires="p14">
           <p:contentPart p14:bwMode="auto" r:id="rId183">
             <p14:nvContentPartPr>
               <p14:cNvPr id="80" name="Encre 79">
@@ -14950,7 +15632,7 @@
             </p14:xfrm>
           </p:contentPart>
         </mc:Choice>
-        <mc:Fallback>
+        <mc:Fallback xmlns="">
           <p:pic>
             <p:nvPicPr>
               <p:cNvPr id="80" name="Encre 79">
@@ -14981,8 +15663,8 @@
           </p:pic>
         </mc:Fallback>
       </mc:AlternateContent>
-      <mc:AlternateContent xmlns:mc="http://schemas.openxmlformats.org/markup-compatibility/2006">
-        <mc:Choice xmlns:p14="http://schemas.microsoft.com/office/powerpoint/2010/main" Requires="p14">
+      <mc:AlternateContent xmlns:mc="http://schemas.openxmlformats.org/markup-compatibility/2006" xmlns:p14="http://schemas.microsoft.com/office/powerpoint/2010/main">
+        <mc:Choice Requires="p14">
           <p:contentPart p14:bwMode="auto" r:id="rId185">
             <p14:nvContentPartPr>
               <p14:cNvPr id="127" name="Encre 126">
@@ -15001,7 +15683,7 @@
             </p14:xfrm>
           </p:contentPart>
         </mc:Choice>
-        <mc:Fallback>
+        <mc:Fallback xmlns="">
           <p:pic>
             <p:nvPicPr>
               <p:cNvPr id="127" name="Encre 126">
@@ -15032,8 +15714,8 @@
           </p:pic>
         </mc:Fallback>
       </mc:AlternateContent>
-      <mc:AlternateContent xmlns:mc="http://schemas.openxmlformats.org/markup-compatibility/2006">
-        <mc:Choice xmlns:p14="http://schemas.microsoft.com/office/powerpoint/2010/main" Requires="p14">
+      <mc:AlternateContent xmlns:mc="http://schemas.openxmlformats.org/markup-compatibility/2006" xmlns:p14="http://schemas.microsoft.com/office/powerpoint/2010/main">
+        <mc:Choice Requires="p14">
           <p:contentPart p14:bwMode="auto" r:id="rId187">
             <p14:nvContentPartPr>
               <p14:cNvPr id="128" name="Encre 127">
@@ -15052,7 +15734,7 @@
             </p14:xfrm>
           </p:contentPart>
         </mc:Choice>
-        <mc:Fallback>
+        <mc:Fallback xmlns="">
           <p:pic>
             <p:nvPicPr>
               <p:cNvPr id="128" name="Encre 127">
@@ -15083,8 +15765,8 @@
           </p:pic>
         </mc:Fallback>
       </mc:AlternateContent>
-      <mc:AlternateContent xmlns:mc="http://schemas.openxmlformats.org/markup-compatibility/2006">
-        <mc:Choice xmlns:p14="http://schemas.microsoft.com/office/powerpoint/2010/main" Requires="p14">
+      <mc:AlternateContent xmlns:mc="http://schemas.openxmlformats.org/markup-compatibility/2006" xmlns:p14="http://schemas.microsoft.com/office/powerpoint/2010/main">
+        <mc:Choice Requires="p14">
           <p:contentPart p14:bwMode="auto" r:id="rId189">
             <p14:nvContentPartPr>
               <p14:cNvPr id="129" name="Encre 128">
@@ -15103,7 +15785,7 @@
             </p14:xfrm>
           </p:contentPart>
         </mc:Choice>
-        <mc:Fallback>
+        <mc:Fallback xmlns="">
           <p:pic>
             <p:nvPicPr>
               <p:cNvPr id="129" name="Encre 128">
@@ -15134,8 +15816,8 @@
           </p:pic>
         </mc:Fallback>
       </mc:AlternateContent>
-      <mc:AlternateContent xmlns:mc="http://schemas.openxmlformats.org/markup-compatibility/2006">
-        <mc:Choice xmlns:p14="http://schemas.microsoft.com/office/powerpoint/2010/main" Requires="p14">
+      <mc:AlternateContent xmlns:mc="http://schemas.openxmlformats.org/markup-compatibility/2006" xmlns:p14="http://schemas.microsoft.com/office/powerpoint/2010/main">
+        <mc:Choice Requires="p14">
           <p:contentPart p14:bwMode="auto" r:id="rId191">
             <p14:nvContentPartPr>
               <p14:cNvPr id="241" name="Encre 240">
@@ -15154,7 +15836,7 @@
             </p14:xfrm>
           </p:contentPart>
         </mc:Choice>
-        <mc:Fallback>
+        <mc:Fallback xmlns="">
           <p:pic>
             <p:nvPicPr>
               <p:cNvPr id="241" name="Encre 240">
@@ -15205,8 +15887,8 @@
             <a:chExt cx="948960" cy="989280"/>
           </a:xfrm>
         </p:grpSpPr>
-        <mc:AlternateContent xmlns:mc="http://schemas.openxmlformats.org/markup-compatibility/2006">
-          <mc:Choice xmlns:p14="http://schemas.microsoft.com/office/powerpoint/2010/main" Requires="p14">
+        <mc:AlternateContent xmlns:mc="http://schemas.openxmlformats.org/markup-compatibility/2006" xmlns:p14="http://schemas.microsoft.com/office/powerpoint/2010/main">
+          <mc:Choice Requires="p14">
             <p:contentPart p14:bwMode="auto" r:id="rId193">
               <p14:nvContentPartPr>
                 <p14:cNvPr id="111" name="Encre 110">
@@ -15225,7 +15907,7 @@
               </p14:xfrm>
             </p:contentPart>
           </mc:Choice>
-          <mc:Fallback>
+          <mc:Fallback xmlns="">
             <p:pic>
               <p:nvPicPr>
                 <p:cNvPr id="111" name="Encre 110">
@@ -15256,8 +15938,8 @@
             </p:pic>
           </mc:Fallback>
         </mc:AlternateContent>
-        <mc:AlternateContent xmlns:mc="http://schemas.openxmlformats.org/markup-compatibility/2006">
-          <mc:Choice xmlns:p14="http://schemas.microsoft.com/office/powerpoint/2010/main" Requires="p14">
+        <mc:AlternateContent xmlns:mc="http://schemas.openxmlformats.org/markup-compatibility/2006" xmlns:p14="http://schemas.microsoft.com/office/powerpoint/2010/main">
+          <mc:Choice Requires="p14">
             <p:contentPart p14:bwMode="auto" r:id="rId195">
               <p14:nvContentPartPr>
                 <p14:cNvPr id="112" name="Encre 111">
@@ -15276,7 +15958,7 @@
               </p14:xfrm>
             </p:contentPart>
           </mc:Choice>
-          <mc:Fallback>
+          <mc:Fallback xmlns="">
             <p:pic>
               <p:nvPicPr>
                 <p:cNvPr id="112" name="Encre 111">
@@ -15307,8 +15989,8 @@
             </p:pic>
           </mc:Fallback>
         </mc:AlternateContent>
-        <mc:AlternateContent xmlns:mc="http://schemas.openxmlformats.org/markup-compatibility/2006">
-          <mc:Choice xmlns:p14="http://schemas.microsoft.com/office/powerpoint/2010/main" Requires="p14">
+        <mc:AlternateContent xmlns:mc="http://schemas.openxmlformats.org/markup-compatibility/2006" xmlns:p14="http://schemas.microsoft.com/office/powerpoint/2010/main">
+          <mc:Choice Requires="p14">
             <p:contentPart p14:bwMode="auto" r:id="rId197">
               <p14:nvContentPartPr>
                 <p14:cNvPr id="113" name="Encre 112">
@@ -15327,7 +16009,7 @@
               </p14:xfrm>
             </p:contentPart>
           </mc:Choice>
-          <mc:Fallback>
+          <mc:Fallback xmlns="">
             <p:pic>
               <p:nvPicPr>
                 <p:cNvPr id="113" name="Encre 112">
@@ -15358,8 +16040,8 @@
             </p:pic>
           </mc:Fallback>
         </mc:AlternateContent>
-        <mc:AlternateContent xmlns:mc="http://schemas.openxmlformats.org/markup-compatibility/2006">
-          <mc:Choice xmlns:p14="http://schemas.microsoft.com/office/powerpoint/2010/main" Requires="p14">
+        <mc:AlternateContent xmlns:mc="http://schemas.openxmlformats.org/markup-compatibility/2006" xmlns:p14="http://schemas.microsoft.com/office/powerpoint/2010/main">
+          <mc:Choice Requires="p14">
             <p:contentPart p14:bwMode="auto" r:id="rId199">
               <p14:nvContentPartPr>
                 <p14:cNvPr id="115" name="Encre 114">
@@ -15378,7 +16060,7 @@
               </p14:xfrm>
             </p:contentPart>
           </mc:Choice>
-          <mc:Fallback>
+          <mc:Fallback xmlns="">
             <p:pic>
               <p:nvPicPr>
                 <p:cNvPr id="115" name="Encre 114">
@@ -15409,8 +16091,8 @@
             </p:pic>
           </mc:Fallback>
         </mc:AlternateContent>
-        <mc:AlternateContent xmlns:mc="http://schemas.openxmlformats.org/markup-compatibility/2006">
-          <mc:Choice xmlns:p14="http://schemas.microsoft.com/office/powerpoint/2010/main" Requires="p14">
+        <mc:AlternateContent xmlns:mc="http://schemas.openxmlformats.org/markup-compatibility/2006" xmlns:p14="http://schemas.microsoft.com/office/powerpoint/2010/main">
+          <mc:Choice Requires="p14">
             <p:contentPart p14:bwMode="auto" r:id="rId201">
               <p14:nvContentPartPr>
                 <p14:cNvPr id="116" name="Encre 115">
@@ -15429,7 +16111,7 @@
               </p14:xfrm>
             </p:contentPart>
           </mc:Choice>
-          <mc:Fallback>
+          <mc:Fallback xmlns="">
             <p:pic>
               <p:nvPicPr>
                 <p:cNvPr id="116" name="Encre 115">
@@ -15460,8 +16142,8 @@
             </p:pic>
           </mc:Fallback>
         </mc:AlternateContent>
-        <mc:AlternateContent xmlns:mc="http://schemas.openxmlformats.org/markup-compatibility/2006">
-          <mc:Choice xmlns:p14="http://schemas.microsoft.com/office/powerpoint/2010/main" Requires="p14">
+        <mc:AlternateContent xmlns:mc="http://schemas.openxmlformats.org/markup-compatibility/2006" xmlns:p14="http://schemas.microsoft.com/office/powerpoint/2010/main">
+          <mc:Choice Requires="p14">
             <p:contentPart p14:bwMode="auto" r:id="rId203">
               <p14:nvContentPartPr>
                 <p14:cNvPr id="117" name="Encre 116">
@@ -15480,7 +16162,7 @@
               </p14:xfrm>
             </p:contentPart>
           </mc:Choice>
-          <mc:Fallback>
+          <mc:Fallback xmlns="">
             <p:pic>
               <p:nvPicPr>
                 <p:cNvPr id="117" name="Encre 116">
@@ -15511,8 +16193,8 @@
             </p:pic>
           </mc:Fallback>
         </mc:AlternateContent>
-        <mc:AlternateContent xmlns:mc="http://schemas.openxmlformats.org/markup-compatibility/2006">
-          <mc:Choice xmlns:p14="http://schemas.microsoft.com/office/powerpoint/2010/main" Requires="p14">
+        <mc:AlternateContent xmlns:mc="http://schemas.openxmlformats.org/markup-compatibility/2006" xmlns:p14="http://schemas.microsoft.com/office/powerpoint/2010/main">
+          <mc:Choice Requires="p14">
             <p:contentPart p14:bwMode="auto" r:id="rId205">
               <p14:nvContentPartPr>
                 <p14:cNvPr id="243" name="Encre 242">
@@ -15531,7 +16213,7 @@
               </p14:xfrm>
             </p:contentPart>
           </mc:Choice>
-          <mc:Fallback>
+          <mc:Fallback xmlns="">
             <p:pic>
               <p:nvPicPr>
                 <p:cNvPr id="243" name="Encre 242">
@@ -15562,8 +16244,8 @@
             </p:pic>
           </mc:Fallback>
         </mc:AlternateContent>
-        <mc:AlternateContent xmlns:mc="http://schemas.openxmlformats.org/markup-compatibility/2006">
-          <mc:Choice xmlns:p14="http://schemas.microsoft.com/office/powerpoint/2010/main" Requires="p14">
+        <mc:AlternateContent xmlns:mc="http://schemas.openxmlformats.org/markup-compatibility/2006" xmlns:p14="http://schemas.microsoft.com/office/powerpoint/2010/main">
+          <mc:Choice Requires="p14">
             <p:contentPart p14:bwMode="auto" r:id="rId207">
               <p14:nvContentPartPr>
                 <p14:cNvPr id="244" name="Encre 243">
@@ -15582,7 +16264,7 @@
               </p14:xfrm>
             </p:contentPart>
           </mc:Choice>
-          <mc:Fallback>
+          <mc:Fallback xmlns="">
             <p:pic>
               <p:nvPicPr>
                 <p:cNvPr id="244" name="Encre 243">
@@ -15613,8 +16295,8 @@
             </p:pic>
           </mc:Fallback>
         </mc:AlternateContent>
-        <mc:AlternateContent xmlns:mc="http://schemas.openxmlformats.org/markup-compatibility/2006">
-          <mc:Choice xmlns:p14="http://schemas.microsoft.com/office/powerpoint/2010/main" Requires="p14">
+        <mc:AlternateContent xmlns:mc="http://schemas.openxmlformats.org/markup-compatibility/2006" xmlns:p14="http://schemas.microsoft.com/office/powerpoint/2010/main">
+          <mc:Choice Requires="p14">
             <p:contentPart p14:bwMode="auto" r:id="rId209">
               <p14:nvContentPartPr>
                 <p14:cNvPr id="245" name="Encre 244">
@@ -15633,7 +16315,7 @@
               </p14:xfrm>
             </p:contentPart>
           </mc:Choice>
-          <mc:Fallback>
+          <mc:Fallback xmlns="">
             <p:pic>
               <p:nvPicPr>
                 <p:cNvPr id="245" name="Encre 244">
@@ -15664,8 +16346,8 @@
             </p:pic>
           </mc:Fallback>
         </mc:AlternateContent>
-        <mc:AlternateContent xmlns:mc="http://schemas.openxmlformats.org/markup-compatibility/2006">
-          <mc:Choice xmlns:p14="http://schemas.microsoft.com/office/powerpoint/2010/main" Requires="p14">
+        <mc:AlternateContent xmlns:mc="http://schemas.openxmlformats.org/markup-compatibility/2006" xmlns:p14="http://schemas.microsoft.com/office/powerpoint/2010/main">
+          <mc:Choice Requires="p14">
             <p:contentPart p14:bwMode="auto" r:id="rId211">
               <p14:nvContentPartPr>
                 <p14:cNvPr id="246" name="Encre 245">
@@ -15684,7 +16366,7 @@
               </p14:xfrm>
             </p:contentPart>
           </mc:Choice>
-          <mc:Fallback>
+          <mc:Fallback xmlns="">
             <p:pic>
               <p:nvPicPr>
                 <p:cNvPr id="246" name="Encre 245">
@@ -15715,8 +16397,8 @@
             </p:pic>
           </mc:Fallback>
         </mc:AlternateContent>
-        <mc:AlternateContent xmlns:mc="http://schemas.openxmlformats.org/markup-compatibility/2006">
-          <mc:Choice xmlns:p14="http://schemas.microsoft.com/office/powerpoint/2010/main" Requires="p14">
+        <mc:AlternateContent xmlns:mc="http://schemas.openxmlformats.org/markup-compatibility/2006" xmlns:p14="http://schemas.microsoft.com/office/powerpoint/2010/main">
+          <mc:Choice Requires="p14">
             <p:contentPart p14:bwMode="auto" r:id="rId213">
               <p14:nvContentPartPr>
                 <p14:cNvPr id="247" name="Encre 246">
@@ -15735,7 +16417,7 @@
               </p14:xfrm>
             </p:contentPart>
           </mc:Choice>
-          <mc:Fallback>
+          <mc:Fallback xmlns="">
             <p:pic>
               <p:nvPicPr>
                 <p:cNvPr id="247" name="Encre 246">
@@ -15766,8 +16448,8 @@
             </p:pic>
           </mc:Fallback>
         </mc:AlternateContent>
-        <mc:AlternateContent xmlns:mc="http://schemas.openxmlformats.org/markup-compatibility/2006">
-          <mc:Choice xmlns:p14="http://schemas.microsoft.com/office/powerpoint/2010/main" Requires="p14">
+        <mc:AlternateContent xmlns:mc="http://schemas.openxmlformats.org/markup-compatibility/2006" xmlns:p14="http://schemas.microsoft.com/office/powerpoint/2010/main">
+          <mc:Choice Requires="p14">
             <p:contentPart p14:bwMode="auto" r:id="rId215">
               <p14:nvContentPartPr>
                 <p14:cNvPr id="249" name="Encre 248">
@@ -15786,7 +16468,7 @@
               </p14:xfrm>
             </p:contentPart>
           </mc:Choice>
-          <mc:Fallback>
+          <mc:Fallback xmlns="">
             <p:pic>
               <p:nvPicPr>
                 <p:cNvPr id="249" name="Encre 248">
@@ -15817,8 +16499,8 @@
             </p:pic>
           </mc:Fallback>
         </mc:AlternateContent>
-        <mc:AlternateContent xmlns:mc="http://schemas.openxmlformats.org/markup-compatibility/2006">
-          <mc:Choice xmlns:p14="http://schemas.microsoft.com/office/powerpoint/2010/main" Requires="p14">
+        <mc:AlternateContent xmlns:mc="http://schemas.openxmlformats.org/markup-compatibility/2006" xmlns:p14="http://schemas.microsoft.com/office/powerpoint/2010/main">
+          <mc:Choice Requires="p14">
             <p:contentPart p14:bwMode="auto" r:id="rId217">
               <p14:nvContentPartPr>
                 <p14:cNvPr id="250" name="Encre 249">
@@ -15837,7 +16519,7 @@
               </p14:xfrm>
             </p:contentPart>
           </mc:Choice>
-          <mc:Fallback>
+          <mc:Fallback xmlns="">
             <p:pic>
               <p:nvPicPr>
                 <p:cNvPr id="250" name="Encre 249">
@@ -15981,6 +16663,2116 @@
     <p:extLst>
       <p:ext uri="{BB962C8B-B14F-4D97-AF65-F5344CB8AC3E}">
         <p14:creationId xmlns:p14="http://schemas.microsoft.com/office/powerpoint/2010/main" val="1935478286"/>
+      </p:ext>
+    </p:extLst>
+  </p:cSld>
+  <p:clrMapOvr>
+    <a:masterClrMapping/>
+  </p:clrMapOvr>
+</p:sld>
+</file>
+
+<file path=ppt/slides/slide4.xml><?xml version="1.0" encoding="utf-8"?>
+<p:sld xmlns:a="http://schemas.openxmlformats.org/drawingml/2006/main" xmlns:r="http://schemas.openxmlformats.org/officeDocument/2006/relationships" xmlns:p="http://schemas.openxmlformats.org/presentationml/2006/main">
+  <p:cSld>
+    <p:spTree>
+      <p:nvGrpSpPr>
+        <p:cNvPr id="1" name=""/>
+        <p:cNvGrpSpPr/>
+        <p:nvPr/>
+      </p:nvGrpSpPr>
+      <p:grpSpPr>
+        <a:xfrm>
+          <a:off x="0" y="0"/>
+          <a:ext cx="0" cy="0"/>
+          <a:chOff x="0" y="0"/>
+          <a:chExt cx="0" cy="0"/>
+        </a:xfrm>
+      </p:grpSpPr>
+      <p:pic>
+        <p:nvPicPr>
+          <p:cNvPr id="8" name="Image 7">
+            <a:extLst>
+              <a:ext uri="{FF2B5EF4-FFF2-40B4-BE49-F238E27FC236}">
+                <a16:creationId xmlns:a16="http://schemas.microsoft.com/office/drawing/2014/main" id="{23D50D49-CD22-431F-8670-B087A63405D9}"/>
+              </a:ext>
+            </a:extLst>
+          </p:cNvPr>
+          <p:cNvPicPr>
+            <a:picLocks noChangeAspect="1"/>
+          </p:cNvPicPr>
+          <p:nvPr/>
+        </p:nvPicPr>
+        <p:blipFill rotWithShape="1">
+          <a:blip r:embed="rId2">
+            <a:extLst>
+              <a:ext uri="{28A0092B-C50C-407E-A947-70E740481C1C}">
+                <a14:useLocalDpi xmlns:a14="http://schemas.microsoft.com/office/drawing/2010/main" val="0"/>
+              </a:ext>
+            </a:extLst>
+          </a:blip>
+          <a:srcRect l="30055" r="30941"/>
+          <a:stretch/>
+        </p:blipFill>
+        <p:spPr>
+          <a:xfrm>
+            <a:off x="724807" y="2115291"/>
+            <a:ext cx="1793588" cy="2299240"/>
+          </a:xfrm>
+          <a:prstGeom prst="rect">
+            <a:avLst/>
+          </a:prstGeom>
+        </p:spPr>
+      </p:pic>
+      <p:sp>
+        <p:nvSpPr>
+          <p:cNvPr id="10" name="ZoneTexte 9">
+            <a:extLst>
+              <a:ext uri="{FF2B5EF4-FFF2-40B4-BE49-F238E27FC236}">
+                <a16:creationId xmlns:a16="http://schemas.microsoft.com/office/drawing/2014/main" id="{14523DDB-238E-413C-ACFC-D2297C8F3DBC}"/>
+              </a:ext>
+            </a:extLst>
+          </p:cNvPr>
+          <p:cNvSpPr txBox="1"/>
+          <p:nvPr/>
+        </p:nvSpPr>
+        <p:spPr>
+          <a:xfrm>
+            <a:off x="1237528" y="4425206"/>
+            <a:ext cx="932756" cy="338554"/>
+          </a:xfrm>
+          <a:prstGeom prst="rect">
+            <a:avLst/>
+          </a:prstGeom>
+          <a:noFill/>
+        </p:spPr>
+        <p:txBody>
+          <a:bodyPr wrap="none" rtlCol="0">
+            <a:spAutoFit/>
+          </a:bodyPr>
+          <a:lstStyle/>
+          <a:p>
+            <a:r>
+              <a:rPr lang="fr-FR" sz="1600" dirty="0"/>
+              <a:t>Standard</a:t>
+            </a:r>
+          </a:p>
+        </p:txBody>
+      </p:sp>
+      <p:sp>
+        <p:nvSpPr>
+          <p:cNvPr id="64" name="ZoneTexte 63">
+            <a:extLst>
+              <a:ext uri="{FF2B5EF4-FFF2-40B4-BE49-F238E27FC236}">
+                <a16:creationId xmlns:a16="http://schemas.microsoft.com/office/drawing/2014/main" id="{886FBA06-FE75-457B-94F1-355730D690F2}"/>
+              </a:ext>
+            </a:extLst>
+          </p:cNvPr>
+          <p:cNvSpPr txBox="1"/>
+          <p:nvPr/>
+        </p:nvSpPr>
+        <p:spPr>
+          <a:xfrm>
+            <a:off x="2787331" y="211565"/>
+            <a:ext cx="2100640" cy="369332"/>
+          </a:xfrm>
+          <a:prstGeom prst="rect">
+            <a:avLst/>
+          </a:prstGeom>
+          <a:noFill/>
+        </p:spPr>
+        <p:txBody>
+          <a:bodyPr wrap="none" rtlCol="0">
+            <a:spAutoFit/>
+          </a:bodyPr>
+          <a:lstStyle/>
+          <a:p>
+            <a:r>
+              <a:rPr lang="fr-FR" u="sng" dirty="0"/>
+              <a:t>Etude de cas - Police</a:t>
+            </a:r>
+          </a:p>
+        </p:txBody>
+      </p:sp>
+      <mc:AlternateContent xmlns:mc="http://schemas.openxmlformats.org/markup-compatibility/2006">
+        <mc:Choice xmlns:p14="http://schemas.microsoft.com/office/powerpoint/2010/main" Requires="p14">
+          <p:contentPart p14:bwMode="auto" r:id="rId3">
+            <p14:nvContentPartPr>
+              <p14:cNvPr id="71" name="Encre 70">
+                <a:extLst>
+                  <a:ext uri="{FF2B5EF4-FFF2-40B4-BE49-F238E27FC236}">
+                    <a16:creationId xmlns:a16="http://schemas.microsoft.com/office/drawing/2014/main" id="{F107BC31-D9C7-4991-B1E7-F7EE93C048E5}"/>
+                  </a:ext>
+                </a:extLst>
+              </p14:cNvPr>
+              <p14:cNvContentPartPr/>
+              <p14:nvPr/>
+            </p14:nvContentPartPr>
+            <p14:xfrm>
+              <a:off x="874752" y="1947360"/>
+              <a:ext cx="1545480" cy="2509560"/>
+            </p14:xfrm>
+          </p:contentPart>
+        </mc:Choice>
+        <mc:Fallback>
+          <p:pic>
+            <p:nvPicPr>
+              <p:cNvPr id="71" name="Encre 70">
+                <a:extLst>
+                  <a:ext uri="{FF2B5EF4-FFF2-40B4-BE49-F238E27FC236}">
+                    <a16:creationId xmlns:a16="http://schemas.microsoft.com/office/drawing/2014/main" id="{F107BC31-D9C7-4991-B1E7-F7EE93C048E5}"/>
+                  </a:ext>
+                </a:extLst>
+              </p:cNvPr>
+              <p:cNvPicPr/>
+              <p:nvPr/>
+            </p:nvPicPr>
+            <p:blipFill>
+              <a:blip r:embed="rId4"/>
+              <a:stretch>
+                <a:fillRect/>
+              </a:stretch>
+            </p:blipFill>
+            <p:spPr>
+              <a:xfrm>
+                <a:off x="865752" y="1938360"/>
+                <a:ext cx="1563120" cy="2527200"/>
+              </a:xfrm>
+              <a:prstGeom prst="rect">
+                <a:avLst/>
+              </a:prstGeom>
+            </p:spPr>
+          </p:pic>
+        </mc:Fallback>
+      </mc:AlternateContent>
+      <p:sp>
+        <p:nvSpPr>
+          <p:cNvPr id="168" name="Ellipse 167">
+            <a:extLst>
+              <a:ext uri="{FF2B5EF4-FFF2-40B4-BE49-F238E27FC236}">
+                <a16:creationId xmlns:a16="http://schemas.microsoft.com/office/drawing/2014/main" id="{788A9C7F-0488-4FF3-B13D-6853B984213C}"/>
+              </a:ext>
+            </a:extLst>
+          </p:cNvPr>
+          <p:cNvSpPr/>
+          <p:nvPr/>
+        </p:nvSpPr>
+        <p:spPr>
+          <a:xfrm>
+            <a:off x="2817868" y="1553959"/>
+            <a:ext cx="1287702" cy="486486"/>
+          </a:xfrm>
+          <a:prstGeom prst="ellipse">
+            <a:avLst/>
+          </a:prstGeom>
+        </p:spPr>
+        <p:style>
+          <a:lnRef idx="2">
+            <a:schemeClr val="dk1"/>
+          </a:lnRef>
+          <a:fillRef idx="1">
+            <a:schemeClr val="lt1"/>
+          </a:fillRef>
+          <a:effectRef idx="0">
+            <a:schemeClr val="dk1"/>
+          </a:effectRef>
+          <a:fontRef idx="minor">
+            <a:schemeClr val="dk1"/>
+          </a:fontRef>
+        </p:style>
+        <p:txBody>
+          <a:bodyPr rtlCol="0" anchor="ctr"/>
+          <a:lstStyle/>
+          <a:p>
+            <a:pPr algn="ctr"/>
+            <a:r>
+              <a:rPr lang="fr-FR" sz="1100" dirty="0"/>
+              <a:t>Enregistrer appel sur ordi</a:t>
+            </a:r>
+          </a:p>
+        </p:txBody>
+      </p:sp>
+      <p:pic>
+        <p:nvPicPr>
+          <p:cNvPr id="186" name="Image 185">
+            <a:extLst>
+              <a:ext uri="{FF2B5EF4-FFF2-40B4-BE49-F238E27FC236}">
+                <a16:creationId xmlns:a16="http://schemas.microsoft.com/office/drawing/2014/main" id="{B420EC19-E350-4838-A9E1-B5FE6FD4B40B}"/>
+              </a:ext>
+            </a:extLst>
+          </p:cNvPr>
+          <p:cNvPicPr>
+            <a:picLocks noChangeAspect="1"/>
+          </p:cNvPicPr>
+          <p:nvPr/>
+        </p:nvPicPr>
+        <p:blipFill rotWithShape="1">
+          <a:blip r:embed="rId2">
+            <a:extLst>
+              <a:ext uri="{28A0092B-C50C-407E-A947-70E740481C1C}">
+                <a14:useLocalDpi xmlns:a14="http://schemas.microsoft.com/office/drawing/2010/main" val="0"/>
+              </a:ext>
+            </a:extLst>
+          </a:blip>
+          <a:srcRect l="30055" r="30941"/>
+          <a:stretch/>
+        </p:blipFill>
+        <p:spPr>
+          <a:xfrm>
+            <a:off x="2668340" y="4154421"/>
+            <a:ext cx="1793588" cy="2299240"/>
+          </a:xfrm>
+          <a:prstGeom prst="rect">
+            <a:avLst/>
+          </a:prstGeom>
+        </p:spPr>
+      </p:pic>
+      <p:sp>
+        <p:nvSpPr>
+          <p:cNvPr id="188" name="ZoneTexte 187">
+            <a:extLst>
+              <a:ext uri="{FF2B5EF4-FFF2-40B4-BE49-F238E27FC236}">
+                <a16:creationId xmlns:a16="http://schemas.microsoft.com/office/drawing/2014/main" id="{7D9458F3-31CC-4078-9433-2B5409E52F15}"/>
+              </a:ext>
+            </a:extLst>
+          </p:cNvPr>
+          <p:cNvSpPr txBox="1"/>
+          <p:nvPr/>
+        </p:nvSpPr>
+        <p:spPr>
+          <a:xfrm>
+            <a:off x="3181061" y="6464336"/>
+            <a:ext cx="796115" cy="338554"/>
+          </a:xfrm>
+          <a:prstGeom prst="rect">
+            <a:avLst/>
+          </a:prstGeom>
+          <a:noFill/>
+        </p:spPr>
+        <p:txBody>
+          <a:bodyPr wrap="none" rtlCol="0">
+            <a:spAutoFit/>
+          </a:bodyPr>
+          <a:lstStyle/>
+          <a:p>
+            <a:r>
+              <a:rPr lang="fr-FR" sz="1600" dirty="0"/>
+              <a:t>Policier</a:t>
+            </a:r>
+          </a:p>
+        </p:txBody>
+      </p:sp>
+      <mc:AlternateContent xmlns:mc="http://schemas.openxmlformats.org/markup-compatibility/2006">
+        <mc:Choice xmlns:p14="http://schemas.microsoft.com/office/powerpoint/2010/main" Requires="p14">
+          <p:contentPart p14:bwMode="auto" r:id="rId5">
+            <p14:nvContentPartPr>
+              <p14:cNvPr id="189" name="Encre 188">
+                <a:extLst>
+                  <a:ext uri="{FF2B5EF4-FFF2-40B4-BE49-F238E27FC236}">
+                    <a16:creationId xmlns:a16="http://schemas.microsoft.com/office/drawing/2014/main" id="{1AE60711-578B-4987-B5C0-B43493F1D3D3}"/>
+                  </a:ext>
+                </a:extLst>
+              </p14:cNvPr>
+              <p14:cNvContentPartPr/>
+              <p14:nvPr/>
+            </p14:nvContentPartPr>
+            <p14:xfrm>
+              <a:off x="2818285" y="3986490"/>
+              <a:ext cx="1545480" cy="2509560"/>
+            </p14:xfrm>
+          </p:contentPart>
+        </mc:Choice>
+        <mc:Fallback>
+          <p:pic>
+            <p:nvPicPr>
+              <p:cNvPr id="189" name="Encre 188">
+                <a:extLst>
+                  <a:ext uri="{FF2B5EF4-FFF2-40B4-BE49-F238E27FC236}">
+                    <a16:creationId xmlns:a16="http://schemas.microsoft.com/office/drawing/2014/main" id="{1AE60711-578B-4987-B5C0-B43493F1D3D3}"/>
+                  </a:ext>
+                </a:extLst>
+              </p:cNvPr>
+              <p:cNvPicPr/>
+              <p:nvPr/>
+            </p:nvPicPr>
+            <p:blipFill>
+              <a:blip r:embed="rId4"/>
+              <a:stretch>
+                <a:fillRect/>
+              </a:stretch>
+            </p:blipFill>
+            <p:spPr>
+              <a:xfrm>
+                <a:off x="2809285" y="3977490"/>
+                <a:ext cx="1563120" cy="2527200"/>
+              </a:xfrm>
+              <a:prstGeom prst="rect">
+                <a:avLst/>
+              </a:prstGeom>
+            </p:spPr>
+          </p:pic>
+        </mc:Fallback>
+      </mc:AlternateContent>
+      <p:pic>
+        <p:nvPicPr>
+          <p:cNvPr id="192" name="Image 191">
+            <a:extLst>
+              <a:ext uri="{FF2B5EF4-FFF2-40B4-BE49-F238E27FC236}">
+                <a16:creationId xmlns:a16="http://schemas.microsoft.com/office/drawing/2014/main" id="{6FD5DFF1-D59F-4DC4-AA89-F7A724DFF81C}"/>
+              </a:ext>
+            </a:extLst>
+          </p:cNvPr>
+          <p:cNvPicPr>
+            <a:picLocks noChangeAspect="1"/>
+          </p:cNvPicPr>
+          <p:nvPr/>
+        </p:nvPicPr>
+        <p:blipFill rotWithShape="1">
+          <a:blip r:embed="rId2">
+            <a:extLst>
+              <a:ext uri="{28A0092B-C50C-407E-A947-70E740481C1C}">
+                <a14:useLocalDpi xmlns:a14="http://schemas.microsoft.com/office/drawing/2010/main" val="0"/>
+              </a:ext>
+            </a:extLst>
+          </a:blip>
+          <a:srcRect l="30055" r="30941"/>
+          <a:stretch/>
+        </p:blipFill>
+        <p:spPr>
+          <a:xfrm>
+            <a:off x="9041677" y="800674"/>
+            <a:ext cx="1793588" cy="2299240"/>
+          </a:xfrm>
+          <a:prstGeom prst="rect">
+            <a:avLst/>
+          </a:prstGeom>
+        </p:spPr>
+      </p:pic>
+      <p:sp>
+        <p:nvSpPr>
+          <p:cNvPr id="193" name="ZoneTexte 192">
+            <a:extLst>
+              <a:ext uri="{FF2B5EF4-FFF2-40B4-BE49-F238E27FC236}">
+                <a16:creationId xmlns:a16="http://schemas.microsoft.com/office/drawing/2014/main" id="{CD3A6E3C-855F-4321-B67A-1562D47771C9}"/>
+              </a:ext>
+            </a:extLst>
+          </p:cNvPr>
+          <p:cNvSpPr txBox="1"/>
+          <p:nvPr/>
+        </p:nvSpPr>
+        <p:spPr>
+          <a:xfrm>
+            <a:off x="9554398" y="3110589"/>
+            <a:ext cx="1022075" cy="338554"/>
+          </a:xfrm>
+          <a:prstGeom prst="rect">
+            <a:avLst/>
+          </a:prstGeom>
+          <a:noFill/>
+        </p:spPr>
+        <p:txBody>
+          <a:bodyPr wrap="none" rtlCol="0">
+            <a:spAutoFit/>
+          </a:bodyPr>
+          <a:lstStyle/>
+          <a:p>
+            <a:r>
+              <a:rPr lang="fr-FR" sz="1600" dirty="0"/>
+              <a:t>Secrétaire</a:t>
+            </a:r>
+          </a:p>
+        </p:txBody>
+      </p:sp>
+      <mc:AlternateContent xmlns:mc="http://schemas.openxmlformats.org/markup-compatibility/2006">
+        <mc:Choice xmlns:p14="http://schemas.microsoft.com/office/powerpoint/2010/main" Requires="p14">
+          <p:contentPart p14:bwMode="auto" r:id="rId6">
+            <p14:nvContentPartPr>
+              <p14:cNvPr id="195" name="Encre 194">
+                <a:extLst>
+                  <a:ext uri="{FF2B5EF4-FFF2-40B4-BE49-F238E27FC236}">
+                    <a16:creationId xmlns:a16="http://schemas.microsoft.com/office/drawing/2014/main" id="{DAD65170-EFD1-48B7-9C9B-691B02F7FCF7}"/>
+                  </a:ext>
+                </a:extLst>
+              </p14:cNvPr>
+              <p14:cNvContentPartPr/>
+              <p14:nvPr/>
+            </p14:nvContentPartPr>
+            <p14:xfrm>
+              <a:off x="9191622" y="632743"/>
+              <a:ext cx="1545480" cy="2509560"/>
+            </p14:xfrm>
+          </p:contentPart>
+        </mc:Choice>
+        <mc:Fallback>
+          <p:pic>
+            <p:nvPicPr>
+              <p:cNvPr id="195" name="Encre 194">
+                <a:extLst>
+                  <a:ext uri="{FF2B5EF4-FFF2-40B4-BE49-F238E27FC236}">
+                    <a16:creationId xmlns:a16="http://schemas.microsoft.com/office/drawing/2014/main" id="{DAD65170-EFD1-48B7-9C9B-691B02F7FCF7}"/>
+                  </a:ext>
+                </a:extLst>
+              </p:cNvPr>
+              <p:cNvPicPr/>
+              <p:nvPr/>
+            </p:nvPicPr>
+            <p:blipFill>
+              <a:blip r:embed="rId4"/>
+              <a:stretch>
+                <a:fillRect/>
+              </a:stretch>
+            </p:blipFill>
+            <p:spPr>
+              <a:xfrm>
+                <a:off x="9182622" y="623743"/>
+                <a:ext cx="1563120" cy="2527200"/>
+              </a:xfrm>
+              <a:prstGeom prst="rect">
+                <a:avLst/>
+              </a:prstGeom>
+            </p:spPr>
+          </p:pic>
+        </mc:Fallback>
+      </mc:AlternateContent>
+      <p:sp>
+        <p:nvSpPr>
+          <p:cNvPr id="198" name="Ellipse 197">
+            <a:extLst>
+              <a:ext uri="{FF2B5EF4-FFF2-40B4-BE49-F238E27FC236}">
+                <a16:creationId xmlns:a16="http://schemas.microsoft.com/office/drawing/2014/main" id="{E3F80EFB-290C-4E97-B7D7-6E59D8DA4158}"/>
+              </a:ext>
+            </a:extLst>
+          </p:cNvPr>
+          <p:cNvSpPr/>
+          <p:nvPr/>
+        </p:nvSpPr>
+        <p:spPr>
+          <a:xfrm>
+            <a:off x="7035152" y="1094636"/>
+            <a:ext cx="1287702" cy="486486"/>
+          </a:xfrm>
+          <a:prstGeom prst="ellipse">
+            <a:avLst/>
+          </a:prstGeom>
+        </p:spPr>
+        <p:style>
+          <a:lnRef idx="2">
+            <a:schemeClr val="dk1"/>
+          </a:lnRef>
+          <a:fillRef idx="1">
+            <a:schemeClr val="lt1"/>
+          </a:fillRef>
+          <a:effectRef idx="0">
+            <a:schemeClr val="dk1"/>
+          </a:effectRef>
+          <a:fontRef idx="minor">
+            <a:schemeClr val="dk1"/>
+          </a:fontRef>
+        </p:style>
+        <p:txBody>
+          <a:bodyPr rtlCol="0" anchor="ctr"/>
+          <a:lstStyle/>
+          <a:p>
+            <a:pPr algn="ctr"/>
+            <a:r>
+              <a:rPr lang="fr-FR" sz="1100" dirty="0"/>
+              <a:t>Enregistrer mission</a:t>
+            </a:r>
+          </a:p>
+        </p:txBody>
+      </p:sp>
+      <p:sp>
+        <p:nvSpPr>
+          <p:cNvPr id="201" name="Ellipse 200">
+            <a:extLst>
+              <a:ext uri="{FF2B5EF4-FFF2-40B4-BE49-F238E27FC236}">
+                <a16:creationId xmlns:a16="http://schemas.microsoft.com/office/drawing/2014/main" id="{6AC3208C-860F-4814-A718-AB197AC82135}"/>
+              </a:ext>
+            </a:extLst>
+          </p:cNvPr>
+          <p:cNvSpPr/>
+          <p:nvPr/>
+        </p:nvSpPr>
+        <p:spPr>
+          <a:xfrm>
+            <a:off x="5749990" y="1628805"/>
+            <a:ext cx="1287702" cy="486486"/>
+          </a:xfrm>
+          <a:prstGeom prst="ellipse">
+            <a:avLst/>
+          </a:prstGeom>
+        </p:spPr>
+        <p:style>
+          <a:lnRef idx="2">
+            <a:schemeClr val="dk1"/>
+          </a:lnRef>
+          <a:fillRef idx="1">
+            <a:schemeClr val="lt1"/>
+          </a:fillRef>
+          <a:effectRef idx="0">
+            <a:schemeClr val="dk1"/>
+          </a:effectRef>
+          <a:fontRef idx="minor">
+            <a:schemeClr val="dk1"/>
+          </a:fontRef>
+        </p:style>
+        <p:txBody>
+          <a:bodyPr rtlCol="0" anchor="ctr"/>
+          <a:lstStyle/>
+          <a:p>
+            <a:pPr algn="ctr"/>
+            <a:r>
+              <a:rPr lang="fr-FR" sz="1100" dirty="0"/>
+              <a:t>Enregistrer heure de départ</a:t>
+            </a:r>
+          </a:p>
+        </p:txBody>
+      </p:sp>
+      <p:sp>
+        <p:nvSpPr>
+          <p:cNvPr id="202" name="Ellipse 201">
+            <a:extLst>
+              <a:ext uri="{FF2B5EF4-FFF2-40B4-BE49-F238E27FC236}">
+                <a16:creationId xmlns:a16="http://schemas.microsoft.com/office/drawing/2014/main" id="{3383A1E2-E9D9-4C06-BA4B-164F50917F4C}"/>
+              </a:ext>
+            </a:extLst>
+          </p:cNvPr>
+          <p:cNvSpPr/>
+          <p:nvPr/>
+        </p:nvSpPr>
+        <p:spPr>
+          <a:xfrm>
+            <a:off x="4399928" y="3938720"/>
+            <a:ext cx="1350062" cy="486486"/>
+          </a:xfrm>
+          <a:prstGeom prst="ellipse">
+            <a:avLst/>
+          </a:prstGeom>
+        </p:spPr>
+        <p:style>
+          <a:lnRef idx="2">
+            <a:schemeClr val="dk1"/>
+          </a:lnRef>
+          <a:fillRef idx="1">
+            <a:schemeClr val="lt1"/>
+          </a:fillRef>
+          <a:effectRef idx="0">
+            <a:schemeClr val="dk1"/>
+          </a:effectRef>
+          <a:fontRef idx="minor">
+            <a:schemeClr val="dk1"/>
+          </a:fontRef>
+        </p:style>
+        <p:txBody>
+          <a:bodyPr rtlCol="0" anchor="ctr"/>
+          <a:lstStyle/>
+          <a:p>
+            <a:pPr algn="ctr"/>
+            <a:r>
+              <a:rPr lang="fr-FR" sz="1100" dirty="0"/>
+              <a:t>Indiquer état de mission</a:t>
+            </a:r>
+          </a:p>
+        </p:txBody>
+      </p:sp>
+      <p:sp>
+        <p:nvSpPr>
+          <p:cNvPr id="203" name="ZoneTexte 202">
+            <a:extLst>
+              <a:ext uri="{FF2B5EF4-FFF2-40B4-BE49-F238E27FC236}">
+                <a16:creationId xmlns:a16="http://schemas.microsoft.com/office/drawing/2014/main" id="{0936C038-B645-4625-9203-3C4B610FE86E}"/>
+              </a:ext>
+            </a:extLst>
+          </p:cNvPr>
+          <p:cNvSpPr txBox="1"/>
+          <p:nvPr/>
+        </p:nvSpPr>
+        <p:spPr>
+          <a:xfrm>
+            <a:off x="9113316" y="6416566"/>
+            <a:ext cx="1252779" cy="338554"/>
+          </a:xfrm>
+          <a:prstGeom prst="rect">
+            <a:avLst/>
+          </a:prstGeom>
+          <a:noFill/>
+        </p:spPr>
+        <p:txBody>
+          <a:bodyPr wrap="none" rtlCol="0">
+            <a:spAutoFit/>
+          </a:bodyPr>
+          <a:lstStyle/>
+          <a:p>
+            <a:r>
+              <a:rPr lang="fr-FR" sz="1600" dirty="0"/>
+              <a:t>Commissaire</a:t>
+            </a:r>
+          </a:p>
+        </p:txBody>
+      </p:sp>
+      <mc:AlternateContent xmlns:mc="http://schemas.openxmlformats.org/markup-compatibility/2006">
+        <mc:Choice xmlns:p14="http://schemas.microsoft.com/office/powerpoint/2010/main" Requires="p14">
+          <p:contentPart p14:bwMode="auto" r:id="rId7">
+            <p14:nvContentPartPr>
+              <p14:cNvPr id="204" name="Encre 203">
+                <a:extLst>
+                  <a:ext uri="{FF2B5EF4-FFF2-40B4-BE49-F238E27FC236}">
+                    <a16:creationId xmlns:a16="http://schemas.microsoft.com/office/drawing/2014/main" id="{FE4B068D-602A-4447-88AA-883955B7C9A8}"/>
+                  </a:ext>
+                </a:extLst>
+              </p14:cNvPr>
+              <p14:cNvContentPartPr/>
+              <p14:nvPr/>
+            </p14:nvContentPartPr>
+            <p14:xfrm>
+              <a:off x="8750540" y="3938720"/>
+              <a:ext cx="1545480" cy="2509560"/>
+            </p14:xfrm>
+          </p:contentPart>
+        </mc:Choice>
+        <mc:Fallback>
+          <p:pic>
+            <p:nvPicPr>
+              <p:cNvPr id="204" name="Encre 203">
+                <a:extLst>
+                  <a:ext uri="{FF2B5EF4-FFF2-40B4-BE49-F238E27FC236}">
+                    <a16:creationId xmlns:a16="http://schemas.microsoft.com/office/drawing/2014/main" id="{FE4B068D-602A-4447-88AA-883955B7C9A8}"/>
+                  </a:ext>
+                </a:extLst>
+              </p:cNvPr>
+              <p:cNvPicPr/>
+              <p:nvPr/>
+            </p:nvPicPr>
+            <p:blipFill>
+              <a:blip r:embed="rId4"/>
+              <a:stretch>
+                <a:fillRect/>
+              </a:stretch>
+            </p:blipFill>
+            <p:spPr>
+              <a:xfrm>
+                <a:off x="8741540" y="3929720"/>
+                <a:ext cx="1563120" cy="2527200"/>
+              </a:xfrm>
+              <a:prstGeom prst="rect">
+                <a:avLst/>
+              </a:prstGeom>
+            </p:spPr>
+          </p:pic>
+        </mc:Fallback>
+      </mc:AlternateContent>
+      <p:pic>
+        <p:nvPicPr>
+          <p:cNvPr id="213" name="Image 212">
+            <a:extLst>
+              <a:ext uri="{FF2B5EF4-FFF2-40B4-BE49-F238E27FC236}">
+                <a16:creationId xmlns:a16="http://schemas.microsoft.com/office/drawing/2014/main" id="{9040AEC2-A4EC-43B9-860D-88FED0F82183}"/>
+              </a:ext>
+            </a:extLst>
+          </p:cNvPr>
+          <p:cNvPicPr>
+            <a:picLocks noChangeAspect="1"/>
+          </p:cNvPicPr>
+          <p:nvPr/>
+        </p:nvPicPr>
+        <p:blipFill rotWithShape="1">
+          <a:blip r:embed="rId2">
+            <a:extLst>
+              <a:ext uri="{28A0092B-C50C-407E-A947-70E740481C1C}">
+                <a14:useLocalDpi xmlns:a14="http://schemas.microsoft.com/office/drawing/2010/main" val="0"/>
+              </a:ext>
+            </a:extLst>
+          </a:blip>
+          <a:srcRect l="30055" r="30941"/>
+          <a:stretch/>
+        </p:blipFill>
+        <p:spPr>
+          <a:xfrm>
+            <a:off x="8572507" y="4046379"/>
+            <a:ext cx="1793588" cy="2299240"/>
+          </a:xfrm>
+          <a:prstGeom prst="rect">
+            <a:avLst/>
+          </a:prstGeom>
+        </p:spPr>
+      </p:pic>
+      <p:sp>
+        <p:nvSpPr>
+          <p:cNvPr id="221" name="Ellipse 220">
+            <a:extLst>
+              <a:ext uri="{FF2B5EF4-FFF2-40B4-BE49-F238E27FC236}">
+                <a16:creationId xmlns:a16="http://schemas.microsoft.com/office/drawing/2014/main" id="{ED86ABB2-5DFF-47DA-90BC-B7A9A337BBF7}"/>
+              </a:ext>
+            </a:extLst>
+          </p:cNvPr>
+          <p:cNvSpPr/>
+          <p:nvPr/>
+        </p:nvSpPr>
+        <p:spPr>
+          <a:xfrm>
+            <a:off x="6609414" y="3982347"/>
+            <a:ext cx="1350062" cy="486486"/>
+          </a:xfrm>
+          <a:prstGeom prst="ellipse">
+            <a:avLst/>
+          </a:prstGeom>
+        </p:spPr>
+        <p:style>
+          <a:lnRef idx="2">
+            <a:schemeClr val="dk1"/>
+          </a:lnRef>
+          <a:fillRef idx="1">
+            <a:schemeClr val="lt1"/>
+          </a:fillRef>
+          <a:effectRef idx="0">
+            <a:schemeClr val="dk1"/>
+          </a:effectRef>
+          <a:fontRef idx="minor">
+            <a:schemeClr val="dk1"/>
+          </a:fontRef>
+        </p:style>
+        <p:txBody>
+          <a:bodyPr rtlCol="0" anchor="ctr"/>
+          <a:lstStyle/>
+          <a:p>
+            <a:pPr algn="ctr"/>
+            <a:r>
+              <a:rPr lang="fr-FR" sz="1100" dirty="0"/>
+              <a:t>Répartir mission</a:t>
+            </a:r>
+          </a:p>
+        </p:txBody>
+      </p:sp>
+      <p:sp>
+        <p:nvSpPr>
+          <p:cNvPr id="242" name="Ellipse 241">
+            <a:extLst>
+              <a:ext uri="{FF2B5EF4-FFF2-40B4-BE49-F238E27FC236}">
+                <a16:creationId xmlns:a16="http://schemas.microsoft.com/office/drawing/2014/main" id="{8294F69D-9D1E-47E3-97EC-91B24063C8A7}"/>
+              </a:ext>
+            </a:extLst>
+          </p:cNvPr>
+          <p:cNvSpPr/>
+          <p:nvPr/>
+        </p:nvSpPr>
+        <p:spPr>
+          <a:xfrm>
+            <a:off x="3553916" y="3135140"/>
+            <a:ext cx="1350062" cy="486486"/>
+          </a:xfrm>
+          <a:prstGeom prst="ellipse">
+            <a:avLst/>
+          </a:prstGeom>
+        </p:spPr>
+        <p:style>
+          <a:lnRef idx="2">
+            <a:schemeClr val="dk1"/>
+          </a:lnRef>
+          <a:fillRef idx="1">
+            <a:schemeClr val="lt1"/>
+          </a:fillRef>
+          <a:effectRef idx="0">
+            <a:schemeClr val="dk1"/>
+          </a:effectRef>
+          <a:fontRef idx="minor">
+            <a:schemeClr val="dk1"/>
+          </a:fontRef>
+        </p:style>
+        <p:txBody>
+          <a:bodyPr rtlCol="0" anchor="ctr"/>
+          <a:lstStyle/>
+          <a:p>
+            <a:pPr algn="ctr"/>
+            <a:r>
+              <a:rPr lang="fr-FR" sz="1100" dirty="0"/>
+              <a:t>Enregistrer rapport</a:t>
+            </a:r>
+          </a:p>
+        </p:txBody>
+      </p:sp>
+      <p:sp>
+        <p:nvSpPr>
+          <p:cNvPr id="248" name="Ellipse 247">
+            <a:extLst>
+              <a:ext uri="{FF2B5EF4-FFF2-40B4-BE49-F238E27FC236}">
+                <a16:creationId xmlns:a16="http://schemas.microsoft.com/office/drawing/2014/main" id="{49783B30-0A4C-477E-9302-AABDE9A5F27B}"/>
+              </a:ext>
+            </a:extLst>
+          </p:cNvPr>
+          <p:cNvSpPr/>
+          <p:nvPr/>
+        </p:nvSpPr>
+        <p:spPr>
+          <a:xfrm>
+            <a:off x="6222824" y="2899060"/>
+            <a:ext cx="1350062" cy="486486"/>
+          </a:xfrm>
+          <a:prstGeom prst="ellipse">
+            <a:avLst/>
+          </a:prstGeom>
+        </p:spPr>
+        <p:style>
+          <a:lnRef idx="2">
+            <a:schemeClr val="dk1"/>
+          </a:lnRef>
+          <a:fillRef idx="1">
+            <a:schemeClr val="lt1"/>
+          </a:fillRef>
+          <a:effectRef idx="0">
+            <a:schemeClr val="dk1"/>
+          </a:effectRef>
+          <a:fontRef idx="minor">
+            <a:schemeClr val="dk1"/>
+          </a:fontRef>
+        </p:style>
+        <p:txBody>
+          <a:bodyPr rtlCol="0" anchor="ctr"/>
+          <a:lstStyle/>
+          <a:p>
+            <a:pPr algn="ctr"/>
+            <a:r>
+              <a:rPr lang="fr-FR" sz="1100" dirty="0"/>
+              <a:t>Affecter ressource</a:t>
+            </a:r>
+          </a:p>
+        </p:txBody>
+      </p:sp>
+      <mc:AlternateContent xmlns:mc="http://schemas.openxmlformats.org/markup-compatibility/2006">
+        <mc:Choice xmlns:p14="http://schemas.microsoft.com/office/powerpoint/2010/main" Requires="p14">
+          <p:contentPart p14:bwMode="auto" r:id="rId8">
+            <p14:nvContentPartPr>
+              <p14:cNvPr id="2" name="Encre 1">
+                <a:extLst>
+                  <a:ext uri="{FF2B5EF4-FFF2-40B4-BE49-F238E27FC236}">
+                    <a16:creationId xmlns:a16="http://schemas.microsoft.com/office/drawing/2014/main" id="{8E7B1CF2-58CD-46B2-845D-68FDB6D94802}"/>
+                  </a:ext>
+                </a:extLst>
+              </p14:cNvPr>
+              <p14:cNvContentPartPr/>
+              <p14:nvPr/>
+            </p14:nvContentPartPr>
+            <p14:xfrm>
+              <a:off x="1987960" y="1898478"/>
+              <a:ext cx="891720" cy="374760"/>
+            </p14:xfrm>
+          </p:contentPart>
+        </mc:Choice>
+        <mc:Fallback>
+          <p:pic>
+            <p:nvPicPr>
+              <p:cNvPr id="2" name="Encre 1">
+                <a:extLst>
+                  <a:ext uri="{FF2B5EF4-FFF2-40B4-BE49-F238E27FC236}">
+                    <a16:creationId xmlns:a16="http://schemas.microsoft.com/office/drawing/2014/main" id="{8E7B1CF2-58CD-46B2-845D-68FDB6D94802}"/>
+                  </a:ext>
+                </a:extLst>
+              </p:cNvPr>
+              <p:cNvPicPr/>
+              <p:nvPr/>
+            </p:nvPicPr>
+            <p:blipFill>
+              <a:blip r:embed="rId9"/>
+              <a:stretch>
+                <a:fillRect/>
+              </a:stretch>
+            </p:blipFill>
+            <p:spPr>
+              <a:xfrm>
+                <a:off x="1978960" y="1889838"/>
+                <a:ext cx="909360" cy="392400"/>
+              </a:xfrm>
+              <a:prstGeom prst="rect">
+                <a:avLst/>
+              </a:prstGeom>
+            </p:spPr>
+          </p:pic>
+        </mc:Fallback>
+      </mc:AlternateContent>
+      <mc:AlternateContent xmlns:mc="http://schemas.openxmlformats.org/markup-compatibility/2006">
+        <mc:Choice xmlns:p14="http://schemas.microsoft.com/office/powerpoint/2010/main" Requires="p14">
+          <p:contentPart p14:bwMode="auto" r:id="rId10">
+            <p14:nvContentPartPr>
+              <p14:cNvPr id="11" name="Encre 10">
+                <a:extLst>
+                  <a:ext uri="{FF2B5EF4-FFF2-40B4-BE49-F238E27FC236}">
+                    <a16:creationId xmlns:a16="http://schemas.microsoft.com/office/drawing/2014/main" id="{52BB0EB4-9B5C-4298-8D19-60037F6F4468}"/>
+                  </a:ext>
+                </a:extLst>
+              </p14:cNvPr>
+              <p14:cNvContentPartPr/>
+              <p14:nvPr/>
+            </p14:nvContentPartPr>
+            <p14:xfrm>
+              <a:off x="3632440" y="3574278"/>
+              <a:ext cx="176040" cy="519480"/>
+            </p14:xfrm>
+          </p:contentPart>
+        </mc:Choice>
+        <mc:Fallback>
+          <p:pic>
+            <p:nvPicPr>
+              <p:cNvPr id="11" name="Encre 10">
+                <a:extLst>
+                  <a:ext uri="{FF2B5EF4-FFF2-40B4-BE49-F238E27FC236}">
+                    <a16:creationId xmlns:a16="http://schemas.microsoft.com/office/drawing/2014/main" id="{52BB0EB4-9B5C-4298-8D19-60037F6F4468}"/>
+                  </a:ext>
+                </a:extLst>
+              </p:cNvPr>
+              <p:cNvPicPr/>
+              <p:nvPr/>
+            </p:nvPicPr>
+            <p:blipFill>
+              <a:blip r:embed="rId11"/>
+              <a:stretch>
+                <a:fillRect/>
+              </a:stretch>
+            </p:blipFill>
+            <p:spPr>
+              <a:xfrm>
+                <a:off x="3623440" y="3565278"/>
+                <a:ext cx="193680" cy="537120"/>
+              </a:xfrm>
+              <a:prstGeom prst="rect">
+                <a:avLst/>
+              </a:prstGeom>
+            </p:spPr>
+          </p:pic>
+        </mc:Fallback>
+      </mc:AlternateContent>
+      <mc:AlternateContent xmlns:mc="http://schemas.openxmlformats.org/markup-compatibility/2006">
+        <mc:Choice xmlns:p14="http://schemas.microsoft.com/office/powerpoint/2010/main" Requires="p14">
+          <p:contentPart p14:bwMode="auto" r:id="rId12">
+            <p14:nvContentPartPr>
+              <p14:cNvPr id="16" name="Encre 15">
+                <a:extLst>
+                  <a:ext uri="{FF2B5EF4-FFF2-40B4-BE49-F238E27FC236}">
+                    <a16:creationId xmlns:a16="http://schemas.microsoft.com/office/drawing/2014/main" id="{6A0EEDC2-40DB-4FB5-B732-E66630F5685E}"/>
+                  </a:ext>
+                </a:extLst>
+              </p14:cNvPr>
+              <p14:cNvContentPartPr/>
+              <p14:nvPr/>
+            </p14:nvContentPartPr>
+            <p14:xfrm>
+              <a:off x="4127440" y="4351158"/>
+              <a:ext cx="424800" cy="388440"/>
+            </p14:xfrm>
+          </p:contentPart>
+        </mc:Choice>
+        <mc:Fallback>
+          <p:pic>
+            <p:nvPicPr>
+              <p:cNvPr id="16" name="Encre 15">
+                <a:extLst>
+                  <a:ext uri="{FF2B5EF4-FFF2-40B4-BE49-F238E27FC236}">
+                    <a16:creationId xmlns:a16="http://schemas.microsoft.com/office/drawing/2014/main" id="{6A0EEDC2-40DB-4FB5-B732-E66630F5685E}"/>
+                  </a:ext>
+                </a:extLst>
+              </p:cNvPr>
+              <p:cNvPicPr/>
+              <p:nvPr/>
+            </p:nvPicPr>
+            <p:blipFill>
+              <a:blip r:embed="rId13"/>
+              <a:stretch>
+                <a:fillRect/>
+              </a:stretch>
+            </p:blipFill>
+            <p:spPr>
+              <a:xfrm>
+                <a:off x="4118440" y="4342518"/>
+                <a:ext cx="442440" cy="406080"/>
+              </a:xfrm>
+              <a:prstGeom prst="rect">
+                <a:avLst/>
+              </a:prstGeom>
+            </p:spPr>
+          </p:pic>
+        </mc:Fallback>
+      </mc:AlternateContent>
+      <mc:AlternateContent xmlns:mc="http://schemas.openxmlformats.org/markup-compatibility/2006">
+        <mc:Choice xmlns:p14="http://schemas.microsoft.com/office/powerpoint/2010/main" Requires="p14">
+          <p:contentPart p14:bwMode="auto" r:id="rId14">
+            <p14:nvContentPartPr>
+              <p14:cNvPr id="18" name="Encre 17">
+                <a:extLst>
+                  <a:ext uri="{FF2B5EF4-FFF2-40B4-BE49-F238E27FC236}">
+                    <a16:creationId xmlns:a16="http://schemas.microsoft.com/office/drawing/2014/main" id="{DE1510C1-689D-457B-B725-0FF2B39FBAC5}"/>
+                  </a:ext>
+                </a:extLst>
+              </p14:cNvPr>
+              <p14:cNvContentPartPr/>
+              <p14:nvPr/>
+            </p14:nvContentPartPr>
+            <p14:xfrm>
+              <a:off x="8322520" y="1282518"/>
+              <a:ext cx="880560" cy="168840"/>
+            </p14:xfrm>
+          </p:contentPart>
+        </mc:Choice>
+        <mc:Fallback>
+          <p:pic>
+            <p:nvPicPr>
+              <p:cNvPr id="18" name="Encre 17">
+                <a:extLst>
+                  <a:ext uri="{FF2B5EF4-FFF2-40B4-BE49-F238E27FC236}">
+                    <a16:creationId xmlns:a16="http://schemas.microsoft.com/office/drawing/2014/main" id="{DE1510C1-689D-457B-B725-0FF2B39FBAC5}"/>
+                  </a:ext>
+                </a:extLst>
+              </p:cNvPr>
+              <p:cNvPicPr/>
+              <p:nvPr/>
+            </p:nvPicPr>
+            <p:blipFill>
+              <a:blip r:embed="rId15"/>
+              <a:stretch>
+                <a:fillRect/>
+              </a:stretch>
+            </p:blipFill>
+            <p:spPr>
+              <a:xfrm>
+                <a:off x="8313880" y="1273878"/>
+                <a:ext cx="898200" cy="186480"/>
+              </a:xfrm>
+              <a:prstGeom prst="rect">
+                <a:avLst/>
+              </a:prstGeom>
+            </p:spPr>
+          </p:pic>
+        </mc:Fallback>
+      </mc:AlternateContent>
+      <p:grpSp>
+        <p:nvGrpSpPr>
+          <p:cNvPr id="27" name="Groupe 26">
+            <a:extLst>
+              <a:ext uri="{FF2B5EF4-FFF2-40B4-BE49-F238E27FC236}">
+                <a16:creationId xmlns:a16="http://schemas.microsoft.com/office/drawing/2014/main" id="{680B5103-0968-4F79-8EDD-567F5C3DDED2}"/>
+              </a:ext>
+            </a:extLst>
+          </p:cNvPr>
+          <p:cNvGrpSpPr/>
+          <p:nvPr/>
+        </p:nvGrpSpPr>
+        <p:grpSpPr>
+          <a:xfrm>
+            <a:off x="6959200" y="1517598"/>
+            <a:ext cx="321120" cy="254520"/>
+            <a:chOff x="6959200" y="1517598"/>
+            <a:chExt cx="321120" cy="254520"/>
+          </a:xfrm>
+        </p:grpSpPr>
+        <mc:AlternateContent xmlns:mc="http://schemas.openxmlformats.org/markup-compatibility/2006">
+          <mc:Choice xmlns:p14="http://schemas.microsoft.com/office/powerpoint/2010/main" Requires="p14">
+            <p:contentPart p14:bwMode="auto" r:id="rId16">
+              <p14:nvContentPartPr>
+                <p14:cNvPr id="20" name="Encre 19">
+                  <a:extLst>
+                    <a:ext uri="{FF2B5EF4-FFF2-40B4-BE49-F238E27FC236}">
+                      <a16:creationId xmlns:a16="http://schemas.microsoft.com/office/drawing/2014/main" id="{2E18DE03-9377-4F47-9EB5-C9C467677172}"/>
+                    </a:ext>
+                  </a:extLst>
+                </p14:cNvPr>
+                <p14:cNvContentPartPr/>
+                <p14:nvPr/>
+              </p14:nvContentPartPr>
+              <p14:xfrm>
+                <a:off x="6959200" y="1526238"/>
+                <a:ext cx="281160" cy="222840"/>
+              </p14:xfrm>
+            </p:contentPart>
+          </mc:Choice>
+          <mc:Fallback>
+            <p:pic>
+              <p:nvPicPr>
+                <p:cNvPr id="20" name="Encre 19">
+                  <a:extLst>
+                    <a:ext uri="{FF2B5EF4-FFF2-40B4-BE49-F238E27FC236}">
+                      <a16:creationId xmlns:a16="http://schemas.microsoft.com/office/drawing/2014/main" id="{2E18DE03-9377-4F47-9EB5-C9C467677172}"/>
+                    </a:ext>
+                  </a:extLst>
+                </p:cNvPr>
+                <p:cNvPicPr/>
+                <p:nvPr/>
+              </p:nvPicPr>
+              <p:blipFill>
+                <a:blip r:embed="rId17"/>
+                <a:stretch>
+                  <a:fillRect/>
+                </a:stretch>
+              </p:blipFill>
+              <p:spPr>
+                <a:xfrm>
+                  <a:off x="6950200" y="1517598"/>
+                  <a:ext cx="298800" cy="240480"/>
+                </a:xfrm>
+                <a:prstGeom prst="rect">
+                  <a:avLst/>
+                </a:prstGeom>
+              </p:spPr>
+            </p:pic>
+          </mc:Fallback>
+        </mc:AlternateContent>
+        <mc:AlternateContent xmlns:mc="http://schemas.openxmlformats.org/markup-compatibility/2006">
+          <mc:Choice xmlns:p14="http://schemas.microsoft.com/office/powerpoint/2010/main" Requires="p14">
+            <p:contentPart p14:bwMode="auto" r:id="rId18">
+              <p14:nvContentPartPr>
+                <p14:cNvPr id="22" name="Encre 21">
+                  <a:extLst>
+                    <a:ext uri="{FF2B5EF4-FFF2-40B4-BE49-F238E27FC236}">
+                      <a16:creationId xmlns:a16="http://schemas.microsoft.com/office/drawing/2014/main" id="{C84D09D9-6093-4C75-B1FF-38F0366F6207}"/>
+                    </a:ext>
+                  </a:extLst>
+                </p14:cNvPr>
+                <p14:cNvContentPartPr/>
+                <p14:nvPr/>
+              </p14:nvContentPartPr>
+              <p14:xfrm>
+                <a:off x="7147480" y="1643958"/>
+                <a:ext cx="360" cy="108360"/>
+              </p14:xfrm>
+            </p:contentPart>
+          </mc:Choice>
+          <mc:Fallback>
+            <p:pic>
+              <p:nvPicPr>
+                <p:cNvPr id="22" name="Encre 21">
+                  <a:extLst>
+                    <a:ext uri="{FF2B5EF4-FFF2-40B4-BE49-F238E27FC236}">
+                      <a16:creationId xmlns:a16="http://schemas.microsoft.com/office/drawing/2014/main" id="{C84D09D9-6093-4C75-B1FF-38F0366F6207}"/>
+                    </a:ext>
+                  </a:extLst>
+                </p:cNvPr>
+                <p:cNvPicPr/>
+                <p:nvPr/>
+              </p:nvPicPr>
+              <p:blipFill>
+                <a:blip r:embed="rId19"/>
+                <a:stretch>
+                  <a:fillRect/>
+                </a:stretch>
+              </p:blipFill>
+              <p:spPr>
+                <a:xfrm>
+                  <a:off x="7138480" y="1635318"/>
+                  <a:ext cx="18000" cy="126000"/>
+                </a:xfrm>
+                <a:prstGeom prst="rect">
+                  <a:avLst/>
+                </a:prstGeom>
+              </p:spPr>
+            </p:pic>
+          </mc:Fallback>
+        </mc:AlternateContent>
+        <mc:AlternateContent xmlns:mc="http://schemas.openxmlformats.org/markup-compatibility/2006">
+          <mc:Choice xmlns:p14="http://schemas.microsoft.com/office/powerpoint/2010/main" Requires="p14">
+            <p:contentPart p14:bwMode="auto" r:id="rId20">
+              <p14:nvContentPartPr>
+                <p14:cNvPr id="23" name="Encre 22">
+                  <a:extLst>
+                    <a:ext uri="{FF2B5EF4-FFF2-40B4-BE49-F238E27FC236}">
+                      <a16:creationId xmlns:a16="http://schemas.microsoft.com/office/drawing/2014/main" id="{76816B9E-4476-48EF-8188-FC5918CFF13C}"/>
+                    </a:ext>
+                  </a:extLst>
+                </p14:cNvPr>
+                <p14:cNvContentPartPr/>
+                <p14:nvPr/>
+              </p14:nvContentPartPr>
+              <p14:xfrm>
+                <a:off x="7206160" y="1660878"/>
+                <a:ext cx="18360" cy="111240"/>
+              </p14:xfrm>
+            </p:contentPart>
+          </mc:Choice>
+          <mc:Fallback>
+            <p:pic>
+              <p:nvPicPr>
+                <p:cNvPr id="23" name="Encre 22">
+                  <a:extLst>
+                    <a:ext uri="{FF2B5EF4-FFF2-40B4-BE49-F238E27FC236}">
+                      <a16:creationId xmlns:a16="http://schemas.microsoft.com/office/drawing/2014/main" id="{76816B9E-4476-48EF-8188-FC5918CFF13C}"/>
+                    </a:ext>
+                  </a:extLst>
+                </p:cNvPr>
+                <p:cNvPicPr/>
+                <p:nvPr/>
+              </p:nvPicPr>
+              <p:blipFill>
+                <a:blip r:embed="rId21"/>
+                <a:stretch>
+                  <a:fillRect/>
+                </a:stretch>
+              </p:blipFill>
+              <p:spPr>
+                <a:xfrm>
+                  <a:off x="7197160" y="1651878"/>
+                  <a:ext cx="36000" cy="128880"/>
+                </a:xfrm>
+                <a:prstGeom prst="rect">
+                  <a:avLst/>
+                </a:prstGeom>
+              </p:spPr>
+            </p:pic>
+          </mc:Fallback>
+        </mc:AlternateContent>
+        <mc:AlternateContent xmlns:mc="http://schemas.openxmlformats.org/markup-compatibility/2006">
+          <mc:Choice xmlns:p14="http://schemas.microsoft.com/office/powerpoint/2010/main" Requires="p14">
+            <p:contentPart p14:bwMode="auto" r:id="rId22">
+              <p14:nvContentPartPr>
+                <p14:cNvPr id="24" name="Encre 23">
+                  <a:extLst>
+                    <a:ext uri="{FF2B5EF4-FFF2-40B4-BE49-F238E27FC236}">
+                      <a16:creationId xmlns:a16="http://schemas.microsoft.com/office/drawing/2014/main" id="{BC11371D-DC52-42B7-B702-C4078F0B4D46}"/>
+                    </a:ext>
+                  </a:extLst>
+                </p14:cNvPr>
+                <p14:cNvContentPartPr/>
+                <p14:nvPr/>
+              </p14:nvContentPartPr>
+              <p14:xfrm>
+                <a:off x="7155760" y="1727478"/>
+                <a:ext cx="65880" cy="9000"/>
+              </p14:xfrm>
+            </p:contentPart>
+          </mc:Choice>
+          <mc:Fallback>
+            <p:pic>
+              <p:nvPicPr>
+                <p:cNvPr id="24" name="Encre 23">
+                  <a:extLst>
+                    <a:ext uri="{FF2B5EF4-FFF2-40B4-BE49-F238E27FC236}">
+                      <a16:creationId xmlns:a16="http://schemas.microsoft.com/office/drawing/2014/main" id="{BC11371D-DC52-42B7-B702-C4078F0B4D46}"/>
+                    </a:ext>
+                  </a:extLst>
+                </p:cNvPr>
+                <p:cNvPicPr/>
+                <p:nvPr/>
+              </p:nvPicPr>
+              <p:blipFill>
+                <a:blip r:embed="rId23"/>
+                <a:stretch>
+                  <a:fillRect/>
+                </a:stretch>
+              </p:blipFill>
+              <p:spPr>
+                <a:xfrm>
+                  <a:off x="7146760" y="1718478"/>
+                  <a:ext cx="83520" cy="26640"/>
+                </a:xfrm>
+                <a:prstGeom prst="rect">
+                  <a:avLst/>
+                </a:prstGeom>
+              </p:spPr>
+            </p:pic>
+          </mc:Fallback>
+        </mc:AlternateContent>
+        <mc:AlternateContent xmlns:mc="http://schemas.openxmlformats.org/markup-compatibility/2006">
+          <mc:Choice xmlns:p14="http://schemas.microsoft.com/office/powerpoint/2010/main" Requires="p14">
+            <p:contentPart p14:bwMode="auto" r:id="rId24">
+              <p14:nvContentPartPr>
+                <p14:cNvPr id="26" name="Encre 25">
+                  <a:extLst>
+                    <a:ext uri="{FF2B5EF4-FFF2-40B4-BE49-F238E27FC236}">
+                      <a16:creationId xmlns:a16="http://schemas.microsoft.com/office/drawing/2014/main" id="{30371741-DDD3-4DBF-B3F7-817784CFC25F}"/>
+                    </a:ext>
+                  </a:extLst>
+                </p14:cNvPr>
+                <p14:cNvContentPartPr/>
+                <p14:nvPr/>
+              </p14:nvContentPartPr>
+              <p14:xfrm>
+                <a:off x="7130200" y="1517598"/>
+                <a:ext cx="150120" cy="102240"/>
+              </p14:xfrm>
+            </p:contentPart>
+          </mc:Choice>
+          <mc:Fallback>
+            <p:pic>
+              <p:nvPicPr>
+                <p:cNvPr id="26" name="Encre 25">
+                  <a:extLst>
+                    <a:ext uri="{FF2B5EF4-FFF2-40B4-BE49-F238E27FC236}">
+                      <a16:creationId xmlns:a16="http://schemas.microsoft.com/office/drawing/2014/main" id="{30371741-DDD3-4DBF-B3F7-817784CFC25F}"/>
+                    </a:ext>
+                  </a:extLst>
+                </p:cNvPr>
+                <p:cNvPicPr/>
+                <p:nvPr/>
+              </p:nvPicPr>
+              <p:blipFill>
+                <a:blip r:embed="rId25"/>
+                <a:stretch>
+                  <a:fillRect/>
+                </a:stretch>
+              </p:blipFill>
+              <p:spPr>
+                <a:xfrm>
+                  <a:off x="7121560" y="1508598"/>
+                  <a:ext cx="167760" cy="119880"/>
+                </a:xfrm>
+                <a:prstGeom prst="rect">
+                  <a:avLst/>
+                </a:prstGeom>
+              </p:spPr>
+            </p:pic>
+          </mc:Fallback>
+        </mc:AlternateContent>
+      </p:grpSp>
+      <mc:AlternateContent xmlns:mc="http://schemas.openxmlformats.org/markup-compatibility/2006">
+        <mc:Choice xmlns:p14="http://schemas.microsoft.com/office/powerpoint/2010/main" Requires="p14">
+          <p:contentPart p14:bwMode="auto" r:id="rId26">
+            <p14:nvContentPartPr>
+              <p14:cNvPr id="28" name="Encre 27">
+                <a:extLst>
+                  <a:ext uri="{FF2B5EF4-FFF2-40B4-BE49-F238E27FC236}">
+                    <a16:creationId xmlns:a16="http://schemas.microsoft.com/office/drawing/2014/main" id="{996FAC7F-9465-4517-B01A-4D2CE122DCFE}"/>
+                  </a:ext>
+                </a:extLst>
+              </p14:cNvPr>
+              <p14:cNvContentPartPr/>
+              <p14:nvPr/>
+            </p14:nvContentPartPr>
+            <p14:xfrm>
+              <a:off x="7827520" y="4378518"/>
+              <a:ext cx="947520" cy="378360"/>
+            </p14:xfrm>
+          </p:contentPart>
+        </mc:Choice>
+        <mc:Fallback>
+          <p:pic>
+            <p:nvPicPr>
+              <p:cNvPr id="28" name="Encre 27">
+                <a:extLst>
+                  <a:ext uri="{FF2B5EF4-FFF2-40B4-BE49-F238E27FC236}">
+                    <a16:creationId xmlns:a16="http://schemas.microsoft.com/office/drawing/2014/main" id="{996FAC7F-9465-4517-B01A-4D2CE122DCFE}"/>
+                  </a:ext>
+                </a:extLst>
+              </p:cNvPr>
+              <p:cNvPicPr/>
+              <p:nvPr/>
+            </p:nvPicPr>
+            <p:blipFill>
+              <a:blip r:embed="rId27"/>
+              <a:stretch>
+                <a:fillRect/>
+              </a:stretch>
+            </p:blipFill>
+            <p:spPr>
+              <a:xfrm>
+                <a:off x="7818880" y="4369878"/>
+                <a:ext cx="965160" cy="396000"/>
+              </a:xfrm>
+              <a:prstGeom prst="rect">
+                <a:avLst/>
+              </a:prstGeom>
+            </p:spPr>
+          </p:pic>
+        </mc:Fallback>
+      </mc:AlternateContent>
+      <mc:AlternateContent xmlns:mc="http://schemas.openxmlformats.org/markup-compatibility/2006">
+        <mc:Choice xmlns:p14="http://schemas.microsoft.com/office/powerpoint/2010/main" Requires="p14">
+          <p:contentPart p14:bwMode="auto" r:id="rId28">
+            <p14:nvContentPartPr>
+              <p14:cNvPr id="31" name="Encre 30">
+                <a:extLst>
+                  <a:ext uri="{FF2B5EF4-FFF2-40B4-BE49-F238E27FC236}">
+                    <a16:creationId xmlns:a16="http://schemas.microsoft.com/office/drawing/2014/main" id="{EF3C52E7-02D1-400F-8B03-6A85FDDDADCD}"/>
+                  </a:ext>
+                </a:extLst>
+              </p14:cNvPr>
+              <p14:cNvContentPartPr/>
+              <p14:nvPr/>
+            </p14:nvContentPartPr>
+            <p14:xfrm>
+              <a:off x="6954520" y="3388878"/>
+              <a:ext cx="131400" cy="603360"/>
+            </p14:xfrm>
+          </p:contentPart>
+        </mc:Choice>
+        <mc:Fallback>
+          <p:pic>
+            <p:nvPicPr>
+              <p:cNvPr id="31" name="Encre 30">
+                <a:extLst>
+                  <a:ext uri="{FF2B5EF4-FFF2-40B4-BE49-F238E27FC236}">
+                    <a16:creationId xmlns:a16="http://schemas.microsoft.com/office/drawing/2014/main" id="{EF3C52E7-02D1-400F-8B03-6A85FDDDADCD}"/>
+                  </a:ext>
+                </a:extLst>
+              </p:cNvPr>
+              <p:cNvPicPr/>
+              <p:nvPr/>
+            </p:nvPicPr>
+            <p:blipFill>
+              <a:blip r:embed="rId29"/>
+              <a:stretch>
+                <a:fillRect/>
+              </a:stretch>
+            </p:blipFill>
+            <p:spPr>
+              <a:xfrm>
+                <a:off x="6945520" y="3379878"/>
+                <a:ext cx="149040" cy="621000"/>
+              </a:xfrm>
+              <a:prstGeom prst="rect">
+                <a:avLst/>
+              </a:prstGeom>
+            </p:spPr>
+          </p:pic>
+        </mc:Fallback>
+      </mc:AlternateContent>
+      <mc:AlternateContent xmlns:mc="http://schemas.openxmlformats.org/markup-compatibility/2006">
+        <mc:Choice xmlns:p14="http://schemas.microsoft.com/office/powerpoint/2010/main" Requires="p14">
+          <p:contentPart p14:bwMode="auto" r:id="rId30">
+            <p14:nvContentPartPr>
+              <p14:cNvPr id="252" name="Encre 251">
+                <a:extLst>
+                  <a:ext uri="{FF2B5EF4-FFF2-40B4-BE49-F238E27FC236}">
+                    <a16:creationId xmlns:a16="http://schemas.microsoft.com/office/drawing/2014/main" id="{F9DD4188-BE54-4F2E-8F44-DCEC66B672D8}"/>
+                  </a:ext>
+                </a:extLst>
+              </p14:cNvPr>
+              <p14:cNvContentPartPr/>
+              <p14:nvPr/>
+            </p14:nvContentPartPr>
+            <p14:xfrm>
+              <a:off x="6928960" y="3392478"/>
+              <a:ext cx="136800" cy="105480"/>
+            </p14:xfrm>
+          </p:contentPart>
+        </mc:Choice>
+        <mc:Fallback>
+          <p:pic>
+            <p:nvPicPr>
+              <p:cNvPr id="252" name="Encre 251">
+                <a:extLst>
+                  <a:ext uri="{FF2B5EF4-FFF2-40B4-BE49-F238E27FC236}">
+                    <a16:creationId xmlns:a16="http://schemas.microsoft.com/office/drawing/2014/main" id="{F9DD4188-BE54-4F2E-8F44-DCEC66B672D8}"/>
+                  </a:ext>
+                </a:extLst>
+              </p:cNvPr>
+              <p:cNvPicPr/>
+              <p:nvPr/>
+            </p:nvPicPr>
+            <p:blipFill>
+              <a:blip r:embed="rId31"/>
+              <a:stretch>
+                <a:fillRect/>
+              </a:stretch>
+            </p:blipFill>
+            <p:spPr>
+              <a:xfrm>
+                <a:off x="6920320" y="3383838"/>
+                <a:ext cx="154440" cy="123120"/>
+              </a:xfrm>
+              <a:prstGeom prst="rect">
+                <a:avLst/>
+              </a:prstGeom>
+            </p:spPr>
+          </p:pic>
+        </mc:Fallback>
+      </mc:AlternateContent>
+      <p:grpSp>
+        <p:nvGrpSpPr>
+          <p:cNvPr id="40" name="Groupe 39">
+            <a:extLst>
+              <a:ext uri="{FF2B5EF4-FFF2-40B4-BE49-F238E27FC236}">
+                <a16:creationId xmlns:a16="http://schemas.microsoft.com/office/drawing/2014/main" id="{47A7F3D5-46AE-4B36-8C13-01221E10ABEF}"/>
+              </a:ext>
+            </a:extLst>
+          </p:cNvPr>
+          <p:cNvGrpSpPr/>
+          <p:nvPr/>
+        </p:nvGrpSpPr>
+        <p:grpSpPr>
+          <a:xfrm>
+            <a:off x="7063240" y="3615318"/>
+            <a:ext cx="100080" cy="151560"/>
+            <a:chOff x="7063240" y="3615318"/>
+            <a:chExt cx="100080" cy="151560"/>
+          </a:xfrm>
+        </p:grpSpPr>
+        <mc:AlternateContent xmlns:mc="http://schemas.openxmlformats.org/markup-compatibility/2006">
+          <mc:Choice xmlns:p14="http://schemas.microsoft.com/office/powerpoint/2010/main" Requires="p14">
+            <p:contentPart p14:bwMode="auto" r:id="rId32">
+              <p14:nvContentPartPr>
+                <p14:cNvPr id="253" name="Encre 252">
+                  <a:extLst>
+                    <a:ext uri="{FF2B5EF4-FFF2-40B4-BE49-F238E27FC236}">
+                      <a16:creationId xmlns:a16="http://schemas.microsoft.com/office/drawing/2014/main" id="{FDADF2C1-8047-4A4B-9212-A1B762D89D5B}"/>
+                    </a:ext>
+                  </a:extLst>
+                </p14:cNvPr>
+                <p14:cNvContentPartPr/>
+                <p14:nvPr/>
+              </p14:nvContentPartPr>
+              <p14:xfrm>
+                <a:off x="7105360" y="3623598"/>
+                <a:ext cx="17280" cy="133560"/>
+              </p14:xfrm>
+            </p:contentPart>
+          </mc:Choice>
+          <mc:Fallback>
+            <p:pic>
+              <p:nvPicPr>
+                <p:cNvPr id="253" name="Encre 252">
+                  <a:extLst>
+                    <a:ext uri="{FF2B5EF4-FFF2-40B4-BE49-F238E27FC236}">
+                      <a16:creationId xmlns:a16="http://schemas.microsoft.com/office/drawing/2014/main" id="{FDADF2C1-8047-4A4B-9212-A1B762D89D5B}"/>
+                    </a:ext>
+                  </a:extLst>
+                </p:cNvPr>
+                <p:cNvPicPr/>
+                <p:nvPr/>
+              </p:nvPicPr>
+              <p:blipFill>
+                <a:blip r:embed="rId33"/>
+                <a:stretch>
+                  <a:fillRect/>
+                </a:stretch>
+              </p:blipFill>
+              <p:spPr>
+                <a:xfrm>
+                  <a:off x="7096720" y="3614958"/>
+                  <a:ext cx="34920" cy="151200"/>
+                </a:xfrm>
+                <a:prstGeom prst="rect">
+                  <a:avLst/>
+                </a:prstGeom>
+              </p:spPr>
+            </p:pic>
+          </mc:Fallback>
+        </mc:AlternateContent>
+        <mc:AlternateContent xmlns:mc="http://schemas.openxmlformats.org/markup-compatibility/2006">
+          <mc:Choice xmlns:p14="http://schemas.microsoft.com/office/powerpoint/2010/main" Requires="p14">
+            <p:contentPart p14:bwMode="auto" r:id="rId34">
+              <p14:nvContentPartPr>
+                <p14:cNvPr id="255" name="Encre 254">
+                  <a:extLst>
+                    <a:ext uri="{FF2B5EF4-FFF2-40B4-BE49-F238E27FC236}">
+                      <a16:creationId xmlns:a16="http://schemas.microsoft.com/office/drawing/2014/main" id="{F37D3DEE-132F-41AE-8807-16AB3F7622E1}"/>
+                    </a:ext>
+                  </a:extLst>
+                </p14:cNvPr>
+                <p14:cNvContentPartPr/>
+                <p14:nvPr/>
+              </p14:nvContentPartPr>
+              <p14:xfrm>
+                <a:off x="7071520" y="3623598"/>
+                <a:ext cx="48600" cy="360"/>
+              </p14:xfrm>
+            </p:contentPart>
+          </mc:Choice>
+          <mc:Fallback>
+            <p:pic>
+              <p:nvPicPr>
+                <p:cNvPr id="255" name="Encre 254">
+                  <a:extLst>
+                    <a:ext uri="{FF2B5EF4-FFF2-40B4-BE49-F238E27FC236}">
+                      <a16:creationId xmlns:a16="http://schemas.microsoft.com/office/drawing/2014/main" id="{F37D3DEE-132F-41AE-8807-16AB3F7622E1}"/>
+                    </a:ext>
+                  </a:extLst>
+                </p:cNvPr>
+                <p:cNvPicPr/>
+                <p:nvPr/>
+              </p:nvPicPr>
+              <p:blipFill>
+                <a:blip r:embed="rId35"/>
+                <a:stretch>
+                  <a:fillRect/>
+                </a:stretch>
+              </p:blipFill>
+              <p:spPr>
+                <a:xfrm>
+                  <a:off x="7062880" y="3614958"/>
+                  <a:ext cx="66240" cy="18000"/>
+                </a:xfrm>
+                <a:prstGeom prst="rect">
+                  <a:avLst/>
+                </a:prstGeom>
+              </p:spPr>
+            </p:pic>
+          </mc:Fallback>
+        </mc:AlternateContent>
+        <mc:AlternateContent xmlns:mc="http://schemas.openxmlformats.org/markup-compatibility/2006">
+          <mc:Choice xmlns:p14="http://schemas.microsoft.com/office/powerpoint/2010/main" Requires="p14">
+            <p:contentPart p14:bwMode="auto" r:id="rId36">
+              <p14:nvContentPartPr>
+                <p14:cNvPr id="34" name="Encre 33">
+                  <a:extLst>
+                    <a:ext uri="{FF2B5EF4-FFF2-40B4-BE49-F238E27FC236}">
+                      <a16:creationId xmlns:a16="http://schemas.microsoft.com/office/drawing/2014/main" id="{FD37D1E2-B688-4D08-B8D0-248C2C2D6DEF}"/>
+                    </a:ext>
+                  </a:extLst>
+                </p14:cNvPr>
+                <p14:cNvContentPartPr/>
+                <p14:nvPr/>
+              </p14:nvContentPartPr>
+              <p14:xfrm>
+                <a:off x="7063240" y="3749238"/>
+                <a:ext cx="100080" cy="17640"/>
+              </p14:xfrm>
+            </p:contentPart>
+          </mc:Choice>
+          <mc:Fallback>
+            <p:pic>
+              <p:nvPicPr>
+                <p:cNvPr id="34" name="Encre 33">
+                  <a:extLst>
+                    <a:ext uri="{FF2B5EF4-FFF2-40B4-BE49-F238E27FC236}">
+                      <a16:creationId xmlns:a16="http://schemas.microsoft.com/office/drawing/2014/main" id="{FD37D1E2-B688-4D08-B8D0-248C2C2D6DEF}"/>
+                    </a:ext>
+                  </a:extLst>
+                </p:cNvPr>
+                <p:cNvPicPr/>
+                <p:nvPr/>
+              </p:nvPicPr>
+              <p:blipFill>
+                <a:blip r:embed="rId37"/>
+                <a:stretch>
+                  <a:fillRect/>
+                </a:stretch>
+              </p:blipFill>
+              <p:spPr>
+                <a:xfrm>
+                  <a:off x="7054600" y="3740598"/>
+                  <a:ext cx="117720" cy="35280"/>
+                </a:xfrm>
+                <a:prstGeom prst="rect">
+                  <a:avLst/>
+                </a:prstGeom>
+              </p:spPr>
+            </p:pic>
+          </mc:Fallback>
+        </mc:AlternateContent>
+        <mc:AlternateContent xmlns:mc="http://schemas.openxmlformats.org/markup-compatibility/2006">
+          <mc:Choice xmlns:p14="http://schemas.microsoft.com/office/powerpoint/2010/main" Requires="p14">
+            <p:contentPart p14:bwMode="auto" r:id="rId38">
+              <p14:nvContentPartPr>
+                <p14:cNvPr id="36" name="Encre 35">
+                  <a:extLst>
+                    <a:ext uri="{FF2B5EF4-FFF2-40B4-BE49-F238E27FC236}">
+                      <a16:creationId xmlns:a16="http://schemas.microsoft.com/office/drawing/2014/main" id="{4434CD4A-675C-4935-A32F-9A8C6C9DA728}"/>
+                    </a:ext>
+                  </a:extLst>
+                </p14:cNvPr>
+                <p14:cNvContentPartPr/>
+                <p14:nvPr/>
+              </p14:nvContentPartPr>
+              <p14:xfrm>
+                <a:off x="7121920" y="3615318"/>
+                <a:ext cx="31320" cy="360"/>
+              </p14:xfrm>
+            </p:contentPart>
+          </mc:Choice>
+          <mc:Fallback>
+            <p:pic>
+              <p:nvPicPr>
+                <p:cNvPr id="36" name="Encre 35">
+                  <a:extLst>
+                    <a:ext uri="{FF2B5EF4-FFF2-40B4-BE49-F238E27FC236}">
+                      <a16:creationId xmlns:a16="http://schemas.microsoft.com/office/drawing/2014/main" id="{4434CD4A-675C-4935-A32F-9A8C6C9DA728}"/>
+                    </a:ext>
+                  </a:extLst>
+                </p:cNvPr>
+                <p:cNvPicPr/>
+                <p:nvPr/>
+              </p:nvPicPr>
+              <p:blipFill>
+                <a:blip r:embed="rId39"/>
+                <a:stretch>
+                  <a:fillRect/>
+                </a:stretch>
+              </p:blipFill>
+              <p:spPr>
+                <a:xfrm>
+                  <a:off x="7113280" y="3606678"/>
+                  <a:ext cx="48960" cy="18000"/>
+                </a:xfrm>
+                <a:prstGeom prst="rect">
+                  <a:avLst/>
+                </a:prstGeom>
+              </p:spPr>
+            </p:pic>
+          </mc:Fallback>
+        </mc:AlternateContent>
+      </p:grpSp>
+      <p:sp>
+        <p:nvSpPr>
+          <p:cNvPr id="256" name="Ellipse 255">
+            <a:extLst>
+              <a:ext uri="{FF2B5EF4-FFF2-40B4-BE49-F238E27FC236}">
+                <a16:creationId xmlns:a16="http://schemas.microsoft.com/office/drawing/2014/main" id="{B1A0A594-C430-48B0-829D-6599374A58E3}"/>
+              </a:ext>
+            </a:extLst>
+          </p:cNvPr>
+          <p:cNvSpPr/>
+          <p:nvPr/>
+        </p:nvSpPr>
+        <p:spPr>
+          <a:xfrm>
+            <a:off x="5710978" y="4914348"/>
+            <a:ext cx="1434446" cy="486486"/>
+          </a:xfrm>
+          <a:prstGeom prst="ellipse">
+            <a:avLst/>
+          </a:prstGeom>
+        </p:spPr>
+        <p:style>
+          <a:lnRef idx="2">
+            <a:schemeClr val="dk1"/>
+          </a:lnRef>
+          <a:fillRef idx="1">
+            <a:schemeClr val="lt1"/>
+          </a:fillRef>
+          <a:effectRef idx="0">
+            <a:schemeClr val="dk1"/>
+          </a:effectRef>
+          <a:fontRef idx="minor">
+            <a:schemeClr val="dk1"/>
+          </a:fontRef>
+        </p:style>
+        <p:txBody>
+          <a:bodyPr rtlCol="0" anchor="ctr"/>
+          <a:lstStyle/>
+          <a:p>
+            <a:pPr algn="ctr"/>
+            <a:r>
+              <a:rPr lang="fr-FR" sz="1100" dirty="0"/>
+              <a:t>Créer mission renfort</a:t>
+            </a:r>
+          </a:p>
+        </p:txBody>
+      </p:sp>
+      <mc:AlternateContent xmlns:mc="http://schemas.openxmlformats.org/markup-compatibility/2006">
+        <mc:Choice xmlns:p14="http://schemas.microsoft.com/office/powerpoint/2010/main" Requires="p14">
+          <p:contentPart p14:bwMode="auto" r:id="rId40">
+            <p14:nvContentPartPr>
+              <p14:cNvPr id="46" name="Encre 45">
+                <a:extLst>
+                  <a:ext uri="{FF2B5EF4-FFF2-40B4-BE49-F238E27FC236}">
+                    <a16:creationId xmlns:a16="http://schemas.microsoft.com/office/drawing/2014/main" id="{CDCA986B-51D9-4C2F-9F3B-9BC38F62212E}"/>
+                  </a:ext>
+                </a:extLst>
+              </p14:cNvPr>
+              <p14:cNvContentPartPr/>
+              <p14:nvPr/>
+            </p14:nvContentPartPr>
+            <p14:xfrm>
+              <a:off x="6788200" y="4437558"/>
+              <a:ext cx="116280" cy="504000"/>
+            </p14:xfrm>
+          </p:contentPart>
+        </mc:Choice>
+        <mc:Fallback>
+          <p:pic>
+            <p:nvPicPr>
+              <p:cNvPr id="46" name="Encre 45">
+                <a:extLst>
+                  <a:ext uri="{FF2B5EF4-FFF2-40B4-BE49-F238E27FC236}">
+                    <a16:creationId xmlns:a16="http://schemas.microsoft.com/office/drawing/2014/main" id="{CDCA986B-51D9-4C2F-9F3B-9BC38F62212E}"/>
+                  </a:ext>
+                </a:extLst>
+              </p:cNvPr>
+              <p:cNvPicPr/>
+              <p:nvPr/>
+            </p:nvPicPr>
+            <p:blipFill>
+              <a:blip r:embed="rId41"/>
+              <a:stretch>
+                <a:fillRect/>
+              </a:stretch>
+            </p:blipFill>
+            <p:spPr>
+              <a:xfrm>
+                <a:off x="6779200" y="4428558"/>
+                <a:ext cx="133920" cy="521640"/>
+              </a:xfrm>
+              <a:prstGeom prst="rect">
+                <a:avLst/>
+              </a:prstGeom>
+            </p:spPr>
+          </p:pic>
+        </mc:Fallback>
+      </mc:AlternateContent>
+      <mc:AlternateContent xmlns:mc="http://schemas.openxmlformats.org/markup-compatibility/2006">
+        <mc:Choice xmlns:p14="http://schemas.microsoft.com/office/powerpoint/2010/main" Requires="p14">
+          <p:contentPart p14:bwMode="auto" r:id="rId42">
+            <p14:nvContentPartPr>
+              <p14:cNvPr id="56" name="Encre 55">
+                <a:extLst>
+                  <a:ext uri="{FF2B5EF4-FFF2-40B4-BE49-F238E27FC236}">
+                    <a16:creationId xmlns:a16="http://schemas.microsoft.com/office/drawing/2014/main" id="{3F7134D9-016E-4179-A81B-9525ACAADD89}"/>
+                  </a:ext>
+                </a:extLst>
+              </p14:cNvPr>
+              <p14:cNvContentPartPr/>
+              <p14:nvPr/>
+            </p14:nvContentPartPr>
+            <p14:xfrm>
+              <a:off x="6837160" y="4440078"/>
+              <a:ext cx="100440" cy="80640"/>
+            </p14:xfrm>
+          </p:contentPart>
+        </mc:Choice>
+        <mc:Fallback>
+          <p:pic>
+            <p:nvPicPr>
+              <p:cNvPr id="56" name="Encre 55">
+                <a:extLst>
+                  <a:ext uri="{FF2B5EF4-FFF2-40B4-BE49-F238E27FC236}">
+                    <a16:creationId xmlns:a16="http://schemas.microsoft.com/office/drawing/2014/main" id="{3F7134D9-016E-4179-A81B-9525ACAADD89}"/>
+                  </a:ext>
+                </a:extLst>
+              </p:cNvPr>
+              <p:cNvPicPr/>
+              <p:nvPr/>
+            </p:nvPicPr>
+            <p:blipFill>
+              <a:blip r:embed="rId43"/>
+              <a:stretch>
+                <a:fillRect/>
+              </a:stretch>
+            </p:blipFill>
+            <p:spPr>
+              <a:xfrm>
+                <a:off x="6828160" y="4431438"/>
+                <a:ext cx="118080" cy="98280"/>
+              </a:xfrm>
+              <a:prstGeom prst="rect">
+                <a:avLst/>
+              </a:prstGeom>
+            </p:spPr>
+          </p:pic>
+        </mc:Fallback>
+      </mc:AlternateContent>
+      <p:grpSp>
+        <p:nvGrpSpPr>
+          <p:cNvPr id="259" name="Groupe 258">
+            <a:extLst>
+              <a:ext uri="{FF2B5EF4-FFF2-40B4-BE49-F238E27FC236}">
+                <a16:creationId xmlns:a16="http://schemas.microsoft.com/office/drawing/2014/main" id="{E8706339-1E35-4A66-A2AC-E35F105EFEF4}"/>
+              </a:ext>
+            </a:extLst>
+          </p:cNvPr>
+          <p:cNvGrpSpPr/>
+          <p:nvPr/>
+        </p:nvGrpSpPr>
+        <p:grpSpPr>
+          <a:xfrm>
+            <a:off x="6912400" y="4638798"/>
+            <a:ext cx="108360" cy="151560"/>
+            <a:chOff x="6912400" y="4638798"/>
+            <a:chExt cx="108360" cy="151560"/>
+          </a:xfrm>
+        </p:grpSpPr>
+        <mc:AlternateContent xmlns:mc="http://schemas.openxmlformats.org/markup-compatibility/2006">
+          <mc:Choice xmlns:p14="http://schemas.microsoft.com/office/powerpoint/2010/main" Requires="p14">
+            <p:contentPart p14:bwMode="auto" r:id="rId44">
+              <p14:nvContentPartPr>
+                <p14:cNvPr id="57" name="Encre 56">
+                  <a:extLst>
+                    <a:ext uri="{FF2B5EF4-FFF2-40B4-BE49-F238E27FC236}">
+                      <a16:creationId xmlns:a16="http://schemas.microsoft.com/office/drawing/2014/main" id="{7B397B20-64E9-4524-A97A-D2D26E46FDFF}"/>
+                    </a:ext>
+                  </a:extLst>
+                </p14:cNvPr>
+                <p14:cNvContentPartPr/>
+                <p14:nvPr/>
+              </p14:nvContentPartPr>
+              <p14:xfrm>
+                <a:off x="6912400" y="4644918"/>
+                <a:ext cx="65520" cy="128520"/>
+              </p14:xfrm>
+            </p:contentPart>
+          </mc:Choice>
+          <mc:Fallback>
+            <p:pic>
+              <p:nvPicPr>
+                <p:cNvPr id="57" name="Encre 56">
+                  <a:extLst>
+                    <a:ext uri="{FF2B5EF4-FFF2-40B4-BE49-F238E27FC236}">
+                      <a16:creationId xmlns:a16="http://schemas.microsoft.com/office/drawing/2014/main" id="{7B397B20-64E9-4524-A97A-D2D26E46FDFF}"/>
+                    </a:ext>
+                  </a:extLst>
+                </p:cNvPr>
+                <p:cNvPicPr/>
+                <p:nvPr/>
+              </p:nvPicPr>
+              <p:blipFill>
+                <a:blip r:embed="rId45"/>
+                <a:stretch>
+                  <a:fillRect/>
+                </a:stretch>
+              </p:blipFill>
+              <p:spPr>
+                <a:xfrm>
+                  <a:off x="6903400" y="4635918"/>
+                  <a:ext cx="83160" cy="146160"/>
+                </a:xfrm>
+                <a:prstGeom prst="rect">
+                  <a:avLst/>
+                </a:prstGeom>
+              </p:spPr>
+            </p:pic>
+          </mc:Fallback>
+        </mc:AlternateContent>
+        <mc:AlternateContent xmlns:mc="http://schemas.openxmlformats.org/markup-compatibility/2006">
+          <mc:Choice xmlns:p14="http://schemas.microsoft.com/office/powerpoint/2010/main" Requires="p14">
+            <p:contentPart p14:bwMode="auto" r:id="rId46">
+              <p14:nvContentPartPr>
+                <p14:cNvPr id="58" name="Encre 57">
+                  <a:extLst>
+                    <a:ext uri="{FF2B5EF4-FFF2-40B4-BE49-F238E27FC236}">
+                      <a16:creationId xmlns:a16="http://schemas.microsoft.com/office/drawing/2014/main" id="{C206C83F-5FBC-4EFC-B498-D6B20039E682}"/>
+                    </a:ext>
+                  </a:extLst>
+                </p14:cNvPr>
+                <p14:cNvContentPartPr/>
+                <p14:nvPr/>
+              </p14:nvContentPartPr>
+              <p14:xfrm>
+                <a:off x="6920680" y="4689198"/>
+                <a:ext cx="45360" cy="3600"/>
+              </p14:xfrm>
+            </p:contentPart>
+          </mc:Choice>
+          <mc:Fallback>
+            <p:pic>
+              <p:nvPicPr>
+                <p:cNvPr id="58" name="Encre 57">
+                  <a:extLst>
+                    <a:ext uri="{FF2B5EF4-FFF2-40B4-BE49-F238E27FC236}">
+                      <a16:creationId xmlns:a16="http://schemas.microsoft.com/office/drawing/2014/main" id="{C206C83F-5FBC-4EFC-B498-D6B20039E682}"/>
+                    </a:ext>
+                  </a:extLst>
+                </p:cNvPr>
+                <p:cNvPicPr/>
+                <p:nvPr/>
+              </p:nvPicPr>
+              <p:blipFill>
+                <a:blip r:embed="rId47"/>
+                <a:stretch>
+                  <a:fillRect/>
+                </a:stretch>
+              </p:blipFill>
+              <p:spPr>
+                <a:xfrm>
+                  <a:off x="6912040" y="4680198"/>
+                  <a:ext cx="63000" cy="21240"/>
+                </a:xfrm>
+                <a:prstGeom prst="rect">
+                  <a:avLst/>
+                </a:prstGeom>
+              </p:spPr>
+            </p:pic>
+          </mc:Fallback>
+        </mc:AlternateContent>
+        <mc:AlternateContent xmlns:mc="http://schemas.openxmlformats.org/markup-compatibility/2006">
+          <mc:Choice xmlns:p14="http://schemas.microsoft.com/office/powerpoint/2010/main" Requires="p14">
+            <p:contentPart p14:bwMode="auto" r:id="rId48">
+              <p14:nvContentPartPr>
+                <p14:cNvPr id="63" name="Encre 62">
+                  <a:extLst>
+                    <a:ext uri="{FF2B5EF4-FFF2-40B4-BE49-F238E27FC236}">
+                      <a16:creationId xmlns:a16="http://schemas.microsoft.com/office/drawing/2014/main" id="{839E8389-E0D8-47BD-B847-BC3FDCAF8729}"/>
+                    </a:ext>
+                  </a:extLst>
+                </p14:cNvPr>
+                <p14:cNvContentPartPr/>
+                <p14:nvPr/>
+              </p14:nvContentPartPr>
+              <p14:xfrm>
+                <a:off x="6912400" y="4781358"/>
+                <a:ext cx="108360" cy="9000"/>
+              </p14:xfrm>
+            </p:contentPart>
+          </mc:Choice>
+          <mc:Fallback>
+            <p:pic>
+              <p:nvPicPr>
+                <p:cNvPr id="63" name="Encre 62">
+                  <a:extLst>
+                    <a:ext uri="{FF2B5EF4-FFF2-40B4-BE49-F238E27FC236}">
+                      <a16:creationId xmlns:a16="http://schemas.microsoft.com/office/drawing/2014/main" id="{839E8389-E0D8-47BD-B847-BC3FDCAF8729}"/>
+                    </a:ext>
+                  </a:extLst>
+                </p:cNvPr>
+                <p:cNvPicPr/>
+                <p:nvPr/>
+              </p:nvPicPr>
+              <p:blipFill>
+                <a:blip r:embed="rId49"/>
+                <a:stretch>
+                  <a:fillRect/>
+                </a:stretch>
+              </p:blipFill>
+              <p:spPr>
+                <a:xfrm>
+                  <a:off x="6903400" y="4772718"/>
+                  <a:ext cx="126000" cy="26640"/>
+                </a:xfrm>
+                <a:prstGeom prst="rect">
+                  <a:avLst/>
+                </a:prstGeom>
+              </p:spPr>
+            </p:pic>
+          </mc:Fallback>
+        </mc:AlternateContent>
+        <mc:AlternateContent xmlns:mc="http://schemas.openxmlformats.org/markup-compatibility/2006">
+          <mc:Choice xmlns:p14="http://schemas.microsoft.com/office/powerpoint/2010/main" Requires="p14">
+            <p:contentPart p14:bwMode="auto" r:id="rId50">
+              <p14:nvContentPartPr>
+                <p14:cNvPr id="258" name="Encre 257">
+                  <a:extLst>
+                    <a:ext uri="{FF2B5EF4-FFF2-40B4-BE49-F238E27FC236}">
+                      <a16:creationId xmlns:a16="http://schemas.microsoft.com/office/drawing/2014/main" id="{5CB00CB8-DD59-42FD-B51F-34B9E8CD5A58}"/>
+                    </a:ext>
+                  </a:extLst>
+                </p14:cNvPr>
+                <p14:cNvContentPartPr/>
+                <p14:nvPr/>
+              </p14:nvContentPartPr>
+              <p14:xfrm>
+                <a:off x="6979360" y="4638798"/>
+                <a:ext cx="39960" cy="360"/>
+              </p14:xfrm>
+            </p:contentPart>
+          </mc:Choice>
+          <mc:Fallback>
+            <p:pic>
+              <p:nvPicPr>
+                <p:cNvPr id="258" name="Encre 257">
+                  <a:extLst>
+                    <a:ext uri="{FF2B5EF4-FFF2-40B4-BE49-F238E27FC236}">
+                      <a16:creationId xmlns:a16="http://schemas.microsoft.com/office/drawing/2014/main" id="{5CB00CB8-DD59-42FD-B51F-34B9E8CD5A58}"/>
+                    </a:ext>
+                  </a:extLst>
+                </p:cNvPr>
+                <p:cNvPicPr/>
+                <p:nvPr/>
+              </p:nvPicPr>
+              <p:blipFill>
+                <a:blip r:embed="rId51"/>
+                <a:stretch>
+                  <a:fillRect/>
+                </a:stretch>
+              </p:blipFill>
+              <p:spPr>
+                <a:xfrm>
+                  <a:off x="6970360" y="4629798"/>
+                  <a:ext cx="57600" cy="18000"/>
+                </a:xfrm>
+                <a:prstGeom prst="rect">
+                  <a:avLst/>
+                </a:prstGeom>
+              </p:spPr>
+            </p:pic>
+          </mc:Fallback>
+        </mc:AlternateContent>
+      </p:grpSp>
+    </p:spTree>
+    <p:extLst>
+      <p:ext uri="{BB962C8B-B14F-4D97-AF65-F5344CB8AC3E}">
+        <p14:creationId xmlns:p14="http://schemas.microsoft.com/office/powerpoint/2010/main" val="3630764791"/>
       </p:ext>
     </p:extLst>
   </p:cSld>
